--- a/presentation.pptx
+++ b/presentation.pptx
@@ -161,7 +161,7 @@
           <p:cNvPr id="2" name="Espace réservé de l’en-tête 1">
             <a:extLst>
               <a:ext uri="{FF2B5EF4-FFF2-40B4-BE49-F238E27FC236}">
-                <a16:creationId xmlns:a16="http://schemas.microsoft.com/office/drawing/2014/main" xmlns="" id="{254265FD-4E3F-4008-BF0D-92438DDF38EF}"/>
+                <a16:creationId xmlns:a16="http://schemas.microsoft.com/office/drawing/2014/main" id="{254265FD-4E3F-4008-BF0D-92438DDF38EF}"/>
               </a:ext>
             </a:extLst>
           </p:cNvPr>
@@ -199,7 +199,7 @@
           <p:cNvPr id="3" name="Espace réservé de la date 2">
             <a:extLst>
               <a:ext uri="{FF2B5EF4-FFF2-40B4-BE49-F238E27FC236}">
-                <a16:creationId xmlns:a16="http://schemas.microsoft.com/office/drawing/2014/main" xmlns="" id="{7411FABC-D2A4-4DDD-AE15-415703DDD3EA}"/>
+                <a16:creationId xmlns:a16="http://schemas.microsoft.com/office/drawing/2014/main" id="{7411FABC-D2A4-4DDD-AE15-415703DDD3EA}"/>
               </a:ext>
             </a:extLst>
           </p:cNvPr>
@@ -230,7 +230,7 @@
             <a:pPr rtl="0"/>
             <a:fld id="{A7E76542-B352-43FB-BB84-C98836247367}" type="datetime1">
               <a:rPr lang="fr-FR" smtClean="0"/>
-              <a:t>11/12/2019</a:t>
+              <a:t>13/12/2019</a:t>
             </a:fld>
             <a:endParaRPr lang="fr-FR" dirty="0"/>
           </a:p>
@@ -241,7 +241,7 @@
           <p:cNvPr id="4" name="Espace réservé du pied de page 3">
             <a:extLst>
               <a:ext uri="{FF2B5EF4-FFF2-40B4-BE49-F238E27FC236}">
-                <a16:creationId xmlns:a16="http://schemas.microsoft.com/office/drawing/2014/main" xmlns="" id="{27EBBAB0-AE2E-4EA6-BE3D-A8C4DA400704}"/>
+                <a16:creationId xmlns:a16="http://schemas.microsoft.com/office/drawing/2014/main" id="{27EBBAB0-AE2E-4EA6-BE3D-A8C4DA400704}"/>
               </a:ext>
             </a:extLst>
           </p:cNvPr>
@@ -279,7 +279,7 @@
           <p:cNvPr id="5" name="Espace réservé du numéro de diapositive 4">
             <a:extLst>
               <a:ext uri="{FF2B5EF4-FFF2-40B4-BE49-F238E27FC236}">
-                <a16:creationId xmlns:a16="http://schemas.microsoft.com/office/drawing/2014/main" xmlns="" id="{A31D462F-4914-49FC-A851-7FFFE9D6E86B}"/>
+                <a16:creationId xmlns:a16="http://schemas.microsoft.com/office/drawing/2014/main" id="{A31D462F-4914-49FC-A851-7FFFE9D6E86B}"/>
               </a:ext>
             </a:extLst>
           </p:cNvPr>
@@ -411,7 +411,7 @@
             <a:fld id="{A0DA2511-F204-4F86-8416-164020DAC540}" type="datetime1">
               <a:rPr lang="fr-FR" smtClean="0"/>
               <a:pPr/>
-              <a:t>11/12/2019</a:t>
+              <a:t>13/12/2019</a:t>
             </a:fld>
             <a:endParaRPr lang="fr-FR" dirty="0"/>
           </a:p>
@@ -1907,7 +1907,7 @@
           <p:cNvPr id="12" name="Espace réservé d’image 13">
             <a:extLst>
               <a:ext uri="{FF2B5EF4-FFF2-40B4-BE49-F238E27FC236}">
-                <a16:creationId xmlns:a16="http://schemas.microsoft.com/office/drawing/2014/main" xmlns="" id="{9FB41AE7-07AD-43D7-9418-6D32BE5E3192}"/>
+                <a16:creationId xmlns:a16="http://schemas.microsoft.com/office/drawing/2014/main" id="{9FB41AE7-07AD-43D7-9418-6D32BE5E3192}"/>
               </a:ext>
             </a:extLst>
           </p:cNvPr>
@@ -1947,7 +1947,7 @@
           <p:cNvPr id="14" name="Groupe 13">
             <a:extLst>
               <a:ext uri="{FF2B5EF4-FFF2-40B4-BE49-F238E27FC236}">
-                <a16:creationId xmlns:a16="http://schemas.microsoft.com/office/drawing/2014/main" xmlns="" id="{846D6A0C-E2C3-43CB-83D0-B5F6221079CA}"/>
+                <a16:creationId xmlns:a16="http://schemas.microsoft.com/office/drawing/2014/main" id="{846D6A0C-E2C3-43CB-83D0-B5F6221079CA}"/>
               </a:ext>
             </a:extLst>
           </p:cNvPr>
@@ -1967,7 +1967,7 @@
             <p:cNvPr id="15" name="Rectangle 14">
               <a:extLst>
                 <a:ext uri="{FF2B5EF4-FFF2-40B4-BE49-F238E27FC236}">
-                  <a16:creationId xmlns:a16="http://schemas.microsoft.com/office/drawing/2014/main" xmlns="" id="{F997D03F-0BE2-458F-92A2-4FE73B0FBF51}"/>
+                  <a16:creationId xmlns:a16="http://schemas.microsoft.com/office/drawing/2014/main" id="{F997D03F-0BE2-458F-92A2-4FE73B0FBF51}"/>
                 </a:ext>
               </a:extLst>
             </p:cNvPr>
@@ -2019,7 +2019,7 @@
             <p:cNvPr id="16" name="Rectangle 15">
               <a:extLst>
                 <a:ext uri="{FF2B5EF4-FFF2-40B4-BE49-F238E27FC236}">
-                  <a16:creationId xmlns:a16="http://schemas.microsoft.com/office/drawing/2014/main" xmlns="" id="{EDC96296-0FBF-47A5-9D6A-5D9BB647A4D7}"/>
+                  <a16:creationId xmlns:a16="http://schemas.microsoft.com/office/drawing/2014/main" id="{EDC96296-0FBF-47A5-9D6A-5D9BB647A4D7}"/>
                 </a:ext>
               </a:extLst>
             </p:cNvPr>
@@ -2362,7 +2362,7 @@
             <p:cNvPr id="17" name="Rectangle 16">
               <a:extLst>
                 <a:ext uri="{FF2B5EF4-FFF2-40B4-BE49-F238E27FC236}">
-                  <a16:creationId xmlns:a16="http://schemas.microsoft.com/office/drawing/2014/main" xmlns="" id="{53F17719-10FE-433E-9CCC-4509DE17F22A}"/>
+                  <a16:creationId xmlns:a16="http://schemas.microsoft.com/office/drawing/2014/main" id="{53F17719-10FE-433E-9CCC-4509DE17F22A}"/>
                 </a:ext>
               </a:extLst>
             </p:cNvPr>
@@ -2415,7 +2415,7 @@
           <p:cNvPr id="2" name="Titre 1">
             <a:extLst>
               <a:ext uri="{FF2B5EF4-FFF2-40B4-BE49-F238E27FC236}">
-                <a16:creationId xmlns:a16="http://schemas.microsoft.com/office/drawing/2014/main" xmlns="" id="{0DE73F1A-AAF0-4EB4-8DF0-C152BD93C69B}"/>
+                <a16:creationId xmlns:a16="http://schemas.microsoft.com/office/drawing/2014/main" id="{0DE73F1A-AAF0-4EB4-8DF0-C152BD93C69B}"/>
               </a:ext>
             </a:extLst>
           </p:cNvPr>
@@ -2467,7 +2467,7 @@
           <p:cNvPr id="3" name="Sous-titre 2">
             <a:extLst>
               <a:ext uri="{FF2B5EF4-FFF2-40B4-BE49-F238E27FC236}">
-                <a16:creationId xmlns:a16="http://schemas.microsoft.com/office/drawing/2014/main" xmlns="" id="{A3075AE6-92D3-4205-B268-E1AD6C5901DE}"/>
+                <a16:creationId xmlns:a16="http://schemas.microsoft.com/office/drawing/2014/main" id="{A3075AE6-92D3-4205-B268-E1AD6C5901DE}"/>
               </a:ext>
             </a:extLst>
           </p:cNvPr>
@@ -2574,7 +2574,7 @@
           <p:cNvPr id="14" name="Groupe 13">
             <a:extLst>
               <a:ext uri="{FF2B5EF4-FFF2-40B4-BE49-F238E27FC236}">
-                <a16:creationId xmlns:a16="http://schemas.microsoft.com/office/drawing/2014/main" xmlns="" id="{846D6A0C-E2C3-43CB-83D0-B5F6221079CA}"/>
+                <a16:creationId xmlns:a16="http://schemas.microsoft.com/office/drawing/2014/main" id="{846D6A0C-E2C3-43CB-83D0-B5F6221079CA}"/>
               </a:ext>
             </a:extLst>
           </p:cNvPr>
@@ -2594,7 +2594,7 @@
             <p:cNvPr id="16" name="Rectangle 15">
               <a:extLst>
                 <a:ext uri="{FF2B5EF4-FFF2-40B4-BE49-F238E27FC236}">
-                  <a16:creationId xmlns:a16="http://schemas.microsoft.com/office/drawing/2014/main" xmlns="" id="{EDC96296-0FBF-47A5-9D6A-5D9BB647A4D7}"/>
+                  <a16:creationId xmlns:a16="http://schemas.microsoft.com/office/drawing/2014/main" id="{EDC96296-0FBF-47A5-9D6A-5D9BB647A4D7}"/>
                 </a:ext>
               </a:extLst>
             </p:cNvPr>
@@ -2937,7 +2937,7 @@
             <p:cNvPr id="15" name="Rectangle 14">
               <a:extLst>
                 <a:ext uri="{FF2B5EF4-FFF2-40B4-BE49-F238E27FC236}">
-                  <a16:creationId xmlns:a16="http://schemas.microsoft.com/office/drawing/2014/main" xmlns="" id="{F997D03F-0BE2-458F-92A2-4FE73B0FBF51}"/>
+                  <a16:creationId xmlns:a16="http://schemas.microsoft.com/office/drawing/2014/main" id="{F997D03F-0BE2-458F-92A2-4FE73B0FBF51}"/>
                 </a:ext>
               </a:extLst>
             </p:cNvPr>
@@ -2989,7 +2989,7 @@
             <p:cNvPr id="17" name="Rectangle 16">
               <a:extLst>
                 <a:ext uri="{FF2B5EF4-FFF2-40B4-BE49-F238E27FC236}">
-                  <a16:creationId xmlns:a16="http://schemas.microsoft.com/office/drawing/2014/main" xmlns="" id="{53F17719-10FE-433E-9CCC-4509DE17F22A}"/>
+                  <a16:creationId xmlns:a16="http://schemas.microsoft.com/office/drawing/2014/main" id="{53F17719-10FE-433E-9CCC-4509DE17F22A}"/>
                 </a:ext>
               </a:extLst>
             </p:cNvPr>
@@ -3042,7 +3042,7 @@
           <p:cNvPr id="2" name="Titre 1">
             <a:extLst>
               <a:ext uri="{FF2B5EF4-FFF2-40B4-BE49-F238E27FC236}">
-                <a16:creationId xmlns:a16="http://schemas.microsoft.com/office/drawing/2014/main" xmlns="" id="{0DE73F1A-AAF0-4EB4-8DF0-C152BD93C69B}"/>
+                <a16:creationId xmlns:a16="http://schemas.microsoft.com/office/drawing/2014/main" id="{0DE73F1A-AAF0-4EB4-8DF0-C152BD93C69B}"/>
               </a:ext>
             </a:extLst>
           </p:cNvPr>
@@ -3094,7 +3094,7 @@
           <p:cNvPr id="3" name="Sous-titre 2">
             <a:extLst>
               <a:ext uri="{FF2B5EF4-FFF2-40B4-BE49-F238E27FC236}">
-                <a16:creationId xmlns:a16="http://schemas.microsoft.com/office/drawing/2014/main" xmlns="" id="{A3075AE6-92D3-4205-B268-E1AD6C5901DE}"/>
+                <a16:creationId xmlns:a16="http://schemas.microsoft.com/office/drawing/2014/main" id="{A3075AE6-92D3-4205-B268-E1AD6C5901DE}"/>
               </a:ext>
             </a:extLst>
           </p:cNvPr>
@@ -3201,7 +3201,7 @@
           <p:cNvPr id="14" name="Groupe 13">
             <a:extLst>
               <a:ext uri="{FF2B5EF4-FFF2-40B4-BE49-F238E27FC236}">
-                <a16:creationId xmlns:a16="http://schemas.microsoft.com/office/drawing/2014/main" xmlns="" id="{7BF3BF7F-F094-497C-9310-2FE8B059E82B}"/>
+                <a16:creationId xmlns:a16="http://schemas.microsoft.com/office/drawing/2014/main" id="{7BF3BF7F-F094-497C-9310-2FE8B059E82B}"/>
               </a:ext>
             </a:extLst>
           </p:cNvPr>
@@ -3221,7 +3221,7 @@
             <p:cNvPr id="15" name="Rectangle 14">
               <a:extLst>
                 <a:ext uri="{FF2B5EF4-FFF2-40B4-BE49-F238E27FC236}">
-                  <a16:creationId xmlns:a16="http://schemas.microsoft.com/office/drawing/2014/main" xmlns="" id="{2D49E498-4E90-44A2-B49F-157DFF9E8581}"/>
+                  <a16:creationId xmlns:a16="http://schemas.microsoft.com/office/drawing/2014/main" id="{2D49E498-4E90-44A2-B49F-157DFF9E8581}"/>
                 </a:ext>
               </a:extLst>
             </p:cNvPr>
@@ -3564,7 +3564,7 @@
             <p:cNvPr id="17" name="Graphisme 16">
               <a:extLst>
                 <a:ext uri="{FF2B5EF4-FFF2-40B4-BE49-F238E27FC236}">
-                  <a16:creationId xmlns:a16="http://schemas.microsoft.com/office/drawing/2014/main" xmlns="" id="{B2D9F108-8C30-4BEC-8122-BE2632644482}"/>
+                  <a16:creationId xmlns:a16="http://schemas.microsoft.com/office/drawing/2014/main" id="{B2D9F108-8C30-4BEC-8122-BE2632644482}"/>
                 </a:ext>
               </a:extLst>
             </p:cNvPr>
@@ -3577,7 +3577,7 @@
             <a:blip r:embed="rId2">
               <a:extLst>
                 <a:ext uri="{96DAC541-7B7A-43D3-8B79-37D633B846F1}">
-                  <asvg:svgBlip xmlns="" xmlns:asvg="http://schemas.microsoft.com/office/drawing/2016/SVG/main" r:embed="rId3"/>
+                  <asvg:svgBlip xmlns:asvg="http://schemas.microsoft.com/office/drawing/2016/SVG/main" xmlns="" r:embed="rId3"/>
                 </a:ext>
               </a:extLst>
             </a:blip>
@@ -3600,7 +3600,7 @@
             <p:cNvPr id="16" name="Rectangle 15">
               <a:extLst>
                 <a:ext uri="{FF2B5EF4-FFF2-40B4-BE49-F238E27FC236}">
-                  <a16:creationId xmlns:a16="http://schemas.microsoft.com/office/drawing/2014/main" xmlns="" id="{FAB546B5-7C56-40DD-B1DF-AE850DE5FDB3}"/>
+                  <a16:creationId xmlns:a16="http://schemas.microsoft.com/office/drawing/2014/main" id="{FAB546B5-7C56-40DD-B1DF-AE850DE5FDB3}"/>
                 </a:ext>
               </a:extLst>
             </p:cNvPr>
@@ -3927,7 +3927,7 @@
           <p:cNvPr id="8" name="Titre 1">
             <a:extLst>
               <a:ext uri="{FF2B5EF4-FFF2-40B4-BE49-F238E27FC236}">
-                <a16:creationId xmlns:a16="http://schemas.microsoft.com/office/drawing/2014/main" xmlns="" id="{4C30FD01-9DD8-4ECA-AC52-7C41002A99B3}"/>
+                <a16:creationId xmlns:a16="http://schemas.microsoft.com/office/drawing/2014/main" id="{4C30FD01-9DD8-4ECA-AC52-7C41002A99B3}"/>
               </a:ext>
             </a:extLst>
           </p:cNvPr>
@@ -3973,7 +3973,7 @@
           <p:cNvPr id="2" name="Espace réservé du pied de page 1">
             <a:extLst>
               <a:ext uri="{FF2B5EF4-FFF2-40B4-BE49-F238E27FC236}">
-                <a16:creationId xmlns:a16="http://schemas.microsoft.com/office/drawing/2014/main" xmlns="" id="{C5F17219-39C2-44C1-BFC9-BA0D7ACD78D1}"/>
+                <a16:creationId xmlns:a16="http://schemas.microsoft.com/office/drawing/2014/main" id="{C5F17219-39C2-44C1-BFC9-BA0D7ACD78D1}"/>
               </a:ext>
             </a:extLst>
           </p:cNvPr>
@@ -4002,7 +4002,7 @@
           <p:cNvPr id="3" name="Espace réservé du numéro de diapositive 2">
             <a:extLst>
               <a:ext uri="{FF2B5EF4-FFF2-40B4-BE49-F238E27FC236}">
-                <a16:creationId xmlns:a16="http://schemas.microsoft.com/office/drawing/2014/main" xmlns="" id="{5087118E-1B0A-407B-BDCE-B343BC9F92E9}"/>
+                <a16:creationId xmlns:a16="http://schemas.microsoft.com/office/drawing/2014/main" id="{5087118E-1B0A-407B-BDCE-B343BC9F92E9}"/>
               </a:ext>
             </a:extLst>
           </p:cNvPr>
@@ -4033,7 +4033,7 @@
           <p:cNvPr id="11" name="Espace réservé du texte 2">
             <a:extLst>
               <a:ext uri="{FF2B5EF4-FFF2-40B4-BE49-F238E27FC236}">
-                <a16:creationId xmlns:a16="http://schemas.microsoft.com/office/drawing/2014/main" xmlns="" id="{CEC8E835-7291-427D-948E-B544E36AD129}"/>
+                <a16:creationId xmlns:a16="http://schemas.microsoft.com/office/drawing/2014/main" id="{CEC8E835-7291-427D-948E-B544E36AD129}"/>
               </a:ext>
             </a:extLst>
           </p:cNvPr>
@@ -4109,7 +4109,7 @@
           <p:cNvPr id="3" name="Espace réservé du texte 2">
             <a:extLst>
               <a:ext uri="{FF2B5EF4-FFF2-40B4-BE49-F238E27FC236}">
-                <a16:creationId xmlns:a16="http://schemas.microsoft.com/office/drawing/2014/main" xmlns="" id="{CF38A5A1-070F-43C9-B2D5-C557B0D72B9C}"/>
+                <a16:creationId xmlns:a16="http://schemas.microsoft.com/office/drawing/2014/main" id="{CF38A5A1-070F-43C9-B2D5-C557B0D72B9C}"/>
               </a:ext>
             </a:extLst>
           </p:cNvPr>
@@ -4188,7 +4188,7 @@
           <p:cNvPr id="18" name="Rectangle 17">
             <a:extLst>
               <a:ext uri="{FF2B5EF4-FFF2-40B4-BE49-F238E27FC236}">
-                <a16:creationId xmlns:a16="http://schemas.microsoft.com/office/drawing/2014/main" xmlns="" id="{6EDCBFD0-7AE5-4346-AD3A-01F956626091}"/>
+                <a16:creationId xmlns:a16="http://schemas.microsoft.com/office/drawing/2014/main" id="{6EDCBFD0-7AE5-4346-AD3A-01F956626091}"/>
               </a:ext>
             </a:extLst>
           </p:cNvPr>
@@ -4514,7 +4514,7 @@
           <p:cNvPr id="2" name="Titre 1">
             <a:extLst>
               <a:ext uri="{FF2B5EF4-FFF2-40B4-BE49-F238E27FC236}">
-                <a16:creationId xmlns:a16="http://schemas.microsoft.com/office/drawing/2014/main" xmlns="" id="{A41F4A2F-9480-4E94-806C-5D65C71DFB9F}"/>
+                <a16:creationId xmlns:a16="http://schemas.microsoft.com/office/drawing/2014/main" id="{A41F4A2F-9480-4E94-806C-5D65C71DFB9F}"/>
               </a:ext>
             </a:extLst>
           </p:cNvPr>
@@ -4555,7 +4555,7 @@
           <p:cNvPr id="17" name="Rectangle 16">
             <a:extLst>
               <a:ext uri="{FF2B5EF4-FFF2-40B4-BE49-F238E27FC236}">
-                <a16:creationId xmlns:a16="http://schemas.microsoft.com/office/drawing/2014/main" xmlns="" id="{CC3A4379-5E89-42FE-AA5C-BEA0CDFCDD6F}"/>
+                <a16:creationId xmlns:a16="http://schemas.microsoft.com/office/drawing/2014/main" id="{CC3A4379-5E89-42FE-AA5C-BEA0CDFCDD6F}"/>
               </a:ext>
             </a:extLst>
           </p:cNvPr>
@@ -4898,7 +4898,7 @@
           <p:cNvPr id="5" name="Espace réservé du pied de page 4">
             <a:extLst>
               <a:ext uri="{FF2B5EF4-FFF2-40B4-BE49-F238E27FC236}">
-                <a16:creationId xmlns:a16="http://schemas.microsoft.com/office/drawing/2014/main" xmlns="" id="{750DA028-023B-4883-9A48-70FD7A2E5226}"/>
+                <a16:creationId xmlns:a16="http://schemas.microsoft.com/office/drawing/2014/main" id="{750DA028-023B-4883-9A48-70FD7A2E5226}"/>
               </a:ext>
             </a:extLst>
           </p:cNvPr>
@@ -4927,7 +4927,7 @@
           <p:cNvPr id="13" name="Rectangle 12">
             <a:extLst>
               <a:ext uri="{FF2B5EF4-FFF2-40B4-BE49-F238E27FC236}">
-                <a16:creationId xmlns:a16="http://schemas.microsoft.com/office/drawing/2014/main" xmlns="" id="{7EA625CC-388D-4655-BFA6-2CC4FD9E889D}"/>
+                <a16:creationId xmlns:a16="http://schemas.microsoft.com/office/drawing/2014/main" id="{7EA625CC-388D-4655-BFA6-2CC4FD9E889D}"/>
               </a:ext>
             </a:extLst>
           </p:cNvPr>
@@ -5253,7 +5253,7 @@
           <p:cNvPr id="6" name="Espace réservé du numéro de diapositive 5">
             <a:extLst>
               <a:ext uri="{FF2B5EF4-FFF2-40B4-BE49-F238E27FC236}">
-                <a16:creationId xmlns:a16="http://schemas.microsoft.com/office/drawing/2014/main" xmlns="" id="{492AA6DE-6D7A-4135-8B9F-99A91527F21D}"/>
+                <a16:creationId xmlns:a16="http://schemas.microsoft.com/office/drawing/2014/main" id="{492AA6DE-6D7A-4135-8B9F-99A91527F21D}"/>
               </a:ext>
             </a:extLst>
           </p:cNvPr>
@@ -5284,7 +5284,7 @@
           <p:cNvPr id="14" name="Espace réservé du texte 4">
             <a:extLst>
               <a:ext uri="{FF2B5EF4-FFF2-40B4-BE49-F238E27FC236}">
-                <a16:creationId xmlns:a16="http://schemas.microsoft.com/office/drawing/2014/main" xmlns="" id="{17A78D63-E00C-4155-A5B2-B3431A09ACB4}"/>
+                <a16:creationId xmlns:a16="http://schemas.microsoft.com/office/drawing/2014/main" id="{17A78D63-E00C-4155-A5B2-B3431A09ACB4}"/>
               </a:ext>
             </a:extLst>
           </p:cNvPr>
@@ -5333,7 +5333,7 @@
           <p:cNvPr id="16" name="Espace réservé du contenu 5">
             <a:extLst>
               <a:ext uri="{FF2B5EF4-FFF2-40B4-BE49-F238E27FC236}">
-                <a16:creationId xmlns:a16="http://schemas.microsoft.com/office/drawing/2014/main" xmlns="" id="{12AF2780-75D3-4992-93BC-8EA50C648A8E}"/>
+                <a16:creationId xmlns:a16="http://schemas.microsoft.com/office/drawing/2014/main" id="{12AF2780-75D3-4992-93BC-8EA50C648A8E}"/>
               </a:ext>
             </a:extLst>
           </p:cNvPr>
@@ -5414,7 +5414,7 @@
           <p:cNvPr id="19" name="Espace réservé du contenu 3">
             <a:extLst>
               <a:ext uri="{FF2B5EF4-FFF2-40B4-BE49-F238E27FC236}">
-                <a16:creationId xmlns:a16="http://schemas.microsoft.com/office/drawing/2014/main" xmlns="" id="{EAAE1C5B-7233-4F49-895F-7566CEB6D819}"/>
+                <a16:creationId xmlns:a16="http://schemas.microsoft.com/office/drawing/2014/main" id="{EAAE1C5B-7233-4F49-895F-7566CEB6D819}"/>
               </a:ext>
             </a:extLst>
           </p:cNvPr>
@@ -5525,7 +5525,7 @@
           <p:cNvPr id="18" name="Rectangle 17">
             <a:extLst>
               <a:ext uri="{FF2B5EF4-FFF2-40B4-BE49-F238E27FC236}">
-                <a16:creationId xmlns:a16="http://schemas.microsoft.com/office/drawing/2014/main" xmlns="" id="{6EDCBFD0-7AE5-4346-AD3A-01F956626091}"/>
+                <a16:creationId xmlns:a16="http://schemas.microsoft.com/office/drawing/2014/main" id="{6EDCBFD0-7AE5-4346-AD3A-01F956626091}"/>
               </a:ext>
             </a:extLst>
           </p:cNvPr>
@@ -5851,7 +5851,7 @@
           <p:cNvPr id="2" name="Titre 1">
             <a:extLst>
               <a:ext uri="{FF2B5EF4-FFF2-40B4-BE49-F238E27FC236}">
-                <a16:creationId xmlns:a16="http://schemas.microsoft.com/office/drawing/2014/main" xmlns="" id="{A41F4A2F-9480-4E94-806C-5D65C71DFB9F}"/>
+                <a16:creationId xmlns:a16="http://schemas.microsoft.com/office/drawing/2014/main" id="{A41F4A2F-9480-4E94-806C-5D65C71DFB9F}"/>
               </a:ext>
             </a:extLst>
           </p:cNvPr>
@@ -5892,7 +5892,7 @@
           <p:cNvPr id="17" name="Rectangle 16">
             <a:extLst>
               <a:ext uri="{FF2B5EF4-FFF2-40B4-BE49-F238E27FC236}">
-                <a16:creationId xmlns:a16="http://schemas.microsoft.com/office/drawing/2014/main" xmlns="" id="{CC3A4379-5E89-42FE-AA5C-BEA0CDFCDD6F}"/>
+                <a16:creationId xmlns:a16="http://schemas.microsoft.com/office/drawing/2014/main" id="{CC3A4379-5E89-42FE-AA5C-BEA0CDFCDD6F}"/>
               </a:ext>
             </a:extLst>
           </p:cNvPr>
@@ -6235,7 +6235,7 @@
           <p:cNvPr id="5" name="Espace réservé du pied de page 4">
             <a:extLst>
               <a:ext uri="{FF2B5EF4-FFF2-40B4-BE49-F238E27FC236}">
-                <a16:creationId xmlns:a16="http://schemas.microsoft.com/office/drawing/2014/main" xmlns="" id="{750DA028-023B-4883-9A48-70FD7A2E5226}"/>
+                <a16:creationId xmlns:a16="http://schemas.microsoft.com/office/drawing/2014/main" id="{750DA028-023B-4883-9A48-70FD7A2E5226}"/>
               </a:ext>
             </a:extLst>
           </p:cNvPr>
@@ -6264,7 +6264,7 @@
           <p:cNvPr id="13" name="Rectangle 12">
             <a:extLst>
               <a:ext uri="{FF2B5EF4-FFF2-40B4-BE49-F238E27FC236}">
-                <a16:creationId xmlns:a16="http://schemas.microsoft.com/office/drawing/2014/main" xmlns="" id="{7EA625CC-388D-4655-BFA6-2CC4FD9E889D}"/>
+                <a16:creationId xmlns:a16="http://schemas.microsoft.com/office/drawing/2014/main" id="{7EA625CC-388D-4655-BFA6-2CC4FD9E889D}"/>
               </a:ext>
             </a:extLst>
           </p:cNvPr>
@@ -6590,7 +6590,7 @@
           <p:cNvPr id="6" name="Espace réservé du numéro de diapositive 5">
             <a:extLst>
               <a:ext uri="{FF2B5EF4-FFF2-40B4-BE49-F238E27FC236}">
-                <a16:creationId xmlns:a16="http://schemas.microsoft.com/office/drawing/2014/main" xmlns="" id="{492AA6DE-6D7A-4135-8B9F-99A91527F21D}"/>
+                <a16:creationId xmlns:a16="http://schemas.microsoft.com/office/drawing/2014/main" id="{492AA6DE-6D7A-4135-8B9F-99A91527F21D}"/>
               </a:ext>
             </a:extLst>
           </p:cNvPr>
@@ -6621,7 +6621,7 @@
           <p:cNvPr id="16" name="Espace réservé du contenu 2">
             <a:extLst>
               <a:ext uri="{FF2B5EF4-FFF2-40B4-BE49-F238E27FC236}">
-                <a16:creationId xmlns:a16="http://schemas.microsoft.com/office/drawing/2014/main" xmlns="" id="{E20B4D13-5F10-4886-AF0F-09B6ABB5C3BF}"/>
+                <a16:creationId xmlns:a16="http://schemas.microsoft.com/office/drawing/2014/main" id="{E20B4D13-5F10-4886-AF0F-09B6ABB5C3BF}"/>
               </a:ext>
             </a:extLst>
           </p:cNvPr>
@@ -6722,7 +6722,7 @@
           <p:cNvPr id="19" name="Espace réservé du contenu 3">
             <a:extLst>
               <a:ext uri="{FF2B5EF4-FFF2-40B4-BE49-F238E27FC236}">
-                <a16:creationId xmlns:a16="http://schemas.microsoft.com/office/drawing/2014/main" xmlns="" id="{EE7BCAD4-8DB6-482F-8DC0-F6D653F92219}"/>
+                <a16:creationId xmlns:a16="http://schemas.microsoft.com/office/drawing/2014/main" id="{EE7BCAD4-8DB6-482F-8DC0-F6D653F92219}"/>
               </a:ext>
             </a:extLst>
           </p:cNvPr>
@@ -6853,7 +6853,7 @@
           <p:cNvPr id="14" name="Rectangle 13">
             <a:extLst>
               <a:ext uri="{FF2B5EF4-FFF2-40B4-BE49-F238E27FC236}">
-                <a16:creationId xmlns:a16="http://schemas.microsoft.com/office/drawing/2014/main" xmlns="" id="{115BFBAA-B5F1-4F95-8C05-5E30A7076BD7}"/>
+                <a16:creationId xmlns:a16="http://schemas.microsoft.com/office/drawing/2014/main" id="{115BFBAA-B5F1-4F95-8C05-5E30A7076BD7}"/>
               </a:ext>
             </a:extLst>
           </p:cNvPr>
@@ -7196,7 +7196,7 @@
           <p:cNvPr id="8" name="Espace réservé du pied de page 7">
             <a:extLst>
               <a:ext uri="{FF2B5EF4-FFF2-40B4-BE49-F238E27FC236}">
-                <a16:creationId xmlns:a16="http://schemas.microsoft.com/office/drawing/2014/main" xmlns="" id="{9B7F3105-8D8F-4FF3-9A7F-0F067BB810A1}"/>
+                <a16:creationId xmlns:a16="http://schemas.microsoft.com/office/drawing/2014/main" id="{9B7F3105-8D8F-4FF3-9A7F-0F067BB810A1}"/>
               </a:ext>
             </a:extLst>
           </p:cNvPr>
@@ -7225,7 +7225,7 @@
           <p:cNvPr id="9" name="Espace réservé au numéro de diapositive 8">
             <a:extLst>
               <a:ext uri="{FF2B5EF4-FFF2-40B4-BE49-F238E27FC236}">
-                <a16:creationId xmlns:a16="http://schemas.microsoft.com/office/drawing/2014/main" xmlns="" id="{BD117255-8347-4647-9EA2-7ED06A73C1A2}"/>
+                <a16:creationId xmlns:a16="http://schemas.microsoft.com/office/drawing/2014/main" id="{BD117255-8347-4647-9EA2-7ED06A73C1A2}"/>
               </a:ext>
             </a:extLst>
           </p:cNvPr>
@@ -7256,7 +7256,7 @@
           <p:cNvPr id="11" name="Espace réservé du contenu 2">
             <a:extLst>
               <a:ext uri="{FF2B5EF4-FFF2-40B4-BE49-F238E27FC236}">
-                <a16:creationId xmlns:a16="http://schemas.microsoft.com/office/drawing/2014/main" xmlns="" id="{9F3E8482-B43D-4B69-8645-6B735F91B920}"/>
+                <a16:creationId xmlns:a16="http://schemas.microsoft.com/office/drawing/2014/main" id="{9F3E8482-B43D-4B69-8645-6B735F91B920}"/>
               </a:ext>
             </a:extLst>
           </p:cNvPr>
@@ -7349,7 +7349,7 @@
           <p:cNvPr id="15" name="Rectangle 14">
             <a:extLst>
               <a:ext uri="{FF2B5EF4-FFF2-40B4-BE49-F238E27FC236}">
-                <a16:creationId xmlns:a16="http://schemas.microsoft.com/office/drawing/2014/main" xmlns="" id="{D9BC9CBF-CF7B-4E39-9FD1-961882EC596A}"/>
+                <a16:creationId xmlns:a16="http://schemas.microsoft.com/office/drawing/2014/main" id="{D9BC9CBF-CF7B-4E39-9FD1-961882EC596A}"/>
               </a:ext>
             </a:extLst>
           </p:cNvPr>
@@ -7401,7 +7401,7 @@
           <p:cNvPr id="16" name="Groupe 15">
             <a:extLst>
               <a:ext uri="{FF2B5EF4-FFF2-40B4-BE49-F238E27FC236}">
-                <a16:creationId xmlns:a16="http://schemas.microsoft.com/office/drawing/2014/main" xmlns="" id="{97A3D921-B9D5-42DC-9037-298968D94C95}"/>
+                <a16:creationId xmlns:a16="http://schemas.microsoft.com/office/drawing/2014/main" id="{97A3D921-B9D5-42DC-9037-298968D94C95}"/>
               </a:ext>
             </a:extLst>
           </p:cNvPr>
@@ -7421,7 +7421,7 @@
             <p:cNvPr id="18" name="Rectangle 17">
               <a:extLst>
                 <a:ext uri="{FF2B5EF4-FFF2-40B4-BE49-F238E27FC236}">
-                  <a16:creationId xmlns:a16="http://schemas.microsoft.com/office/drawing/2014/main" xmlns="" id="{6A62F937-16D4-4A6C-B247-D0A62BC6560D}"/>
+                  <a16:creationId xmlns:a16="http://schemas.microsoft.com/office/drawing/2014/main" id="{6A62F937-16D4-4A6C-B247-D0A62BC6560D}"/>
                 </a:ext>
               </a:extLst>
             </p:cNvPr>
@@ -7473,7 +7473,7 @@
             <p:cNvPr id="19" name="Rectangle 18">
               <a:extLst>
                 <a:ext uri="{FF2B5EF4-FFF2-40B4-BE49-F238E27FC236}">
-                  <a16:creationId xmlns:a16="http://schemas.microsoft.com/office/drawing/2014/main" xmlns="" id="{B9335681-5A6F-48BE-8160-2000D0F242FB}"/>
+                  <a16:creationId xmlns:a16="http://schemas.microsoft.com/office/drawing/2014/main" id="{B9335681-5A6F-48BE-8160-2000D0F242FB}"/>
                 </a:ext>
               </a:extLst>
             </p:cNvPr>
@@ -7526,7 +7526,7 @@
           <p:cNvPr id="4" name="Espace réservé du texte 3">
             <a:extLst>
               <a:ext uri="{FF2B5EF4-FFF2-40B4-BE49-F238E27FC236}">
-                <a16:creationId xmlns:a16="http://schemas.microsoft.com/office/drawing/2014/main" xmlns="" id="{F41E2B8D-1C12-403F-BE59-ECC565466CB0}"/>
+                <a16:creationId xmlns:a16="http://schemas.microsoft.com/office/drawing/2014/main" id="{F41E2B8D-1C12-403F-BE59-ECC565466CB0}"/>
               </a:ext>
             </a:extLst>
           </p:cNvPr>
@@ -7604,7 +7604,7 @@
           <p:cNvPr id="2" name="Titre 1">
             <a:extLst>
               <a:ext uri="{FF2B5EF4-FFF2-40B4-BE49-F238E27FC236}">
-                <a16:creationId xmlns:a16="http://schemas.microsoft.com/office/drawing/2014/main" xmlns="" id="{9AF0F519-65FC-434F-8F2F-F778A20A82ED}"/>
+                <a16:creationId xmlns:a16="http://schemas.microsoft.com/office/drawing/2014/main" id="{9AF0F519-65FC-434F-8F2F-F778A20A82ED}"/>
               </a:ext>
             </a:extLst>
           </p:cNvPr>
@@ -7648,7 +7648,7 @@
           <p:cNvPr id="13" name="Rectangle 12" hidden="1">
             <a:extLst>
               <a:ext uri="{FF2B5EF4-FFF2-40B4-BE49-F238E27FC236}">
-                <a16:creationId xmlns:a16="http://schemas.microsoft.com/office/drawing/2014/main" xmlns="" id="{116E8B30-475D-4275-8DC2-14C98F2F9B76}"/>
+                <a16:creationId xmlns:a16="http://schemas.microsoft.com/office/drawing/2014/main" id="{116E8B30-475D-4275-8DC2-14C98F2F9B76}"/>
               </a:ext>
             </a:extLst>
           </p:cNvPr>
@@ -8021,7 +8021,7 @@
           <p:cNvPr id="8" name="Espace réservé du numéro de diapositive 5">
             <a:extLst>
               <a:ext uri="{FF2B5EF4-FFF2-40B4-BE49-F238E27FC236}">
-                <a16:creationId xmlns:a16="http://schemas.microsoft.com/office/drawing/2014/main" xmlns="" id="{F6B8E8FD-E25A-4462-9917-754D6C619C75}"/>
+                <a16:creationId xmlns:a16="http://schemas.microsoft.com/office/drawing/2014/main" id="{F6B8E8FD-E25A-4462-9917-754D6C619C75}"/>
               </a:ext>
             </a:extLst>
           </p:cNvPr>
@@ -8160,7 +8160,7 @@
           <p:cNvPr id="6" name="Espace réservé du pied de page 5">
             <a:extLst>
               <a:ext uri="{FF2B5EF4-FFF2-40B4-BE49-F238E27FC236}">
-                <a16:creationId xmlns:a16="http://schemas.microsoft.com/office/drawing/2014/main" xmlns="" id="{11752D6C-9D51-45A1-A6B7-B21DC9A94A43}"/>
+                <a16:creationId xmlns:a16="http://schemas.microsoft.com/office/drawing/2014/main" id="{11752D6C-9D51-45A1-A6B7-B21DC9A94A43}"/>
               </a:ext>
             </a:extLst>
           </p:cNvPr>
@@ -8189,7 +8189,7 @@
           <p:cNvPr id="11" name="Rectangle 10" descr="Bloc d’accentuation carré ouvert">
             <a:extLst>
               <a:ext uri="{FF2B5EF4-FFF2-40B4-BE49-F238E27FC236}">
-                <a16:creationId xmlns:a16="http://schemas.microsoft.com/office/drawing/2014/main" xmlns="" id="{217FA8D4-1D05-4DF4-AA9D-364B6979733D}"/>
+                <a16:creationId xmlns:a16="http://schemas.microsoft.com/office/drawing/2014/main" id="{217FA8D4-1D05-4DF4-AA9D-364B6979733D}"/>
               </a:ext>
             </a:extLst>
           </p:cNvPr>
@@ -8241,7 +8241,7 @@
           <p:cNvPr id="12" name="Rectangle 11">
             <a:extLst>
               <a:ext uri="{FF2B5EF4-FFF2-40B4-BE49-F238E27FC236}">
-                <a16:creationId xmlns:a16="http://schemas.microsoft.com/office/drawing/2014/main" xmlns="" id="{779B1017-F981-4D2D-A14B-A857FC304F54}"/>
+                <a16:creationId xmlns:a16="http://schemas.microsoft.com/office/drawing/2014/main" id="{779B1017-F981-4D2D-A14B-A857FC304F54}"/>
               </a:ext>
             </a:extLst>
           </p:cNvPr>
@@ -8584,7 +8584,7 @@
           <p:cNvPr id="10" name="Espace réservé du numéro de diapositive 9">
             <a:extLst>
               <a:ext uri="{FF2B5EF4-FFF2-40B4-BE49-F238E27FC236}">
-                <a16:creationId xmlns:a16="http://schemas.microsoft.com/office/drawing/2014/main" xmlns="" id="{9DD85E79-8DB4-4D93-979C-171105321B3E}"/>
+                <a16:creationId xmlns:a16="http://schemas.microsoft.com/office/drawing/2014/main" id="{9DD85E79-8DB4-4D93-979C-171105321B3E}"/>
               </a:ext>
             </a:extLst>
           </p:cNvPr>
@@ -8615,7 +8615,7 @@
           <p:cNvPr id="2" name="Rectangle 1">
             <a:extLst>
               <a:ext uri="{FF2B5EF4-FFF2-40B4-BE49-F238E27FC236}">
-                <a16:creationId xmlns:a16="http://schemas.microsoft.com/office/drawing/2014/main" xmlns="" id="{774F1136-B1CD-4171-BB47-0281C1974B22}"/>
+                <a16:creationId xmlns:a16="http://schemas.microsoft.com/office/drawing/2014/main" id="{774F1136-B1CD-4171-BB47-0281C1974B22}"/>
               </a:ext>
             </a:extLst>
           </p:cNvPr>
@@ -8667,7 +8667,7 @@
           <p:cNvPr id="3" name="Titre 2">
             <a:extLst>
               <a:ext uri="{FF2B5EF4-FFF2-40B4-BE49-F238E27FC236}">
-                <a16:creationId xmlns:a16="http://schemas.microsoft.com/office/drawing/2014/main" xmlns="" id="{389ADD4C-B26C-41B3-B492-DC9D032ACC44}"/>
+                <a16:creationId xmlns:a16="http://schemas.microsoft.com/office/drawing/2014/main" id="{389ADD4C-B26C-41B3-B492-DC9D032ACC44}"/>
               </a:ext>
             </a:extLst>
           </p:cNvPr>
@@ -8727,7 +8727,7 @@
           <p:cNvPr id="6" name="Espace réservé du numéro de diapositive 5">
             <a:extLst>
               <a:ext uri="{FF2B5EF4-FFF2-40B4-BE49-F238E27FC236}">
-                <a16:creationId xmlns:a16="http://schemas.microsoft.com/office/drawing/2014/main" xmlns="" id="{6504862A-62CA-4399-88B0-181961E0F691}"/>
+                <a16:creationId xmlns:a16="http://schemas.microsoft.com/office/drawing/2014/main" id="{6504862A-62CA-4399-88B0-181961E0F691}"/>
               </a:ext>
             </a:extLst>
           </p:cNvPr>
@@ -8866,7 +8866,7 @@
           <p:cNvPr id="7" name="Espace réservé du pied de page 6">
             <a:extLst>
               <a:ext uri="{FF2B5EF4-FFF2-40B4-BE49-F238E27FC236}">
-                <a16:creationId xmlns:a16="http://schemas.microsoft.com/office/drawing/2014/main" xmlns="" id="{A902D481-2888-4133-AD94-7700AA117DFE}"/>
+                <a16:creationId xmlns:a16="http://schemas.microsoft.com/office/drawing/2014/main" id="{A902D481-2888-4133-AD94-7700AA117DFE}"/>
               </a:ext>
             </a:extLst>
           </p:cNvPr>
@@ -8895,7 +8895,7 @@
           <p:cNvPr id="8" name="Espace réservé du numéro de diapositive 7">
             <a:extLst>
               <a:ext uri="{FF2B5EF4-FFF2-40B4-BE49-F238E27FC236}">
-                <a16:creationId xmlns:a16="http://schemas.microsoft.com/office/drawing/2014/main" xmlns="" id="{D2B113A8-E04C-44C2-962F-5FFA40FB7866}"/>
+                <a16:creationId xmlns:a16="http://schemas.microsoft.com/office/drawing/2014/main" id="{D2B113A8-E04C-44C2-962F-5FFA40FB7866}"/>
               </a:ext>
             </a:extLst>
           </p:cNvPr>
@@ -8956,7 +8956,7 @@
           <p:cNvPr id="7" name="Titre 1">
             <a:extLst>
               <a:ext uri="{FF2B5EF4-FFF2-40B4-BE49-F238E27FC236}">
-                <a16:creationId xmlns:a16="http://schemas.microsoft.com/office/drawing/2014/main" xmlns="" id="{B44C8ED9-0534-4EC5-8080-49DFF65B3B51}"/>
+                <a16:creationId xmlns:a16="http://schemas.microsoft.com/office/drawing/2014/main" id="{B44C8ED9-0534-4EC5-8080-49DFF65B3B51}"/>
               </a:ext>
             </a:extLst>
           </p:cNvPr>
@@ -9001,7 +9001,7 @@
           <p:cNvPr id="8" name="Espace réservé du numéro de diapositive 5">
             <a:extLst>
               <a:ext uri="{FF2B5EF4-FFF2-40B4-BE49-F238E27FC236}">
-                <a16:creationId xmlns:a16="http://schemas.microsoft.com/office/drawing/2014/main" xmlns="" id="{F6B8E8FD-E25A-4462-9917-754D6C619C75}"/>
+                <a16:creationId xmlns:a16="http://schemas.microsoft.com/office/drawing/2014/main" id="{F6B8E8FD-E25A-4462-9917-754D6C619C75}"/>
               </a:ext>
             </a:extLst>
           </p:cNvPr>
@@ -9140,7 +9140,7 @@
           <p:cNvPr id="6" name="Espace réservé du pied de page 5">
             <a:extLst>
               <a:ext uri="{FF2B5EF4-FFF2-40B4-BE49-F238E27FC236}">
-                <a16:creationId xmlns:a16="http://schemas.microsoft.com/office/drawing/2014/main" xmlns="" id="{11752D6C-9D51-45A1-A6B7-B21DC9A94A43}"/>
+                <a16:creationId xmlns:a16="http://schemas.microsoft.com/office/drawing/2014/main" id="{11752D6C-9D51-45A1-A6B7-B21DC9A94A43}"/>
               </a:ext>
             </a:extLst>
           </p:cNvPr>
@@ -9169,7 +9169,7 @@
           <p:cNvPr id="11" name="Rectangle 10" descr="Bloc d’accentuation carré ouvert">
             <a:extLst>
               <a:ext uri="{FF2B5EF4-FFF2-40B4-BE49-F238E27FC236}">
-                <a16:creationId xmlns:a16="http://schemas.microsoft.com/office/drawing/2014/main" xmlns="" id="{217FA8D4-1D05-4DF4-AA9D-364B6979733D}"/>
+                <a16:creationId xmlns:a16="http://schemas.microsoft.com/office/drawing/2014/main" id="{217FA8D4-1D05-4DF4-AA9D-364B6979733D}"/>
               </a:ext>
             </a:extLst>
           </p:cNvPr>
@@ -9221,7 +9221,7 @@
           <p:cNvPr id="12" name="Rectangle 11">
             <a:extLst>
               <a:ext uri="{FF2B5EF4-FFF2-40B4-BE49-F238E27FC236}">
-                <a16:creationId xmlns:a16="http://schemas.microsoft.com/office/drawing/2014/main" xmlns="" id="{779B1017-F981-4D2D-A14B-A857FC304F54}"/>
+                <a16:creationId xmlns:a16="http://schemas.microsoft.com/office/drawing/2014/main" id="{779B1017-F981-4D2D-A14B-A857FC304F54}"/>
               </a:ext>
             </a:extLst>
           </p:cNvPr>
@@ -9564,7 +9564,7 @@
           <p:cNvPr id="10" name="Espace réservé du numéro de diapositive 9">
             <a:extLst>
               <a:ext uri="{FF2B5EF4-FFF2-40B4-BE49-F238E27FC236}">
-                <a16:creationId xmlns:a16="http://schemas.microsoft.com/office/drawing/2014/main" xmlns="" id="{9DD85E79-8DB4-4D93-979C-171105321B3E}"/>
+                <a16:creationId xmlns:a16="http://schemas.microsoft.com/office/drawing/2014/main" id="{9DD85E79-8DB4-4D93-979C-171105321B3E}"/>
               </a:ext>
             </a:extLst>
           </p:cNvPr>
@@ -9595,7 +9595,7 @@
           <p:cNvPr id="13" name="Espace réservé du contenu 2">
             <a:extLst>
               <a:ext uri="{FF2B5EF4-FFF2-40B4-BE49-F238E27FC236}">
-                <a16:creationId xmlns:a16="http://schemas.microsoft.com/office/drawing/2014/main" xmlns="" id="{B5B32411-640A-47B5-9A67-FED6430E9A73}"/>
+                <a16:creationId xmlns:a16="http://schemas.microsoft.com/office/drawing/2014/main" id="{B5B32411-640A-47B5-9A67-FED6430E9A73}"/>
               </a:ext>
             </a:extLst>
           </p:cNvPr>
@@ -9691,7 +9691,7 @@
           <p:cNvPr id="10" name="Espace réservé d’image 13">
             <a:extLst>
               <a:ext uri="{FF2B5EF4-FFF2-40B4-BE49-F238E27FC236}">
-                <a16:creationId xmlns:a16="http://schemas.microsoft.com/office/drawing/2014/main" xmlns="" id="{FE1CFFBA-D756-4740-B375-252727F02D1E}"/>
+                <a16:creationId xmlns:a16="http://schemas.microsoft.com/office/drawing/2014/main" id="{FE1CFFBA-D756-4740-B375-252727F02D1E}"/>
               </a:ext>
             </a:extLst>
           </p:cNvPr>
@@ -9731,7 +9731,7 @@
           <p:cNvPr id="2" name="Titre 1">
             <a:extLst>
               <a:ext uri="{FF2B5EF4-FFF2-40B4-BE49-F238E27FC236}">
-                <a16:creationId xmlns:a16="http://schemas.microsoft.com/office/drawing/2014/main" xmlns="" id="{B42DCA22-1DF2-42CB-8741-F0CE575EAFE9}"/>
+                <a16:creationId xmlns:a16="http://schemas.microsoft.com/office/drawing/2014/main" id="{B42DCA22-1DF2-42CB-8741-F0CE575EAFE9}"/>
               </a:ext>
             </a:extLst>
           </p:cNvPr>
@@ -9777,7 +9777,7 @@
           <p:cNvPr id="3" name="Espace réservé du contenu 2">
             <a:extLst>
               <a:ext uri="{FF2B5EF4-FFF2-40B4-BE49-F238E27FC236}">
-                <a16:creationId xmlns:a16="http://schemas.microsoft.com/office/drawing/2014/main" xmlns="" id="{ACDD89F3-6B87-4C54-83B9-A6481CB4FC3A}"/>
+                <a16:creationId xmlns:a16="http://schemas.microsoft.com/office/drawing/2014/main" id="{ACDD89F3-6B87-4C54-83B9-A6481CB4FC3A}"/>
               </a:ext>
             </a:extLst>
           </p:cNvPr>
@@ -9840,7 +9840,7 @@
           <p:cNvPr id="11" name="Graphisme 10">
             <a:extLst>
               <a:ext uri="{FF2B5EF4-FFF2-40B4-BE49-F238E27FC236}">
-                <a16:creationId xmlns:a16="http://schemas.microsoft.com/office/drawing/2014/main" xmlns="" id="{479D679C-E90D-4916-BCE6-71C32B831ECF}"/>
+                <a16:creationId xmlns:a16="http://schemas.microsoft.com/office/drawing/2014/main" id="{479D679C-E90D-4916-BCE6-71C32B831ECF}"/>
               </a:ext>
             </a:extLst>
           </p:cNvPr>
@@ -9853,7 +9853,7 @@
           <a:blip r:embed="rId2">
             <a:extLst>
               <a:ext uri="{96DAC541-7B7A-43D3-8B79-37D633B846F1}">
-                <asvg:svgBlip xmlns="" xmlns:asvg="http://schemas.microsoft.com/office/drawing/2016/SVG/main" r:embed="rId3"/>
+                <asvg:svgBlip xmlns:asvg="http://schemas.microsoft.com/office/drawing/2016/SVG/main" xmlns="" r:embed="rId3"/>
               </a:ext>
             </a:extLst>
           </a:blip>
@@ -9876,7 +9876,7 @@
           <p:cNvPr id="6" name="Espace réservé du pied de page 5">
             <a:extLst>
               <a:ext uri="{FF2B5EF4-FFF2-40B4-BE49-F238E27FC236}">
-                <a16:creationId xmlns:a16="http://schemas.microsoft.com/office/drawing/2014/main" xmlns="" id="{75107A3F-3DCD-44DD-AF42-32098DCC3A78}"/>
+                <a16:creationId xmlns:a16="http://schemas.microsoft.com/office/drawing/2014/main" id="{75107A3F-3DCD-44DD-AF42-32098DCC3A78}"/>
               </a:ext>
             </a:extLst>
           </p:cNvPr>
@@ -9905,7 +9905,7 @@
           <p:cNvPr id="7" name="Espace réservé du numéro de diapositive 6">
             <a:extLst>
               <a:ext uri="{FF2B5EF4-FFF2-40B4-BE49-F238E27FC236}">
-                <a16:creationId xmlns:a16="http://schemas.microsoft.com/office/drawing/2014/main" xmlns="" id="{CE1DB279-F403-4D2A-8D1B-FB3C81796B48}"/>
+                <a16:creationId xmlns:a16="http://schemas.microsoft.com/office/drawing/2014/main" id="{CE1DB279-F403-4D2A-8D1B-FB3C81796B48}"/>
               </a:ext>
             </a:extLst>
           </p:cNvPr>
@@ -9982,7 +9982,7 @@
           <p:cNvPr id="10" name="Espace réservé d’image 13">
             <a:extLst>
               <a:ext uri="{FF2B5EF4-FFF2-40B4-BE49-F238E27FC236}">
-                <a16:creationId xmlns:a16="http://schemas.microsoft.com/office/drawing/2014/main" xmlns="" id="{FE1CFFBA-D756-4740-B375-252727F02D1E}"/>
+                <a16:creationId xmlns:a16="http://schemas.microsoft.com/office/drawing/2014/main" id="{FE1CFFBA-D756-4740-B375-252727F02D1E}"/>
               </a:ext>
             </a:extLst>
           </p:cNvPr>
@@ -10022,7 +10022,7 @@
           <p:cNvPr id="12" name="Groupe 11">
             <a:extLst>
               <a:ext uri="{FF2B5EF4-FFF2-40B4-BE49-F238E27FC236}">
-                <a16:creationId xmlns:a16="http://schemas.microsoft.com/office/drawing/2014/main" xmlns="" id="{99325050-38BE-4AB2-B450-8DC9C0EDD386}"/>
+                <a16:creationId xmlns:a16="http://schemas.microsoft.com/office/drawing/2014/main" id="{99325050-38BE-4AB2-B450-8DC9C0EDD386}"/>
               </a:ext>
             </a:extLst>
           </p:cNvPr>
@@ -10042,7 +10042,7 @@
             <p:cNvPr id="13" name="Rectangle 12">
               <a:extLst>
                 <a:ext uri="{FF2B5EF4-FFF2-40B4-BE49-F238E27FC236}">
-                  <a16:creationId xmlns:a16="http://schemas.microsoft.com/office/drawing/2014/main" xmlns="" id="{3D68A4CE-A5FD-4656-82E1-43D586CC441E}"/>
+                  <a16:creationId xmlns:a16="http://schemas.microsoft.com/office/drawing/2014/main" id="{3D68A4CE-A5FD-4656-82E1-43D586CC441E}"/>
                 </a:ext>
               </a:extLst>
             </p:cNvPr>
@@ -10385,7 +10385,7 @@
             <p:cNvPr id="15" name="Graphisme 14">
               <a:extLst>
                 <a:ext uri="{FF2B5EF4-FFF2-40B4-BE49-F238E27FC236}">
-                  <a16:creationId xmlns:a16="http://schemas.microsoft.com/office/drawing/2014/main" xmlns="" id="{E66B1E37-8CEC-44ED-A239-C755B72AC616}"/>
+                  <a16:creationId xmlns:a16="http://schemas.microsoft.com/office/drawing/2014/main" id="{E66B1E37-8CEC-44ED-A239-C755B72AC616}"/>
                 </a:ext>
               </a:extLst>
             </p:cNvPr>
@@ -10398,7 +10398,7 @@
             <a:blip r:embed="rId2">
               <a:extLst>
                 <a:ext uri="{96DAC541-7B7A-43D3-8B79-37D633B846F1}">
-                  <asvg:svgBlip xmlns="" xmlns:asvg="http://schemas.microsoft.com/office/drawing/2016/SVG/main" r:embed="rId3"/>
+                  <asvg:svgBlip xmlns:asvg="http://schemas.microsoft.com/office/drawing/2016/SVG/main" xmlns="" r:embed="rId3"/>
                 </a:ext>
               </a:extLst>
             </a:blip>
@@ -10421,7 +10421,7 @@
             <p:cNvPr id="14" name="Rectangle 13">
               <a:extLst>
                 <a:ext uri="{FF2B5EF4-FFF2-40B4-BE49-F238E27FC236}">
-                  <a16:creationId xmlns:a16="http://schemas.microsoft.com/office/drawing/2014/main" xmlns="" id="{B7E28405-97F5-4E03-86F1-FAE2FEA6CFF8}"/>
+                  <a16:creationId xmlns:a16="http://schemas.microsoft.com/office/drawing/2014/main" id="{B7E28405-97F5-4E03-86F1-FAE2FEA6CFF8}"/>
                 </a:ext>
               </a:extLst>
             </p:cNvPr>
@@ -10748,7 +10748,7 @@
           <p:cNvPr id="16" name="Titre 1">
             <a:extLst>
               <a:ext uri="{FF2B5EF4-FFF2-40B4-BE49-F238E27FC236}">
-                <a16:creationId xmlns:a16="http://schemas.microsoft.com/office/drawing/2014/main" xmlns="" id="{719FCC9B-E3B8-49CF-BD22-D553FFAAE5D5}"/>
+                <a16:creationId xmlns:a16="http://schemas.microsoft.com/office/drawing/2014/main" id="{719FCC9B-E3B8-49CF-BD22-D553FFAAE5D5}"/>
               </a:ext>
             </a:extLst>
           </p:cNvPr>
@@ -10794,7 +10794,7 @@
           <p:cNvPr id="17" name="Espace réservé du texte 2">
             <a:extLst>
               <a:ext uri="{FF2B5EF4-FFF2-40B4-BE49-F238E27FC236}">
-                <a16:creationId xmlns:a16="http://schemas.microsoft.com/office/drawing/2014/main" xmlns="" id="{4F21EA87-CE67-4A1E-B2E0-513F775C76A7}"/>
+                <a16:creationId xmlns:a16="http://schemas.microsoft.com/office/drawing/2014/main" id="{4F21EA87-CE67-4A1E-B2E0-513F775C76A7}"/>
               </a:ext>
             </a:extLst>
           </p:cNvPr>
@@ -10920,7 +10920,7 @@
           <p:cNvPr id="2" name="Espace réservé du pied de page 1">
             <a:extLst>
               <a:ext uri="{FF2B5EF4-FFF2-40B4-BE49-F238E27FC236}">
-                <a16:creationId xmlns:a16="http://schemas.microsoft.com/office/drawing/2014/main" xmlns="" id="{1A26DCC3-B99B-481C-AC63-F17D5215DCC8}"/>
+                <a16:creationId xmlns:a16="http://schemas.microsoft.com/office/drawing/2014/main" id="{1A26DCC3-B99B-481C-AC63-F17D5215DCC8}"/>
               </a:ext>
             </a:extLst>
           </p:cNvPr>
@@ -10949,7 +10949,7 @@
           <p:cNvPr id="3" name="Espace réservé du numéro de diapositive 2">
             <a:extLst>
               <a:ext uri="{FF2B5EF4-FFF2-40B4-BE49-F238E27FC236}">
-                <a16:creationId xmlns:a16="http://schemas.microsoft.com/office/drawing/2014/main" xmlns="" id="{40D24A36-5F75-40A5-8DA4-0364F4492FC6}"/>
+                <a16:creationId xmlns:a16="http://schemas.microsoft.com/office/drawing/2014/main" id="{40D24A36-5F75-40A5-8DA4-0364F4492FC6}"/>
               </a:ext>
             </a:extLst>
           </p:cNvPr>
@@ -11026,7 +11026,7 @@
           <p:cNvPr id="7" name="Espace réservé d’image 13">
             <a:extLst>
               <a:ext uri="{FF2B5EF4-FFF2-40B4-BE49-F238E27FC236}">
-                <a16:creationId xmlns:a16="http://schemas.microsoft.com/office/drawing/2014/main" xmlns="" id="{B599FEC8-12D0-4EB5-8573-C891D56C84E0}"/>
+                <a16:creationId xmlns:a16="http://schemas.microsoft.com/office/drawing/2014/main" id="{B599FEC8-12D0-4EB5-8573-C891D56C84E0}"/>
               </a:ext>
             </a:extLst>
           </p:cNvPr>
@@ -11066,7 +11066,7 @@
           <p:cNvPr id="14" name="Groupe 13">
             <a:extLst>
               <a:ext uri="{FF2B5EF4-FFF2-40B4-BE49-F238E27FC236}">
-                <a16:creationId xmlns:a16="http://schemas.microsoft.com/office/drawing/2014/main" xmlns="" id="{7BF3BF7F-F094-497C-9310-2FE8B059E82B}"/>
+                <a16:creationId xmlns:a16="http://schemas.microsoft.com/office/drawing/2014/main" id="{7BF3BF7F-F094-497C-9310-2FE8B059E82B}"/>
               </a:ext>
             </a:extLst>
           </p:cNvPr>
@@ -11086,7 +11086,7 @@
             <p:cNvPr id="15" name="Rectangle 14">
               <a:extLst>
                 <a:ext uri="{FF2B5EF4-FFF2-40B4-BE49-F238E27FC236}">
-                  <a16:creationId xmlns:a16="http://schemas.microsoft.com/office/drawing/2014/main" xmlns="" id="{2D49E498-4E90-44A2-B49F-157DFF9E8581}"/>
+                  <a16:creationId xmlns:a16="http://schemas.microsoft.com/office/drawing/2014/main" id="{2D49E498-4E90-44A2-B49F-157DFF9E8581}"/>
                 </a:ext>
               </a:extLst>
             </p:cNvPr>
@@ -11429,7 +11429,7 @@
             <p:cNvPr id="17" name="Graphisme 16">
               <a:extLst>
                 <a:ext uri="{FF2B5EF4-FFF2-40B4-BE49-F238E27FC236}">
-                  <a16:creationId xmlns:a16="http://schemas.microsoft.com/office/drawing/2014/main" xmlns="" id="{B2D9F108-8C30-4BEC-8122-BE2632644482}"/>
+                  <a16:creationId xmlns:a16="http://schemas.microsoft.com/office/drawing/2014/main" id="{B2D9F108-8C30-4BEC-8122-BE2632644482}"/>
                 </a:ext>
               </a:extLst>
             </p:cNvPr>
@@ -11442,7 +11442,7 @@
             <a:blip r:embed="rId2">
               <a:extLst>
                 <a:ext uri="{96DAC541-7B7A-43D3-8B79-37D633B846F1}">
-                  <asvg:svgBlip xmlns="" xmlns:asvg="http://schemas.microsoft.com/office/drawing/2016/SVG/main" r:embed="rId3"/>
+                  <asvg:svgBlip xmlns:asvg="http://schemas.microsoft.com/office/drawing/2016/SVG/main" xmlns="" r:embed="rId3"/>
                 </a:ext>
               </a:extLst>
             </a:blip>
@@ -11465,7 +11465,7 @@
             <p:cNvPr id="16" name="Rectangle 15">
               <a:extLst>
                 <a:ext uri="{FF2B5EF4-FFF2-40B4-BE49-F238E27FC236}">
-                  <a16:creationId xmlns:a16="http://schemas.microsoft.com/office/drawing/2014/main" xmlns="" id="{FAB546B5-7C56-40DD-B1DF-AE850DE5FDB3}"/>
+                  <a16:creationId xmlns:a16="http://schemas.microsoft.com/office/drawing/2014/main" id="{FAB546B5-7C56-40DD-B1DF-AE850DE5FDB3}"/>
                 </a:ext>
               </a:extLst>
             </p:cNvPr>
@@ -11792,7 +11792,7 @@
           <p:cNvPr id="8" name="Titre 1">
             <a:extLst>
               <a:ext uri="{FF2B5EF4-FFF2-40B4-BE49-F238E27FC236}">
-                <a16:creationId xmlns:a16="http://schemas.microsoft.com/office/drawing/2014/main" xmlns="" id="{4C30FD01-9DD8-4ECA-AC52-7C41002A99B3}"/>
+                <a16:creationId xmlns:a16="http://schemas.microsoft.com/office/drawing/2014/main" id="{4C30FD01-9DD8-4ECA-AC52-7C41002A99B3}"/>
               </a:ext>
             </a:extLst>
           </p:cNvPr>
@@ -11838,7 +11838,7 @@
           <p:cNvPr id="22" name="Espace réservé du texte 2">
             <a:extLst>
               <a:ext uri="{FF2B5EF4-FFF2-40B4-BE49-F238E27FC236}">
-                <a16:creationId xmlns:a16="http://schemas.microsoft.com/office/drawing/2014/main" xmlns="" id="{74491700-C4EB-4143-ACD3-DE153BF9DD99}"/>
+                <a16:creationId xmlns:a16="http://schemas.microsoft.com/office/drawing/2014/main" id="{74491700-C4EB-4143-ACD3-DE153BF9DD99}"/>
               </a:ext>
             </a:extLst>
           </p:cNvPr>
@@ -11964,7 +11964,7 @@
           <p:cNvPr id="3" name="Espace réservé du numéro de diapositive 2">
             <a:extLst>
               <a:ext uri="{FF2B5EF4-FFF2-40B4-BE49-F238E27FC236}">
-                <a16:creationId xmlns:a16="http://schemas.microsoft.com/office/drawing/2014/main" xmlns="" id="{D11BF64E-D1E6-463D-B3F0-1491C107C8B1}"/>
+                <a16:creationId xmlns:a16="http://schemas.microsoft.com/office/drawing/2014/main" id="{D11BF64E-D1E6-463D-B3F0-1491C107C8B1}"/>
               </a:ext>
             </a:extLst>
           </p:cNvPr>
@@ -11995,7 +11995,7 @@
           <p:cNvPr id="2" name="Espace réservé du pied de page 1">
             <a:extLst>
               <a:ext uri="{FF2B5EF4-FFF2-40B4-BE49-F238E27FC236}">
-                <a16:creationId xmlns:a16="http://schemas.microsoft.com/office/drawing/2014/main" xmlns="" id="{1149EC66-F633-4F8B-BA43-E48843E5AD21}"/>
+                <a16:creationId xmlns:a16="http://schemas.microsoft.com/office/drawing/2014/main" id="{1149EC66-F633-4F8B-BA43-E48843E5AD21}"/>
               </a:ext>
             </a:extLst>
           </p:cNvPr>
@@ -12062,7 +12062,7 @@
           <p:cNvPr id="17" name="Rectangle 16">
             <a:extLst>
               <a:ext uri="{FF2B5EF4-FFF2-40B4-BE49-F238E27FC236}">
-                <a16:creationId xmlns:a16="http://schemas.microsoft.com/office/drawing/2014/main" xmlns="" id="{CC3A4379-5E89-42FE-AA5C-BEA0CDFCDD6F}"/>
+                <a16:creationId xmlns:a16="http://schemas.microsoft.com/office/drawing/2014/main" id="{CC3A4379-5E89-42FE-AA5C-BEA0CDFCDD6F}"/>
               </a:ext>
             </a:extLst>
           </p:cNvPr>
@@ -12405,7 +12405,7 @@
           <p:cNvPr id="3" name="Espace réservé du texte 2">
             <a:extLst>
               <a:ext uri="{FF2B5EF4-FFF2-40B4-BE49-F238E27FC236}">
-                <a16:creationId xmlns:a16="http://schemas.microsoft.com/office/drawing/2014/main" xmlns="" id="{CF38A5A1-070F-43C9-B2D5-C557B0D72B9C}"/>
+                <a16:creationId xmlns:a16="http://schemas.microsoft.com/office/drawing/2014/main" id="{CF38A5A1-070F-43C9-B2D5-C557B0D72B9C}"/>
               </a:ext>
             </a:extLst>
           </p:cNvPr>
@@ -12486,7 +12486,7 @@
           <p:cNvPr id="4" name="Espace réservé du contenu 3">
             <a:extLst>
               <a:ext uri="{FF2B5EF4-FFF2-40B4-BE49-F238E27FC236}">
-                <a16:creationId xmlns:a16="http://schemas.microsoft.com/office/drawing/2014/main" xmlns="" id="{FECCBEC1-2F48-4E90-ADF0-BEE2B9E477B0}"/>
+                <a16:creationId xmlns:a16="http://schemas.microsoft.com/office/drawing/2014/main" id="{FECCBEC1-2F48-4E90-ADF0-BEE2B9E477B0}"/>
               </a:ext>
             </a:extLst>
           </p:cNvPr>
@@ -12602,7 +12602,7 @@
           <p:cNvPr id="11" name="Espace réservé du texte 2">
             <a:extLst>
               <a:ext uri="{FF2B5EF4-FFF2-40B4-BE49-F238E27FC236}">
-                <a16:creationId xmlns:a16="http://schemas.microsoft.com/office/drawing/2014/main" xmlns="" id="{367F380C-58A9-4490-AC57-579A90290F36}"/>
+                <a16:creationId xmlns:a16="http://schemas.microsoft.com/office/drawing/2014/main" id="{367F380C-58A9-4490-AC57-579A90290F36}"/>
               </a:ext>
             </a:extLst>
           </p:cNvPr>
@@ -12683,7 +12683,7 @@
           <p:cNvPr id="12" name="Espace réservé du contenu 3">
             <a:extLst>
               <a:ext uri="{FF2B5EF4-FFF2-40B4-BE49-F238E27FC236}">
-                <a16:creationId xmlns:a16="http://schemas.microsoft.com/office/drawing/2014/main" xmlns="" id="{DA285A94-0E4E-47DC-8E61-41F684F37003}"/>
+                <a16:creationId xmlns:a16="http://schemas.microsoft.com/office/drawing/2014/main" id="{DA285A94-0E4E-47DC-8E61-41F684F37003}"/>
               </a:ext>
             </a:extLst>
           </p:cNvPr>
@@ -12799,7 +12799,7 @@
           <p:cNvPr id="18" name="Rectangle 17">
             <a:extLst>
               <a:ext uri="{FF2B5EF4-FFF2-40B4-BE49-F238E27FC236}">
-                <a16:creationId xmlns:a16="http://schemas.microsoft.com/office/drawing/2014/main" xmlns="" id="{6EDCBFD0-7AE5-4346-AD3A-01F956626091}"/>
+                <a16:creationId xmlns:a16="http://schemas.microsoft.com/office/drawing/2014/main" id="{6EDCBFD0-7AE5-4346-AD3A-01F956626091}"/>
               </a:ext>
             </a:extLst>
           </p:cNvPr>
@@ -13125,7 +13125,7 @@
           <p:cNvPr id="16" name="Espace réservé d’image 13">
             <a:extLst>
               <a:ext uri="{FF2B5EF4-FFF2-40B4-BE49-F238E27FC236}">
-                <a16:creationId xmlns:a16="http://schemas.microsoft.com/office/drawing/2014/main" xmlns="" id="{354FBDC8-CD65-4972-A821-C25297B1A8AB}"/>
+                <a16:creationId xmlns:a16="http://schemas.microsoft.com/office/drawing/2014/main" id="{354FBDC8-CD65-4972-A821-C25297B1A8AB}"/>
               </a:ext>
             </a:extLst>
           </p:cNvPr>
@@ -13163,7 +13163,7 @@
           <p:cNvPr id="2" name="Espace réservé du pied de page 1">
             <a:extLst>
               <a:ext uri="{FF2B5EF4-FFF2-40B4-BE49-F238E27FC236}">
-                <a16:creationId xmlns:a16="http://schemas.microsoft.com/office/drawing/2014/main" xmlns="" id="{0C0FCBE5-63C0-4DC7-8687-C2C76ABBDDB2}"/>
+                <a16:creationId xmlns:a16="http://schemas.microsoft.com/office/drawing/2014/main" id="{0C0FCBE5-63C0-4DC7-8687-C2C76ABBDDB2}"/>
               </a:ext>
             </a:extLst>
           </p:cNvPr>
@@ -13192,7 +13192,7 @@
           <p:cNvPr id="5" name="Espace réservé du numéro de diapositive 4">
             <a:extLst>
               <a:ext uri="{FF2B5EF4-FFF2-40B4-BE49-F238E27FC236}">
-                <a16:creationId xmlns:a16="http://schemas.microsoft.com/office/drawing/2014/main" xmlns="" id="{D0F240C4-B3CD-49AA-8C48-9FE7AA1FE3D0}"/>
+                <a16:creationId xmlns:a16="http://schemas.microsoft.com/office/drawing/2014/main" id="{D0F240C4-B3CD-49AA-8C48-9FE7AA1FE3D0}"/>
               </a:ext>
             </a:extLst>
           </p:cNvPr>
@@ -13223,7 +13223,7 @@
           <p:cNvPr id="6" name="Title 5" hidden="1">
             <a:extLst>
               <a:ext uri="{FF2B5EF4-FFF2-40B4-BE49-F238E27FC236}">
-                <a16:creationId xmlns:a16="http://schemas.microsoft.com/office/drawing/2014/main" xmlns="" id="{A43A44DE-9B7B-49B8-AE13-95164A3FA9F1}"/>
+                <a16:creationId xmlns:a16="http://schemas.microsoft.com/office/drawing/2014/main" id="{A43A44DE-9B7B-49B8-AE13-95164A3FA9F1}"/>
               </a:ext>
             </a:extLst>
           </p:cNvPr>
@@ -13294,7 +13294,7 @@
           <p:cNvPr id="3" name="Espace réservé d’image 2">
             <a:extLst>
               <a:ext uri="{FF2B5EF4-FFF2-40B4-BE49-F238E27FC236}">
-                <a16:creationId xmlns:a16="http://schemas.microsoft.com/office/drawing/2014/main" xmlns="" id="{CAE90E16-AEC5-4F82-85B0-DDEA26AA939A}"/>
+                <a16:creationId xmlns:a16="http://schemas.microsoft.com/office/drawing/2014/main" id="{CAE90E16-AEC5-4F82-85B0-DDEA26AA939A}"/>
               </a:ext>
             </a:extLst>
           </p:cNvPr>
@@ -13366,7 +13366,7 @@
           <p:cNvPr id="10" name="Rectangle 9">
             <a:extLst>
               <a:ext uri="{FF2B5EF4-FFF2-40B4-BE49-F238E27FC236}">
-                <a16:creationId xmlns:a16="http://schemas.microsoft.com/office/drawing/2014/main" xmlns="" id="{ABD40C7A-92CE-46D6-B056-C75D73663328}"/>
+                <a16:creationId xmlns:a16="http://schemas.microsoft.com/office/drawing/2014/main" id="{ABD40C7A-92CE-46D6-B056-C75D73663328}"/>
               </a:ext>
             </a:extLst>
           </p:cNvPr>
@@ -13418,7 +13418,7 @@
           <p:cNvPr id="13" name="Rectangle 12">
             <a:extLst>
               <a:ext uri="{FF2B5EF4-FFF2-40B4-BE49-F238E27FC236}">
-                <a16:creationId xmlns:a16="http://schemas.microsoft.com/office/drawing/2014/main" xmlns="" id="{EA1A2116-206B-49CD-9ECC-078E4F72904C}"/>
+                <a16:creationId xmlns:a16="http://schemas.microsoft.com/office/drawing/2014/main" id="{EA1A2116-206B-49CD-9ECC-078E4F72904C}"/>
               </a:ext>
             </a:extLst>
           </p:cNvPr>
@@ -13761,7 +13761,7 @@
           <p:cNvPr id="14" name="Rectangle 13">
             <a:extLst>
               <a:ext uri="{FF2B5EF4-FFF2-40B4-BE49-F238E27FC236}">
-                <a16:creationId xmlns:a16="http://schemas.microsoft.com/office/drawing/2014/main" xmlns="" id="{A69E75A6-06C5-49D0-9164-3098CE0E53D8}"/>
+                <a16:creationId xmlns:a16="http://schemas.microsoft.com/office/drawing/2014/main" id="{A69E75A6-06C5-49D0-9164-3098CE0E53D8}"/>
               </a:ext>
             </a:extLst>
           </p:cNvPr>
@@ -13813,7 +13813,7 @@
           <p:cNvPr id="2" name="Titre 1">
             <a:extLst>
               <a:ext uri="{FF2B5EF4-FFF2-40B4-BE49-F238E27FC236}">
-                <a16:creationId xmlns:a16="http://schemas.microsoft.com/office/drawing/2014/main" xmlns="" id="{9AF0F519-65FC-434F-8F2F-F778A20A82ED}"/>
+                <a16:creationId xmlns:a16="http://schemas.microsoft.com/office/drawing/2014/main" id="{9AF0F519-65FC-434F-8F2F-F778A20A82ED}"/>
               </a:ext>
             </a:extLst>
           </p:cNvPr>
@@ -13857,7 +13857,7 @@
           <p:cNvPr id="4" name="Espace réservé du texte 3">
             <a:extLst>
               <a:ext uri="{FF2B5EF4-FFF2-40B4-BE49-F238E27FC236}">
-                <a16:creationId xmlns:a16="http://schemas.microsoft.com/office/drawing/2014/main" xmlns="" id="{F41E2B8D-1C12-403F-BE59-ECC565466CB0}"/>
+                <a16:creationId xmlns:a16="http://schemas.microsoft.com/office/drawing/2014/main" id="{F41E2B8D-1C12-403F-BE59-ECC565466CB0}"/>
               </a:ext>
             </a:extLst>
           </p:cNvPr>
@@ -13935,7 +13935,7 @@
           <p:cNvPr id="11" name="Espace réservé du texte 2">
             <a:extLst>
               <a:ext uri="{FF2B5EF4-FFF2-40B4-BE49-F238E27FC236}">
-                <a16:creationId xmlns:a16="http://schemas.microsoft.com/office/drawing/2014/main" xmlns="" id="{D9EF0584-D46D-4C21-99D2-074ADF23E018}"/>
+                <a16:creationId xmlns:a16="http://schemas.microsoft.com/office/drawing/2014/main" id="{D9EF0584-D46D-4C21-99D2-074ADF23E018}"/>
               </a:ext>
             </a:extLst>
           </p:cNvPr>
@@ -14061,7 +14061,7 @@
           <p:cNvPr id="8" name="Espace réservé du pied de page 7">
             <a:extLst>
               <a:ext uri="{FF2B5EF4-FFF2-40B4-BE49-F238E27FC236}">
-                <a16:creationId xmlns:a16="http://schemas.microsoft.com/office/drawing/2014/main" xmlns="" id="{86AFC205-B079-430E-B82F-CBF6F56DE09D}"/>
+                <a16:creationId xmlns:a16="http://schemas.microsoft.com/office/drawing/2014/main" id="{86AFC205-B079-430E-B82F-CBF6F56DE09D}"/>
               </a:ext>
             </a:extLst>
           </p:cNvPr>
@@ -14090,7 +14090,7 @@
           <p:cNvPr id="12" name="Espace réservé du numéro de diapositive 11">
             <a:extLst>
               <a:ext uri="{FF2B5EF4-FFF2-40B4-BE49-F238E27FC236}">
-                <a16:creationId xmlns:a16="http://schemas.microsoft.com/office/drawing/2014/main" xmlns="" id="{E82B84E2-AAE4-4BC1-8C01-AF4ABADD6EDE}"/>
+                <a16:creationId xmlns:a16="http://schemas.microsoft.com/office/drawing/2014/main" id="{E82B84E2-AAE4-4BC1-8C01-AF4ABADD6EDE}"/>
               </a:ext>
             </a:extLst>
           </p:cNvPr>
@@ -14151,7 +14151,7 @@
           <p:cNvPr id="9" name="Espace réservé d’image 13">
             <a:extLst>
               <a:ext uri="{FF2B5EF4-FFF2-40B4-BE49-F238E27FC236}">
-                <a16:creationId xmlns:a16="http://schemas.microsoft.com/office/drawing/2014/main" xmlns="" id="{0CBD5E02-927B-4DF7-8968-617C1C8F0F0E}"/>
+                <a16:creationId xmlns:a16="http://schemas.microsoft.com/office/drawing/2014/main" id="{0CBD5E02-927B-4DF7-8968-617C1C8F0F0E}"/>
               </a:ext>
             </a:extLst>
           </p:cNvPr>
@@ -14191,7 +14191,7 @@
           <p:cNvPr id="5" name="Groupe 4">
             <a:extLst>
               <a:ext uri="{FF2B5EF4-FFF2-40B4-BE49-F238E27FC236}">
-                <a16:creationId xmlns:a16="http://schemas.microsoft.com/office/drawing/2014/main" xmlns="" id="{1E8CB484-5390-4B2F-9BFB-D0733BEE88A5}"/>
+                <a16:creationId xmlns:a16="http://schemas.microsoft.com/office/drawing/2014/main" id="{1E8CB484-5390-4B2F-9BFB-D0733BEE88A5}"/>
               </a:ext>
             </a:extLst>
           </p:cNvPr>
@@ -14211,7 +14211,7 @@
             <p:cNvPr id="23" name="Rectangle 22">
               <a:extLst>
                 <a:ext uri="{FF2B5EF4-FFF2-40B4-BE49-F238E27FC236}">
-                  <a16:creationId xmlns:a16="http://schemas.microsoft.com/office/drawing/2014/main" xmlns="" id="{36778BD9-B865-4156-B319-6A8242F0D4D5}"/>
+                  <a16:creationId xmlns:a16="http://schemas.microsoft.com/office/drawing/2014/main" id="{36778BD9-B865-4156-B319-6A8242F0D4D5}"/>
                 </a:ext>
               </a:extLst>
             </p:cNvPr>
@@ -14263,7 +14263,7 @@
             <p:cNvPr id="24" name="Rectangle 23">
               <a:extLst>
                 <a:ext uri="{FF2B5EF4-FFF2-40B4-BE49-F238E27FC236}">
-                  <a16:creationId xmlns:a16="http://schemas.microsoft.com/office/drawing/2014/main" xmlns="" id="{A8354BDC-9788-4AB5-A841-99D95C68804F}"/>
+                  <a16:creationId xmlns:a16="http://schemas.microsoft.com/office/drawing/2014/main" id="{A8354BDC-9788-4AB5-A841-99D95C68804F}"/>
                 </a:ext>
               </a:extLst>
             </p:cNvPr>
@@ -14606,7 +14606,7 @@
             <p:cNvPr id="25" name="Rectangle 24">
               <a:extLst>
                 <a:ext uri="{FF2B5EF4-FFF2-40B4-BE49-F238E27FC236}">
-                  <a16:creationId xmlns:a16="http://schemas.microsoft.com/office/drawing/2014/main" xmlns="" id="{AEB70006-7799-4F63-912B-45662CE14500}"/>
+                  <a16:creationId xmlns:a16="http://schemas.microsoft.com/office/drawing/2014/main" id="{AEB70006-7799-4F63-912B-45662CE14500}"/>
                 </a:ext>
               </a:extLst>
             </p:cNvPr>
@@ -14659,7 +14659,7 @@
           <p:cNvPr id="2" name="Titre 1">
             <a:extLst>
               <a:ext uri="{FF2B5EF4-FFF2-40B4-BE49-F238E27FC236}">
-                <a16:creationId xmlns:a16="http://schemas.microsoft.com/office/drawing/2014/main" xmlns="" id="{004074E6-E39E-4D19-B91F-8E84F37CBF3C}"/>
+                <a16:creationId xmlns:a16="http://schemas.microsoft.com/office/drawing/2014/main" id="{004074E6-E39E-4D19-B91F-8E84F37CBF3C}"/>
               </a:ext>
             </a:extLst>
           </p:cNvPr>
@@ -14704,7 +14704,7 @@
           <p:cNvPr id="3" name="Espace réservé du contenu 2">
             <a:extLst>
               <a:ext uri="{FF2B5EF4-FFF2-40B4-BE49-F238E27FC236}">
-                <a16:creationId xmlns:a16="http://schemas.microsoft.com/office/drawing/2014/main" xmlns="" id="{607D1B16-7058-45AD-9B19-E19CAF96683B}"/>
+                <a16:creationId xmlns:a16="http://schemas.microsoft.com/office/drawing/2014/main" id="{607D1B16-7058-45AD-9B19-E19CAF96683B}"/>
               </a:ext>
             </a:extLst>
           </p:cNvPr>
@@ -14820,7 +14820,7 @@
           <p:cNvPr id="7" name="Espace réservé du texte 2">
             <a:extLst>
               <a:ext uri="{FF2B5EF4-FFF2-40B4-BE49-F238E27FC236}">
-                <a16:creationId xmlns:a16="http://schemas.microsoft.com/office/drawing/2014/main" xmlns="" id="{6CAAB964-0A56-4842-AA82-7610F726CD14}"/>
+                <a16:creationId xmlns:a16="http://schemas.microsoft.com/office/drawing/2014/main" id="{6CAAB964-0A56-4842-AA82-7610F726CD14}"/>
               </a:ext>
             </a:extLst>
           </p:cNvPr>
@@ -14946,7 +14946,7 @@
           <p:cNvPr id="6" name="Espace réservé du numéro de diapositive 5">
             <a:extLst>
               <a:ext uri="{FF2B5EF4-FFF2-40B4-BE49-F238E27FC236}">
-                <a16:creationId xmlns:a16="http://schemas.microsoft.com/office/drawing/2014/main" xmlns="" id="{93F3FF75-3EF1-4F7E-9040-8B957B4D277C}"/>
+                <a16:creationId xmlns:a16="http://schemas.microsoft.com/office/drawing/2014/main" id="{93F3FF75-3EF1-4F7E-9040-8B957B4D277C}"/>
               </a:ext>
             </a:extLst>
           </p:cNvPr>
@@ -15023,7 +15023,7 @@
           <p:cNvPr id="6" name="Espace réservé du contenu 5">
             <a:extLst>
               <a:ext uri="{FF2B5EF4-FFF2-40B4-BE49-F238E27FC236}">
-                <a16:creationId xmlns:a16="http://schemas.microsoft.com/office/drawing/2014/main" xmlns="" id="{C42E9CCD-6BB8-4209-A6BA-851867956084}"/>
+                <a16:creationId xmlns:a16="http://schemas.microsoft.com/office/drawing/2014/main" id="{C42E9CCD-6BB8-4209-A6BA-851867956084}"/>
               </a:ext>
             </a:extLst>
           </p:cNvPr>
@@ -15086,7 +15086,7 @@
           <p:cNvPr id="5" name="Groupe 4">
             <a:extLst>
               <a:ext uri="{FF2B5EF4-FFF2-40B4-BE49-F238E27FC236}">
-                <a16:creationId xmlns:a16="http://schemas.microsoft.com/office/drawing/2014/main" xmlns="" id="{1E8CB484-5390-4B2F-9BFB-D0733BEE88A5}"/>
+                <a16:creationId xmlns:a16="http://schemas.microsoft.com/office/drawing/2014/main" id="{1E8CB484-5390-4B2F-9BFB-D0733BEE88A5}"/>
               </a:ext>
             </a:extLst>
           </p:cNvPr>
@@ -15106,7 +15106,7 @@
             <p:cNvPr id="24" name="Rectangle 23">
               <a:extLst>
                 <a:ext uri="{FF2B5EF4-FFF2-40B4-BE49-F238E27FC236}">
-                  <a16:creationId xmlns:a16="http://schemas.microsoft.com/office/drawing/2014/main" xmlns="" id="{A8354BDC-9788-4AB5-A841-99D95C68804F}"/>
+                  <a16:creationId xmlns:a16="http://schemas.microsoft.com/office/drawing/2014/main" id="{A8354BDC-9788-4AB5-A841-99D95C68804F}"/>
                 </a:ext>
               </a:extLst>
             </p:cNvPr>
@@ -15449,7 +15449,7 @@
             <p:cNvPr id="23" name="Rectangle 22">
               <a:extLst>
                 <a:ext uri="{FF2B5EF4-FFF2-40B4-BE49-F238E27FC236}">
-                  <a16:creationId xmlns:a16="http://schemas.microsoft.com/office/drawing/2014/main" xmlns="" id="{36778BD9-B865-4156-B319-6A8242F0D4D5}"/>
+                  <a16:creationId xmlns:a16="http://schemas.microsoft.com/office/drawing/2014/main" id="{36778BD9-B865-4156-B319-6A8242F0D4D5}"/>
                 </a:ext>
               </a:extLst>
             </p:cNvPr>
@@ -15501,7 +15501,7 @@
             <p:cNvPr id="25" name="Rectangle 24">
               <a:extLst>
                 <a:ext uri="{FF2B5EF4-FFF2-40B4-BE49-F238E27FC236}">
-                  <a16:creationId xmlns:a16="http://schemas.microsoft.com/office/drawing/2014/main" xmlns="" id="{AEB70006-7799-4F63-912B-45662CE14500}"/>
+                  <a16:creationId xmlns:a16="http://schemas.microsoft.com/office/drawing/2014/main" id="{AEB70006-7799-4F63-912B-45662CE14500}"/>
                 </a:ext>
               </a:extLst>
             </p:cNvPr>
@@ -15554,7 +15554,7 @@
           <p:cNvPr id="2" name="Titre 1">
             <a:extLst>
               <a:ext uri="{FF2B5EF4-FFF2-40B4-BE49-F238E27FC236}">
-                <a16:creationId xmlns:a16="http://schemas.microsoft.com/office/drawing/2014/main" xmlns="" id="{004074E6-E39E-4D19-B91F-8E84F37CBF3C}"/>
+                <a16:creationId xmlns:a16="http://schemas.microsoft.com/office/drawing/2014/main" id="{004074E6-E39E-4D19-B91F-8E84F37CBF3C}"/>
               </a:ext>
             </a:extLst>
           </p:cNvPr>
@@ -15599,7 +15599,7 @@
           <p:cNvPr id="3" name="Espace réservé du contenu 2">
             <a:extLst>
               <a:ext uri="{FF2B5EF4-FFF2-40B4-BE49-F238E27FC236}">
-                <a16:creationId xmlns:a16="http://schemas.microsoft.com/office/drawing/2014/main" xmlns="" id="{607D1B16-7058-45AD-9B19-E19CAF96683B}"/>
+                <a16:creationId xmlns:a16="http://schemas.microsoft.com/office/drawing/2014/main" id="{607D1B16-7058-45AD-9B19-E19CAF96683B}"/>
               </a:ext>
             </a:extLst>
           </p:cNvPr>
@@ -15715,7 +15715,7 @@
           <p:cNvPr id="7" name="Espace réservé du texte 2">
             <a:extLst>
               <a:ext uri="{FF2B5EF4-FFF2-40B4-BE49-F238E27FC236}">
-                <a16:creationId xmlns:a16="http://schemas.microsoft.com/office/drawing/2014/main" xmlns="" id="{6CAAB964-0A56-4842-AA82-7610F726CD14}"/>
+                <a16:creationId xmlns:a16="http://schemas.microsoft.com/office/drawing/2014/main" id="{6CAAB964-0A56-4842-AA82-7610F726CD14}"/>
               </a:ext>
             </a:extLst>
           </p:cNvPr>
@@ -15841,7 +15841,7 @@
           <p:cNvPr id="4" name="Espace réservé du pied de page 3">
             <a:extLst>
               <a:ext uri="{FF2B5EF4-FFF2-40B4-BE49-F238E27FC236}">
-                <a16:creationId xmlns:a16="http://schemas.microsoft.com/office/drawing/2014/main" xmlns="" id="{01A066D4-321A-48BF-84C2-18FC1D7184A7}"/>
+                <a16:creationId xmlns:a16="http://schemas.microsoft.com/office/drawing/2014/main" id="{01A066D4-321A-48BF-84C2-18FC1D7184A7}"/>
               </a:ext>
             </a:extLst>
           </p:cNvPr>
@@ -15870,7 +15870,7 @@
           <p:cNvPr id="8" name="Espace réservé du numéro de diapositive 7">
             <a:extLst>
               <a:ext uri="{FF2B5EF4-FFF2-40B4-BE49-F238E27FC236}">
-                <a16:creationId xmlns:a16="http://schemas.microsoft.com/office/drawing/2014/main" xmlns="" id="{0CDB4336-A0EC-4019-904C-112405358769}"/>
+                <a16:creationId xmlns:a16="http://schemas.microsoft.com/office/drawing/2014/main" id="{0CDB4336-A0EC-4019-904C-112405358769}"/>
               </a:ext>
             </a:extLst>
           </p:cNvPr>
@@ -15955,7 +15955,7 @@
           <p:cNvPr id="8" name="Rectangle : Coin rogné 7">
             <a:extLst>
               <a:ext uri="{FF2B5EF4-FFF2-40B4-BE49-F238E27FC236}">
-                <a16:creationId xmlns:a16="http://schemas.microsoft.com/office/drawing/2014/main" xmlns="" id="{C39E4676-2097-45B1-B554-0DFE67952792}"/>
+                <a16:creationId xmlns:a16="http://schemas.microsoft.com/office/drawing/2014/main" id="{C39E4676-2097-45B1-B554-0DFE67952792}"/>
               </a:ext>
             </a:extLst>
           </p:cNvPr>
@@ -16007,7 +16007,7 @@
           <p:cNvPr id="2" name="Espace réservé du titre 1">
             <a:extLst>
               <a:ext uri="{FF2B5EF4-FFF2-40B4-BE49-F238E27FC236}">
-                <a16:creationId xmlns:a16="http://schemas.microsoft.com/office/drawing/2014/main" xmlns="" id="{7F27C465-B000-4905-9328-DBAB7930A0CF}"/>
+                <a16:creationId xmlns:a16="http://schemas.microsoft.com/office/drawing/2014/main" id="{7F27C465-B000-4905-9328-DBAB7930A0CF}"/>
               </a:ext>
             </a:extLst>
           </p:cNvPr>
@@ -16046,7 +16046,7 @@
           <p:cNvPr id="3" name="Espace réservé du texte 2">
             <a:extLst>
               <a:ext uri="{FF2B5EF4-FFF2-40B4-BE49-F238E27FC236}">
-                <a16:creationId xmlns:a16="http://schemas.microsoft.com/office/drawing/2014/main" xmlns="" id="{FBBF3059-D5B9-418C-A60B-C3C8E261E486}"/>
+                <a16:creationId xmlns:a16="http://schemas.microsoft.com/office/drawing/2014/main" id="{FBBF3059-D5B9-418C-A60B-C3C8E261E486}"/>
               </a:ext>
             </a:extLst>
           </p:cNvPr>
@@ -16113,7 +16113,7 @@
           <p:cNvPr id="5" name="Espace réservé du pied de page 4">
             <a:extLst>
               <a:ext uri="{FF2B5EF4-FFF2-40B4-BE49-F238E27FC236}">
-                <a16:creationId xmlns:a16="http://schemas.microsoft.com/office/drawing/2014/main" xmlns="" id="{E087F727-48BD-4EB4-B57F-5AC03BEB1A4D}"/>
+                <a16:creationId xmlns:a16="http://schemas.microsoft.com/office/drawing/2014/main" id="{E087F727-48BD-4EB4-B57F-5AC03BEB1A4D}"/>
               </a:ext>
             </a:extLst>
           </p:cNvPr>
@@ -16160,7 +16160,7 @@
           <p:cNvPr id="11" name="Espace réservé du numéro de diapositive 5">
             <a:extLst>
               <a:ext uri="{FF2B5EF4-FFF2-40B4-BE49-F238E27FC236}">
-                <a16:creationId xmlns:a16="http://schemas.microsoft.com/office/drawing/2014/main" xmlns="" id="{49B3254E-B445-46A8-8E69-B2596E25AD38}"/>
+                <a16:creationId xmlns:a16="http://schemas.microsoft.com/office/drawing/2014/main" id="{49B3254E-B445-46A8-8E69-B2596E25AD38}"/>
               </a:ext>
             </a:extLst>
           </p:cNvPr>
@@ -16558,7 +16558,7 @@
           <p:cNvPr id="5" name="Espace réservé d’image 4" descr="Bâtiment abstrait" title="Bâtiment abstrait">
             <a:extLst>
               <a:ext uri="{FF2B5EF4-FFF2-40B4-BE49-F238E27FC236}">
-                <a16:creationId xmlns:a16="http://schemas.microsoft.com/office/drawing/2014/main" xmlns="" id="{1805319F-612A-49F0-B6DA-8A214D5DBD2A}"/>
+                <a16:creationId xmlns:a16="http://schemas.microsoft.com/office/drawing/2014/main" id="{1805319F-612A-49F0-B6DA-8A214D5DBD2A}"/>
               </a:ext>
             </a:extLst>
           </p:cNvPr>
@@ -16589,7 +16589,7 @@
           <p:cNvPr id="35" name="Rectangle 34">
             <a:extLst>
               <a:ext uri="{FF2B5EF4-FFF2-40B4-BE49-F238E27FC236}">
-                <a16:creationId xmlns:a16="http://schemas.microsoft.com/office/drawing/2014/main" xmlns="" id="{B6C8E487-ADDC-4F1B-A30A-BAABB4998F49}"/>
+                <a16:creationId xmlns:a16="http://schemas.microsoft.com/office/drawing/2014/main" id="{B6C8E487-ADDC-4F1B-A30A-BAABB4998F49}"/>
               </a:ext>
             </a:extLst>
           </p:cNvPr>
@@ -16917,7 +16917,7 @@
           <p:cNvPr id="40" name="Groupe 39" descr="Carrés d’accentuation : forme ouverte noire foncée, bloc vert ombré et bloc blanc avec espace réservé au texte.">
             <a:extLst>
               <a:ext uri="{FF2B5EF4-FFF2-40B4-BE49-F238E27FC236}">
-                <a16:creationId xmlns:a16="http://schemas.microsoft.com/office/drawing/2014/main" xmlns="" id="{11BEC607-8474-408E-A7AC-48A065F31B63}"/>
+                <a16:creationId xmlns:a16="http://schemas.microsoft.com/office/drawing/2014/main" id="{11BEC607-8474-408E-A7AC-48A065F31B63}"/>
               </a:ext>
             </a:extLst>
           </p:cNvPr>
@@ -16937,7 +16937,7 @@
             <p:cNvPr id="42" name="Rectangle 41">
               <a:extLst>
                 <a:ext uri="{FF2B5EF4-FFF2-40B4-BE49-F238E27FC236}">
-                  <a16:creationId xmlns:a16="http://schemas.microsoft.com/office/drawing/2014/main" xmlns="" id="{B601E3FC-2016-4085-9A4B-A172702EAAE1}"/>
+                  <a16:creationId xmlns:a16="http://schemas.microsoft.com/office/drawing/2014/main" id="{B601E3FC-2016-4085-9A4B-A172702EAAE1}"/>
                 </a:ext>
               </a:extLst>
             </p:cNvPr>
@@ -17280,7 +17280,7 @@
             <p:cNvPr id="41" name="Rectangle 40">
               <a:extLst>
                 <a:ext uri="{FF2B5EF4-FFF2-40B4-BE49-F238E27FC236}">
-                  <a16:creationId xmlns:a16="http://schemas.microsoft.com/office/drawing/2014/main" xmlns="" id="{2CBF662F-A198-4AD3-8EBC-0EC9A52B2994}"/>
+                  <a16:creationId xmlns:a16="http://schemas.microsoft.com/office/drawing/2014/main" id="{2CBF662F-A198-4AD3-8EBC-0EC9A52B2994}"/>
                 </a:ext>
               </a:extLst>
             </p:cNvPr>
@@ -17332,7 +17332,7 @@
             <p:cNvPr id="43" name="Rectangle 42">
               <a:extLst>
                 <a:ext uri="{FF2B5EF4-FFF2-40B4-BE49-F238E27FC236}">
-                  <a16:creationId xmlns:a16="http://schemas.microsoft.com/office/drawing/2014/main" xmlns="" id="{142E86C5-8E5F-4620-A4FB-D1F926179D18}"/>
+                  <a16:creationId xmlns:a16="http://schemas.microsoft.com/office/drawing/2014/main" id="{142E86C5-8E5F-4620-A4FB-D1F926179D18}"/>
                 </a:ext>
               </a:extLst>
             </p:cNvPr>
@@ -17385,7 +17385,7 @@
           <p:cNvPr id="6" name="Titre 5">
             <a:extLst>
               <a:ext uri="{FF2B5EF4-FFF2-40B4-BE49-F238E27FC236}">
-                <a16:creationId xmlns:a16="http://schemas.microsoft.com/office/drawing/2014/main" xmlns="" id="{7E0E8055-17FA-43CE-9F03-E712F496B7CF}"/>
+                <a16:creationId xmlns:a16="http://schemas.microsoft.com/office/drawing/2014/main" id="{7E0E8055-17FA-43CE-9F03-E712F496B7CF}"/>
               </a:ext>
             </a:extLst>
           </p:cNvPr>
@@ -17446,7 +17446,7 @@
           <p:cNvPr id="7" name="Sous-titre 6">
             <a:extLst>
               <a:ext uri="{FF2B5EF4-FFF2-40B4-BE49-F238E27FC236}">
-                <a16:creationId xmlns:a16="http://schemas.microsoft.com/office/drawing/2014/main" xmlns="" id="{9935280A-EBD5-4EFA-81A0-313C85F987EC}"/>
+                <a16:creationId xmlns:a16="http://schemas.microsoft.com/office/drawing/2014/main" id="{9935280A-EBD5-4EFA-81A0-313C85F987EC}"/>
               </a:ext>
             </a:extLst>
           </p:cNvPr>
@@ -17521,7 +17521,7 @@
           <p:cNvPr id="7" name="Titre 6">
             <a:extLst>
               <a:ext uri="{FF2B5EF4-FFF2-40B4-BE49-F238E27FC236}">
-                <a16:creationId xmlns:a16="http://schemas.microsoft.com/office/drawing/2014/main" xmlns="" id="{4D671F4D-9614-41E9-BA0C-7977DEBBBBB3}"/>
+                <a16:creationId xmlns:a16="http://schemas.microsoft.com/office/drawing/2014/main" id="{4D671F4D-9614-41E9-BA0C-7977DEBBBBB3}"/>
               </a:ext>
             </a:extLst>
           </p:cNvPr>
@@ -17550,7 +17550,7 @@
           <p:cNvPr id="8" name="Rectangle 7" descr="Bloc d’accentuation carré ouvert">
             <a:extLst>
               <a:ext uri="{FF2B5EF4-FFF2-40B4-BE49-F238E27FC236}">
-                <a16:creationId xmlns:a16="http://schemas.microsoft.com/office/drawing/2014/main" xmlns="" id="{1715FCDC-B95D-46B0-8EBD-FC1451D3C124}"/>
+                <a16:creationId xmlns:a16="http://schemas.microsoft.com/office/drawing/2014/main" id="{1715FCDC-B95D-46B0-8EBD-FC1451D3C124}"/>
               </a:ext>
             </a:extLst>
           </p:cNvPr>
@@ -17602,7 +17602,7 @@
           <p:cNvPr id="9" name="Rectangle 8">
             <a:extLst>
               <a:ext uri="{FF2B5EF4-FFF2-40B4-BE49-F238E27FC236}">
-                <a16:creationId xmlns:a16="http://schemas.microsoft.com/office/drawing/2014/main" xmlns="" id="{EF85080C-B66C-4B03-BE77-8C2994DDD44D}"/>
+                <a16:creationId xmlns:a16="http://schemas.microsoft.com/office/drawing/2014/main" id="{EF85080C-B66C-4B03-BE77-8C2994DDD44D}"/>
               </a:ext>
             </a:extLst>
           </p:cNvPr>
@@ -17945,7 +17945,7 @@
           <p:cNvPr id="2" name="Espace réservé du pied de page 1">
             <a:extLst>
               <a:ext uri="{FF2B5EF4-FFF2-40B4-BE49-F238E27FC236}">
-                <a16:creationId xmlns:a16="http://schemas.microsoft.com/office/drawing/2014/main" xmlns="" id="{AAB9EEEE-5D24-422D-B76D-987859ECB059}"/>
+                <a16:creationId xmlns:a16="http://schemas.microsoft.com/office/drawing/2014/main" id="{AAB9EEEE-5D24-422D-B76D-987859ECB059}"/>
               </a:ext>
             </a:extLst>
           </p:cNvPr>
@@ -17974,7 +17974,7 @@
           <p:cNvPr id="5" name="Espace réservé du numéro de diapositive 4">
             <a:extLst>
               <a:ext uri="{FF2B5EF4-FFF2-40B4-BE49-F238E27FC236}">
-                <a16:creationId xmlns:a16="http://schemas.microsoft.com/office/drawing/2014/main" xmlns="" id="{4BFC890C-B560-45C1-9FF4-08AA00E1673F}"/>
+                <a16:creationId xmlns:a16="http://schemas.microsoft.com/office/drawing/2014/main" id="{4BFC890C-B560-45C1-9FF4-08AA00E1673F}"/>
               </a:ext>
             </a:extLst>
           </p:cNvPr>
@@ -18005,7 +18005,7 @@
           <p:cNvPr id="10" name="Espace réservé du texte 8">
             <a:extLst>
               <a:ext uri="{FF2B5EF4-FFF2-40B4-BE49-F238E27FC236}">
-                <a16:creationId xmlns:a16="http://schemas.microsoft.com/office/drawing/2014/main" xmlns="" id="{4744B28E-5E14-4A77-AD4F-C979905862BF}"/>
+                <a16:creationId xmlns:a16="http://schemas.microsoft.com/office/drawing/2014/main" id="{4744B28E-5E14-4A77-AD4F-C979905862BF}"/>
               </a:ext>
             </a:extLst>
           </p:cNvPr>
@@ -18273,7 +18273,7 @@
           <p:cNvPr id="7" name="Titre 6">
             <a:extLst>
               <a:ext uri="{FF2B5EF4-FFF2-40B4-BE49-F238E27FC236}">
-                <a16:creationId xmlns:a16="http://schemas.microsoft.com/office/drawing/2014/main" xmlns="" id="{4D671F4D-9614-41E9-BA0C-7977DEBBBBB3}"/>
+                <a16:creationId xmlns:a16="http://schemas.microsoft.com/office/drawing/2014/main" id="{4D671F4D-9614-41E9-BA0C-7977DEBBBBB3}"/>
               </a:ext>
             </a:extLst>
           </p:cNvPr>
@@ -18302,7 +18302,7 @@
           <p:cNvPr id="8" name="Rectangle 7" descr="Bloc d’accentuation carré ouvert">
             <a:extLst>
               <a:ext uri="{FF2B5EF4-FFF2-40B4-BE49-F238E27FC236}">
-                <a16:creationId xmlns:a16="http://schemas.microsoft.com/office/drawing/2014/main" xmlns="" id="{1715FCDC-B95D-46B0-8EBD-FC1451D3C124}"/>
+                <a16:creationId xmlns:a16="http://schemas.microsoft.com/office/drawing/2014/main" id="{1715FCDC-B95D-46B0-8EBD-FC1451D3C124}"/>
               </a:ext>
             </a:extLst>
           </p:cNvPr>
@@ -18354,7 +18354,7 @@
           <p:cNvPr id="9" name="Rectangle 8">
             <a:extLst>
               <a:ext uri="{FF2B5EF4-FFF2-40B4-BE49-F238E27FC236}">
-                <a16:creationId xmlns:a16="http://schemas.microsoft.com/office/drawing/2014/main" xmlns="" id="{EF85080C-B66C-4B03-BE77-8C2994DDD44D}"/>
+                <a16:creationId xmlns:a16="http://schemas.microsoft.com/office/drawing/2014/main" id="{EF85080C-B66C-4B03-BE77-8C2994DDD44D}"/>
               </a:ext>
             </a:extLst>
           </p:cNvPr>
@@ -18697,7 +18697,7 @@
           <p:cNvPr id="2" name="Espace réservé du pied de page 1">
             <a:extLst>
               <a:ext uri="{FF2B5EF4-FFF2-40B4-BE49-F238E27FC236}">
-                <a16:creationId xmlns:a16="http://schemas.microsoft.com/office/drawing/2014/main" xmlns="" id="{AAB9EEEE-5D24-422D-B76D-987859ECB059}"/>
+                <a16:creationId xmlns:a16="http://schemas.microsoft.com/office/drawing/2014/main" id="{AAB9EEEE-5D24-422D-B76D-987859ECB059}"/>
               </a:ext>
             </a:extLst>
           </p:cNvPr>
@@ -18726,7 +18726,7 @@
           <p:cNvPr id="5" name="Espace réservé du numéro de diapositive 4">
             <a:extLst>
               <a:ext uri="{FF2B5EF4-FFF2-40B4-BE49-F238E27FC236}">
-                <a16:creationId xmlns:a16="http://schemas.microsoft.com/office/drawing/2014/main" xmlns="" id="{4BFC890C-B560-45C1-9FF4-08AA00E1673F}"/>
+                <a16:creationId xmlns:a16="http://schemas.microsoft.com/office/drawing/2014/main" id="{4BFC890C-B560-45C1-9FF4-08AA00E1673F}"/>
               </a:ext>
             </a:extLst>
           </p:cNvPr>
@@ -18757,7 +18757,7 @@
           <p:cNvPr id="10" name="Espace réservé du texte 8">
             <a:extLst>
               <a:ext uri="{FF2B5EF4-FFF2-40B4-BE49-F238E27FC236}">
-                <a16:creationId xmlns:a16="http://schemas.microsoft.com/office/drawing/2014/main" xmlns="" id="{4744B28E-5E14-4A77-AD4F-C979905862BF}"/>
+                <a16:creationId xmlns:a16="http://schemas.microsoft.com/office/drawing/2014/main" id="{4744B28E-5E14-4A77-AD4F-C979905862BF}"/>
               </a:ext>
             </a:extLst>
           </p:cNvPr>
@@ -18953,7 +18953,6 @@
               <a:rPr lang="fr-FR" dirty="0"/>
               <a:t>obligatoire sur votre expérience</a:t>
             </a:r>
-            <a:endParaRPr lang="fr-FR" dirty="0"/>
           </a:p>
         </p:txBody>
       </p:sp>
@@ -18966,7 +18965,7 @@
         <p:spPr>
           <a:xfrm>
             <a:off x="2459979" y="1547133"/>
-            <a:ext cx="8804134" cy="2585323"/>
+            <a:ext cx="8804134" cy="3693319"/>
           </a:xfrm>
           <a:prstGeom prst="rect">
             <a:avLst/>
@@ -19001,8 +19000,16 @@
               <a:buChar char="•"/>
             </a:pPr>
             <a:r>
+              <a:rPr lang="fr-CA" b="1" dirty="0"/>
+              <a:t>Analyse:</a:t>
+            </a:r>
+            <a:r>
+              <a:rPr lang="fr-CA" dirty="0"/>
+              <a:t> Pour arriver à la solution, en équipe on n'a découpé la solution partie par partie.</a:t>
+            </a:r>
+            <a:r>
               <a:rPr lang="fr-FR" dirty="0" smtClean="0"/>
-              <a:t>Comment automatiser un horaire de travail</a:t>
+              <a:t>Les technologie utilise</a:t>
             </a:r>
           </a:p>
           <a:p>
@@ -19011,8 +19018,61 @@
               <a:buChar char="•"/>
             </a:pPr>
             <a:r>
-              <a:rPr lang="fr-FR" dirty="0" smtClean="0"/>
-              <a:t>Les technologie utilise</a:t>
+              <a:rPr lang="fr-CA" b="1" dirty="0"/>
+              <a:t>Planification:</a:t>
+            </a:r>
+            <a:r>
+              <a:rPr lang="fr-CA" dirty="0"/>
+              <a:t> Le travail d'équipe et la communication étaient nos élément clés</a:t>
+            </a:r>
+            <a:r>
+              <a:rPr lang="fr-CA" dirty="0" smtClean="0"/>
+              <a:t>.</a:t>
+            </a:r>
+            <a:endParaRPr lang="fr-FR" dirty="0"/>
+          </a:p>
+          <a:p>
+            <a:pPr marL="1714500" lvl="3" indent="-342900">
+              <a:buFont typeface="Arial" panose="020B0604020202020204" pitchFamily="34" charset="0"/>
+              <a:buChar char="•"/>
+            </a:pPr>
+            <a:r>
+              <a:rPr lang="fr-CA" b="1" dirty="0"/>
+              <a:t>MVP 1:</a:t>
+            </a:r>
+            <a:r>
+              <a:rPr lang="fr-CA" dirty="0"/>
+              <a:t> Avoir un site web dans le cloud avec les fonctions de </a:t>
+            </a:r>
+            <a:r>
+              <a:rPr lang="fr-CA" dirty="0" smtClean="0"/>
+              <a:t>base</a:t>
+            </a:r>
+          </a:p>
+          <a:p>
+            <a:pPr marL="1714500" lvl="3" indent="-342900">
+              <a:buFont typeface="Arial" panose="020B0604020202020204" pitchFamily="34" charset="0"/>
+              <a:buChar char="•"/>
+            </a:pPr>
+            <a:r>
+              <a:rPr lang="fr-CA" b="1" dirty="0"/>
+              <a:t>MVP 2:</a:t>
+            </a:r>
+            <a:r>
+              <a:rPr lang="fr-CA" dirty="0"/>
+              <a:t> </a:t>
+            </a:r>
+            <a:r>
+              <a:rPr lang="fr-CA" dirty="0" err="1"/>
+              <a:t>Frontend</a:t>
+            </a:r>
+            <a:r>
+              <a:rPr lang="fr-CA" dirty="0"/>
+              <a:t> VUEJS, les tests et la fonction pour générer </a:t>
+            </a:r>
+            <a:r>
+              <a:rPr lang="fr-CA" dirty="0" smtClean="0"/>
+              <a:t>l`horaire</a:t>
             </a:r>
           </a:p>
           <a:p>
@@ -19021,28 +19081,22 @@
               <a:buChar char="•"/>
             </a:pPr>
             <a:r>
-              <a:rPr lang="fr-FR" dirty="0" err="1" smtClean="0"/>
-              <a:t>Scrum</a:t>
+              <a:rPr lang="fr-CA" b="1" dirty="0"/>
+              <a:t>ASANA:</a:t>
             </a:r>
             <a:r>
-              <a:rPr lang="fr-FR" dirty="0" smtClean="0"/>
-              <a:t>, Sprint, Communication</a:t>
-            </a:r>
-          </a:p>
-          <a:p>
-            <a:pPr marL="1257300" lvl="2" indent="-342900">
-              <a:buFont typeface="Arial" panose="020B0604020202020204" pitchFamily="34" charset="0"/>
-              <a:buChar char="•"/>
-            </a:pPr>
-            <a:r>
-              <a:rPr lang="fr-FR" dirty="0" err="1" smtClean="0"/>
-              <a:t>Board</a:t>
+              <a:rPr lang="fr-CA" dirty="0"/>
+              <a:t> Simple pas beaucoup </a:t>
             </a:r>
             <a:r>
-              <a:rPr lang="fr-FR" dirty="0" smtClean="0"/>
-              <a:t> Asana</a:t>
+              <a:rPr lang="fr-CA" dirty="0" err="1"/>
+              <a:t>features</a:t>
             </a:r>
-            <a:endParaRPr lang="fr-FR" dirty="0"/>
+            <a:r>
+              <a:rPr lang="fr-CA" dirty="0"/>
+              <a:t> mais assez pour nous</a:t>
+            </a:r>
+            <a:endParaRPr lang="fr-FR" dirty="0" smtClean="0"/>
           </a:p>
           <a:p>
             <a:pPr marL="800100" lvl="1" indent="-342900">
@@ -19050,8 +19104,12 @@
               <a:buAutoNum type="arabicPeriod"/>
             </a:pPr>
             <a:r>
+              <a:rPr lang="fr-FR" dirty="0" smtClean="0"/>
+              <a:t>Le </a:t>
+            </a:r>
+            <a:r>
               <a:rPr lang="fr-FR" dirty="0"/>
-              <a:t>Le processus de travail avec </a:t>
+              <a:t>processus de travail avec </a:t>
             </a:r>
             <a:r>
               <a:rPr lang="fr-FR" dirty="0" smtClean="0"/>
@@ -19068,12 +19126,26 @@
               <a:t>Deux </a:t>
             </a:r>
             <a:r>
-              <a:rPr lang="fr-FR" dirty="0" err="1" smtClean="0"/>
-              <a:t>branchs</a:t>
+              <a:rPr lang="fr-FR" dirty="0" smtClean="0"/>
+              <a:t>branches </a:t>
             </a:r>
             <a:r>
               <a:rPr lang="fr-FR" dirty="0" smtClean="0"/>
-              <a:t> (Test et Master)</a:t>
+              <a:t>(Test et Master</a:t>
+            </a:r>
+            <a:r>
+              <a:rPr lang="fr-FR" dirty="0" smtClean="0"/>
+              <a:t>)</a:t>
+            </a:r>
+          </a:p>
+          <a:p>
+            <a:pPr marL="1257300" lvl="2" indent="-342900">
+              <a:buFont typeface="Arial" panose="020B0604020202020204" pitchFamily="34" charset="0"/>
+              <a:buChar char="•"/>
+            </a:pPr>
+            <a:r>
+              <a:rPr lang="fr-CA" dirty="0"/>
+              <a:t>On révisait le tout en équipe et si tout le monde est satisfait, on le push vers la branche master.</a:t>
             </a:r>
             <a:endParaRPr lang="fr-FR" dirty="0"/>
           </a:p>
@@ -19131,7 +19203,7 @@
           <p:cNvPr id="7" name="Titre 6">
             <a:extLst>
               <a:ext uri="{FF2B5EF4-FFF2-40B4-BE49-F238E27FC236}">
-                <a16:creationId xmlns:a16="http://schemas.microsoft.com/office/drawing/2014/main" xmlns="" id="{4D671F4D-9614-41E9-BA0C-7977DEBBBBB3}"/>
+                <a16:creationId xmlns:a16="http://schemas.microsoft.com/office/drawing/2014/main" id="{4D671F4D-9614-41E9-BA0C-7977DEBBBBB3}"/>
               </a:ext>
             </a:extLst>
           </p:cNvPr>
@@ -19160,7 +19232,7 @@
           <p:cNvPr id="8" name="Rectangle 7" descr="Bloc d’accentuation carré ouvert">
             <a:extLst>
               <a:ext uri="{FF2B5EF4-FFF2-40B4-BE49-F238E27FC236}">
-                <a16:creationId xmlns:a16="http://schemas.microsoft.com/office/drawing/2014/main" xmlns="" id="{1715FCDC-B95D-46B0-8EBD-FC1451D3C124}"/>
+                <a16:creationId xmlns:a16="http://schemas.microsoft.com/office/drawing/2014/main" id="{1715FCDC-B95D-46B0-8EBD-FC1451D3C124}"/>
               </a:ext>
             </a:extLst>
           </p:cNvPr>
@@ -19212,7 +19284,7 @@
           <p:cNvPr id="9" name="Rectangle 8">
             <a:extLst>
               <a:ext uri="{FF2B5EF4-FFF2-40B4-BE49-F238E27FC236}">
-                <a16:creationId xmlns:a16="http://schemas.microsoft.com/office/drawing/2014/main" xmlns="" id="{EF85080C-B66C-4B03-BE77-8C2994DDD44D}"/>
+                <a16:creationId xmlns:a16="http://schemas.microsoft.com/office/drawing/2014/main" id="{EF85080C-B66C-4B03-BE77-8C2994DDD44D}"/>
               </a:ext>
             </a:extLst>
           </p:cNvPr>
@@ -19415,7 +19487,7 @@
           <p:cNvPr id="2" name="Espace réservé du pied de page 1">
             <a:extLst>
               <a:ext uri="{FF2B5EF4-FFF2-40B4-BE49-F238E27FC236}">
-                <a16:creationId xmlns:a16="http://schemas.microsoft.com/office/drawing/2014/main" xmlns="" id="{AAB9EEEE-5D24-422D-B76D-987859ECB059}"/>
+                <a16:creationId xmlns:a16="http://schemas.microsoft.com/office/drawing/2014/main" id="{AAB9EEEE-5D24-422D-B76D-987859ECB059}"/>
               </a:ext>
             </a:extLst>
           </p:cNvPr>
@@ -19444,7 +19516,7 @@
           <p:cNvPr id="5" name="Espace réservé du numéro de diapositive 4">
             <a:extLst>
               <a:ext uri="{FF2B5EF4-FFF2-40B4-BE49-F238E27FC236}">
-                <a16:creationId xmlns:a16="http://schemas.microsoft.com/office/drawing/2014/main" xmlns="" id="{4BFC890C-B560-45C1-9FF4-08AA00E1673F}"/>
+                <a16:creationId xmlns:a16="http://schemas.microsoft.com/office/drawing/2014/main" id="{4BFC890C-B560-45C1-9FF4-08AA00E1673F}"/>
               </a:ext>
             </a:extLst>
           </p:cNvPr>
@@ -19475,7 +19547,7 @@
           <p:cNvPr id="10" name="Espace réservé du texte 8">
             <a:extLst>
               <a:ext uri="{FF2B5EF4-FFF2-40B4-BE49-F238E27FC236}">
-                <a16:creationId xmlns:a16="http://schemas.microsoft.com/office/drawing/2014/main" xmlns="" id="{4744B28E-5E14-4A77-AD4F-C979905862BF}"/>
+                <a16:creationId xmlns:a16="http://schemas.microsoft.com/office/drawing/2014/main" id="{4744B28E-5E14-4A77-AD4F-C979905862BF}"/>
               </a:ext>
             </a:extLst>
           </p:cNvPr>
@@ -19667,7 +19739,6 @@
               <a:rPr lang="fr-FR" dirty="0"/>
               <a:t>Les problèmes rencontrés et les leçons apprises</a:t>
             </a:r>
-            <a:endParaRPr lang="fr-FR" dirty="0"/>
           </a:p>
         </p:txBody>
       </p:sp>
@@ -19962,7 +20033,7 @@
           <p:cNvPr id="7" name="Titre 6">
             <a:extLst>
               <a:ext uri="{FF2B5EF4-FFF2-40B4-BE49-F238E27FC236}">
-                <a16:creationId xmlns:a16="http://schemas.microsoft.com/office/drawing/2014/main" xmlns="" id="{4D671F4D-9614-41E9-BA0C-7977DEBBBBB3}"/>
+                <a16:creationId xmlns:a16="http://schemas.microsoft.com/office/drawing/2014/main" id="{4D671F4D-9614-41E9-BA0C-7977DEBBBBB3}"/>
               </a:ext>
             </a:extLst>
           </p:cNvPr>
@@ -19991,7 +20062,7 @@
           <p:cNvPr id="8" name="Rectangle 7" descr="Bloc d’accentuation carré ouvert">
             <a:extLst>
               <a:ext uri="{FF2B5EF4-FFF2-40B4-BE49-F238E27FC236}">
-                <a16:creationId xmlns:a16="http://schemas.microsoft.com/office/drawing/2014/main" xmlns="" id="{1715FCDC-B95D-46B0-8EBD-FC1451D3C124}"/>
+                <a16:creationId xmlns:a16="http://schemas.microsoft.com/office/drawing/2014/main" id="{1715FCDC-B95D-46B0-8EBD-FC1451D3C124}"/>
               </a:ext>
             </a:extLst>
           </p:cNvPr>
@@ -20043,7 +20114,7 @@
           <p:cNvPr id="9" name="Rectangle 8">
             <a:extLst>
               <a:ext uri="{FF2B5EF4-FFF2-40B4-BE49-F238E27FC236}">
-                <a16:creationId xmlns:a16="http://schemas.microsoft.com/office/drawing/2014/main" xmlns="" id="{EF85080C-B66C-4B03-BE77-8C2994DDD44D}"/>
+                <a16:creationId xmlns:a16="http://schemas.microsoft.com/office/drawing/2014/main" id="{EF85080C-B66C-4B03-BE77-8C2994DDD44D}"/>
               </a:ext>
             </a:extLst>
           </p:cNvPr>
@@ -20386,7 +20457,7 @@
           <p:cNvPr id="2" name="Espace réservé du pied de page 1">
             <a:extLst>
               <a:ext uri="{FF2B5EF4-FFF2-40B4-BE49-F238E27FC236}">
-                <a16:creationId xmlns:a16="http://schemas.microsoft.com/office/drawing/2014/main" xmlns="" id="{AAB9EEEE-5D24-422D-B76D-987859ECB059}"/>
+                <a16:creationId xmlns:a16="http://schemas.microsoft.com/office/drawing/2014/main" id="{AAB9EEEE-5D24-422D-B76D-987859ECB059}"/>
               </a:ext>
             </a:extLst>
           </p:cNvPr>
@@ -20415,7 +20486,7 @@
           <p:cNvPr id="5" name="Espace réservé du numéro de diapositive 4">
             <a:extLst>
               <a:ext uri="{FF2B5EF4-FFF2-40B4-BE49-F238E27FC236}">
-                <a16:creationId xmlns:a16="http://schemas.microsoft.com/office/drawing/2014/main" xmlns="" id="{4BFC890C-B560-45C1-9FF4-08AA00E1673F}"/>
+                <a16:creationId xmlns:a16="http://schemas.microsoft.com/office/drawing/2014/main" id="{4BFC890C-B560-45C1-9FF4-08AA00E1673F}"/>
               </a:ext>
             </a:extLst>
           </p:cNvPr>
@@ -20446,7 +20517,7 @@
           <p:cNvPr id="10" name="Espace réservé du texte 8">
             <a:extLst>
               <a:ext uri="{FF2B5EF4-FFF2-40B4-BE49-F238E27FC236}">
-                <a16:creationId xmlns:a16="http://schemas.microsoft.com/office/drawing/2014/main" xmlns="" id="{4744B28E-5E14-4A77-AD4F-C979905862BF}"/>
+                <a16:creationId xmlns:a16="http://schemas.microsoft.com/office/drawing/2014/main" id="{4744B28E-5E14-4A77-AD4F-C979905862BF}"/>
               </a:ext>
             </a:extLst>
           </p:cNvPr>
@@ -20638,7 +20709,6 @@
               <a:rPr lang="fr-FR" dirty="0"/>
               <a:t>Démo des fonctions du logiciel, et des tests</a:t>
             </a:r>
-            <a:endParaRPr lang="fr-FR" dirty="0"/>
           </a:p>
         </p:txBody>
       </p:sp>
@@ -20755,7 +20825,7 @@
           <p:cNvPr id="5" name="Espace réservé d’image 4" descr="image abstraite" title="image abstraite">
             <a:extLst>
               <a:ext uri="{FF2B5EF4-FFF2-40B4-BE49-F238E27FC236}">
-                <a16:creationId xmlns:a16="http://schemas.microsoft.com/office/drawing/2014/main" xmlns="" id="{BCF9593D-B6BD-4208-A4FF-8CFFE503475A}"/>
+                <a16:creationId xmlns:a16="http://schemas.microsoft.com/office/drawing/2014/main" id="{BCF9593D-B6BD-4208-A4FF-8CFFE503475A}"/>
               </a:ext>
             </a:extLst>
           </p:cNvPr>
@@ -20786,7 +20856,7 @@
           <p:cNvPr id="16" name="Rectangle 15">
             <a:extLst>
               <a:ext uri="{FF2B5EF4-FFF2-40B4-BE49-F238E27FC236}">
-                <a16:creationId xmlns:a16="http://schemas.microsoft.com/office/drawing/2014/main" xmlns="" id="{4273BD65-CFF3-40DD-939C-97A942BD80EE}"/>
+                <a16:creationId xmlns:a16="http://schemas.microsoft.com/office/drawing/2014/main" id="{4273BD65-CFF3-40DD-939C-97A942BD80EE}"/>
               </a:ext>
             </a:extLst>
           </p:cNvPr>
@@ -21114,7 +21184,7 @@
           <p:cNvPr id="40" name="Groupe 39" descr="Carrés d’accentuation : forme ouverte noire foncée, bloc vert ombré et bloc blanc avec espace réservé au texte.">
             <a:extLst>
               <a:ext uri="{FF2B5EF4-FFF2-40B4-BE49-F238E27FC236}">
-                <a16:creationId xmlns:a16="http://schemas.microsoft.com/office/drawing/2014/main" xmlns="" id="{11BEC607-8474-408E-A7AC-48A065F31B63}"/>
+                <a16:creationId xmlns:a16="http://schemas.microsoft.com/office/drawing/2014/main" id="{11BEC607-8474-408E-A7AC-48A065F31B63}"/>
               </a:ext>
             </a:extLst>
           </p:cNvPr>
@@ -21134,7 +21204,7 @@
             <p:cNvPr id="42" name="Rectangle 41">
               <a:extLst>
                 <a:ext uri="{FF2B5EF4-FFF2-40B4-BE49-F238E27FC236}">
-                  <a16:creationId xmlns:a16="http://schemas.microsoft.com/office/drawing/2014/main" xmlns="" id="{B601E3FC-2016-4085-9A4B-A172702EAAE1}"/>
+                  <a16:creationId xmlns:a16="http://schemas.microsoft.com/office/drawing/2014/main" id="{B601E3FC-2016-4085-9A4B-A172702EAAE1}"/>
                 </a:ext>
               </a:extLst>
             </p:cNvPr>
@@ -21477,7 +21547,7 @@
             <p:cNvPr id="41" name="Rectangle 40">
               <a:extLst>
                 <a:ext uri="{FF2B5EF4-FFF2-40B4-BE49-F238E27FC236}">
-                  <a16:creationId xmlns:a16="http://schemas.microsoft.com/office/drawing/2014/main" xmlns="" id="{2CBF662F-A198-4AD3-8EBC-0EC9A52B2994}"/>
+                  <a16:creationId xmlns:a16="http://schemas.microsoft.com/office/drawing/2014/main" id="{2CBF662F-A198-4AD3-8EBC-0EC9A52B2994}"/>
                 </a:ext>
               </a:extLst>
             </p:cNvPr>
@@ -21529,7 +21599,7 @@
             <p:cNvPr id="43" name="Rectangle 42">
               <a:extLst>
                 <a:ext uri="{FF2B5EF4-FFF2-40B4-BE49-F238E27FC236}">
-                  <a16:creationId xmlns:a16="http://schemas.microsoft.com/office/drawing/2014/main" xmlns="" id="{142E86C5-8E5F-4620-A4FB-D1F926179D18}"/>
+                  <a16:creationId xmlns:a16="http://schemas.microsoft.com/office/drawing/2014/main" id="{142E86C5-8E5F-4620-A4FB-D1F926179D18}"/>
                 </a:ext>
               </a:extLst>
             </p:cNvPr>
@@ -21582,7 +21652,7 @@
           <p:cNvPr id="6" name="Titre 5">
             <a:extLst>
               <a:ext uri="{FF2B5EF4-FFF2-40B4-BE49-F238E27FC236}">
-                <a16:creationId xmlns:a16="http://schemas.microsoft.com/office/drawing/2014/main" xmlns="" id="{7E0E8055-17FA-43CE-9F03-E712F496B7CF}"/>
+                <a16:creationId xmlns:a16="http://schemas.microsoft.com/office/drawing/2014/main" id="{7E0E8055-17FA-43CE-9F03-E712F496B7CF}"/>
               </a:ext>
             </a:extLst>
           </p:cNvPr>
@@ -21611,7 +21681,7 @@
           <p:cNvPr id="29" name="Rectangle : Coin rogné 28" descr="Carré d’accentuation de pied de page">
             <a:extLst>
               <a:ext uri="{FF2B5EF4-FFF2-40B4-BE49-F238E27FC236}">
-                <a16:creationId xmlns:a16="http://schemas.microsoft.com/office/drawing/2014/main" xmlns="" id="{E01195D9-1845-4282-BE5B-F6B840BE40E1}"/>
+                <a16:creationId xmlns:a16="http://schemas.microsoft.com/office/drawing/2014/main" id="{E01195D9-1845-4282-BE5B-F6B840BE40E1}"/>
               </a:ext>
             </a:extLst>
           </p:cNvPr>
@@ -21663,7 +21733,7 @@
           <p:cNvPr id="30" name="Espace réservé du numéro de diapositive 5">
             <a:extLst>
               <a:ext uri="{FF2B5EF4-FFF2-40B4-BE49-F238E27FC236}">
-                <a16:creationId xmlns:a16="http://schemas.microsoft.com/office/drawing/2014/main" xmlns="" id="{056A6478-CD2B-4077-910A-3D006C82EB9A}"/>
+                <a16:creationId xmlns:a16="http://schemas.microsoft.com/office/drawing/2014/main" id="{056A6478-CD2B-4077-910A-3D006C82EB9A}"/>
               </a:ext>
             </a:extLst>
           </p:cNvPr>
@@ -21747,7 +21817,7 @@
           <p:cNvPr id="5" name="Espace réservé d’image 4" descr="deux bâtiments" title="deux bâtiments">
             <a:extLst>
               <a:ext uri="{FF2B5EF4-FFF2-40B4-BE49-F238E27FC236}">
-                <a16:creationId xmlns:a16="http://schemas.microsoft.com/office/drawing/2014/main" xmlns="" id="{59B4175B-2237-4E2B-8940-03CD8C850446}"/>
+                <a16:creationId xmlns:a16="http://schemas.microsoft.com/office/drawing/2014/main" id="{59B4175B-2237-4E2B-8940-03CD8C850446}"/>
               </a:ext>
             </a:extLst>
           </p:cNvPr>
@@ -21787,7 +21857,7 @@
           <p:cNvPr id="12" name="Rectangle 11">
             <a:extLst>
               <a:ext uri="{FF2B5EF4-FFF2-40B4-BE49-F238E27FC236}">
-                <a16:creationId xmlns:a16="http://schemas.microsoft.com/office/drawing/2014/main" xmlns="" id="{663F03C3-322B-449C-A477-EA1D99EDC624}"/>
+                <a16:creationId xmlns:a16="http://schemas.microsoft.com/office/drawing/2014/main" id="{663F03C3-322B-449C-A477-EA1D99EDC624}"/>
               </a:ext>
             </a:extLst>
           </p:cNvPr>
@@ -22130,7 +22200,7 @@
           <p:cNvPr id="13" name="Rectangle 12" descr="Carré d’arrière-plan blanc">
             <a:extLst>
               <a:ext uri="{FF2B5EF4-FFF2-40B4-BE49-F238E27FC236}">
-                <a16:creationId xmlns:a16="http://schemas.microsoft.com/office/drawing/2014/main" xmlns="" id="{AA0E0CBA-1F82-43A8-9DE3-F0F883DB2D26}"/>
+                <a16:creationId xmlns:a16="http://schemas.microsoft.com/office/drawing/2014/main" id="{AA0E0CBA-1F82-43A8-9DE3-F0F883DB2D26}"/>
               </a:ext>
             </a:extLst>
           </p:cNvPr>
@@ -22182,7 +22252,7 @@
           <p:cNvPr id="7" name="Titre 6">
             <a:extLst>
               <a:ext uri="{FF2B5EF4-FFF2-40B4-BE49-F238E27FC236}">
-                <a16:creationId xmlns:a16="http://schemas.microsoft.com/office/drawing/2014/main" xmlns="" id="{D5445F47-6D74-450C-BC16-998D2021AD78}"/>
+                <a16:creationId xmlns:a16="http://schemas.microsoft.com/office/drawing/2014/main" id="{D5445F47-6D74-450C-BC16-998D2021AD78}"/>
               </a:ext>
             </a:extLst>
           </p:cNvPr>
@@ -22211,7 +22281,7 @@
           <p:cNvPr id="9" name="Espace réservé du texte 8">
             <a:extLst>
               <a:ext uri="{FF2B5EF4-FFF2-40B4-BE49-F238E27FC236}">
-                <a16:creationId xmlns:a16="http://schemas.microsoft.com/office/drawing/2014/main" xmlns="" id="{4744B28E-5E14-4A77-AD4F-C979905862BF}"/>
+                <a16:creationId xmlns:a16="http://schemas.microsoft.com/office/drawing/2014/main" id="{4744B28E-5E14-4A77-AD4F-C979905862BF}"/>
               </a:ext>
             </a:extLst>
           </p:cNvPr>
@@ -22241,7 +22311,7 @@
           <p:cNvPr id="8" name="Espace réservé du texte 7">
             <a:extLst>
               <a:ext uri="{FF2B5EF4-FFF2-40B4-BE49-F238E27FC236}">
-                <a16:creationId xmlns:a16="http://schemas.microsoft.com/office/drawing/2014/main" xmlns="" id="{E79DECD2-B85E-4CB3-BBFB-C64131454B65}"/>
+                <a16:creationId xmlns:a16="http://schemas.microsoft.com/office/drawing/2014/main" id="{E79DECD2-B85E-4CB3-BBFB-C64131454B65}"/>
               </a:ext>
             </a:extLst>
           </p:cNvPr>
@@ -22274,7 +22344,7 @@
           <p:cNvPr id="2" name="Espace réservé du pied de page 1">
             <a:extLst>
               <a:ext uri="{FF2B5EF4-FFF2-40B4-BE49-F238E27FC236}">
-                <a16:creationId xmlns:a16="http://schemas.microsoft.com/office/drawing/2014/main" xmlns="" id="{B9BB9BB1-292D-4569-BA74-3E766701DB15}"/>
+                <a16:creationId xmlns:a16="http://schemas.microsoft.com/office/drawing/2014/main" id="{B9BB9BB1-292D-4569-BA74-3E766701DB15}"/>
               </a:ext>
             </a:extLst>
           </p:cNvPr>
@@ -22303,7 +22373,7 @@
           <p:cNvPr id="11" name="Rectangle : Coin rogné 10" descr="Bloc d’accentuation de pied de page">
             <a:extLst>
               <a:ext uri="{FF2B5EF4-FFF2-40B4-BE49-F238E27FC236}">
-                <a16:creationId xmlns:a16="http://schemas.microsoft.com/office/drawing/2014/main" xmlns="" id="{85DF53DB-409B-49FA-A52D-E30AD84AED76}"/>
+                <a16:creationId xmlns:a16="http://schemas.microsoft.com/office/drawing/2014/main" id="{85DF53DB-409B-49FA-A52D-E30AD84AED76}"/>
               </a:ext>
             </a:extLst>
           </p:cNvPr>
@@ -22359,7 +22429,7 @@
           <p:cNvPr id="4" name="Espace réservé du numéro de diapositive 3">
             <a:extLst>
               <a:ext uri="{FF2B5EF4-FFF2-40B4-BE49-F238E27FC236}">
-                <a16:creationId xmlns:a16="http://schemas.microsoft.com/office/drawing/2014/main" xmlns="" id="{5564D90B-FC4E-4781-9E54-536CECF8BA47}"/>
+                <a16:creationId xmlns:a16="http://schemas.microsoft.com/office/drawing/2014/main" id="{5564D90B-FC4E-4781-9E54-536CECF8BA47}"/>
               </a:ext>
             </a:extLst>
           </p:cNvPr>
@@ -22427,7 +22497,7 @@
           <p:cNvPr id="6" name="Espace réservé d’image 5" descr="Paysage urbain" title="Paysage urbain">
             <a:extLst>
               <a:ext uri="{FF2B5EF4-FFF2-40B4-BE49-F238E27FC236}">
-                <a16:creationId xmlns:a16="http://schemas.microsoft.com/office/drawing/2014/main" xmlns="" id="{5E06080F-9F80-49D4-9D28-F3FD457E4278}"/>
+                <a16:creationId xmlns:a16="http://schemas.microsoft.com/office/drawing/2014/main" id="{5E06080F-9F80-49D4-9D28-F3FD457E4278}"/>
               </a:ext>
             </a:extLst>
           </p:cNvPr>
@@ -22467,7 +22537,7 @@
           <p:cNvPr id="31" name="Groupe 30" descr="Carrés d’accentuation : forme ouverte noire foncée, bloc vert ombré et bloc blanc avec espace réservé au texte.">
             <a:extLst>
               <a:ext uri="{FF2B5EF4-FFF2-40B4-BE49-F238E27FC236}">
-                <a16:creationId xmlns:a16="http://schemas.microsoft.com/office/drawing/2014/main" xmlns="" id="{CDA17D7C-7C63-439C-8B50-C9B0F0F9AAF7}"/>
+                <a16:creationId xmlns:a16="http://schemas.microsoft.com/office/drawing/2014/main" id="{CDA17D7C-7C63-439C-8B50-C9B0F0F9AAF7}"/>
               </a:ext>
             </a:extLst>
           </p:cNvPr>
@@ -22487,7 +22557,7 @@
             <p:cNvPr id="32" name="Rectangle 31">
               <a:extLst>
                 <a:ext uri="{FF2B5EF4-FFF2-40B4-BE49-F238E27FC236}">
-                  <a16:creationId xmlns:a16="http://schemas.microsoft.com/office/drawing/2014/main" xmlns="" id="{32FD79E9-DA87-4AE3-AB4F-454E8B1C7E28}"/>
+                  <a16:creationId xmlns:a16="http://schemas.microsoft.com/office/drawing/2014/main" id="{32FD79E9-DA87-4AE3-AB4F-454E8B1C7E28}"/>
                 </a:ext>
               </a:extLst>
             </p:cNvPr>
@@ -22539,7 +22609,7 @@
             <p:cNvPr id="33" name="Rectangle 32">
               <a:extLst>
                 <a:ext uri="{FF2B5EF4-FFF2-40B4-BE49-F238E27FC236}">
-                  <a16:creationId xmlns:a16="http://schemas.microsoft.com/office/drawing/2014/main" xmlns="" id="{C0DB13C1-B4FB-4D33-A199-5BB34983AB47}"/>
+                  <a16:creationId xmlns:a16="http://schemas.microsoft.com/office/drawing/2014/main" id="{C0DB13C1-B4FB-4D33-A199-5BB34983AB47}"/>
                 </a:ext>
               </a:extLst>
             </p:cNvPr>
@@ -22882,7 +22952,7 @@
             <p:cNvPr id="34" name="Rectangle 33">
               <a:extLst>
                 <a:ext uri="{FF2B5EF4-FFF2-40B4-BE49-F238E27FC236}">
-                  <a16:creationId xmlns:a16="http://schemas.microsoft.com/office/drawing/2014/main" xmlns="" id="{97CAE694-E5D7-45D8-80CE-4067B6610E53}"/>
+                  <a16:creationId xmlns:a16="http://schemas.microsoft.com/office/drawing/2014/main" id="{97CAE694-E5D7-45D8-80CE-4067B6610E53}"/>
                 </a:ext>
               </a:extLst>
             </p:cNvPr>
@@ -22935,7 +23005,7 @@
           <p:cNvPr id="7" name="Titre 6">
             <a:extLst>
               <a:ext uri="{FF2B5EF4-FFF2-40B4-BE49-F238E27FC236}">
-                <a16:creationId xmlns:a16="http://schemas.microsoft.com/office/drawing/2014/main" xmlns="" id="{D5445F47-6D74-450C-BC16-998D2021AD78}"/>
+                <a16:creationId xmlns:a16="http://schemas.microsoft.com/office/drawing/2014/main" id="{D5445F47-6D74-450C-BC16-998D2021AD78}"/>
               </a:ext>
             </a:extLst>
           </p:cNvPr>
@@ -22964,7 +23034,7 @@
           <p:cNvPr id="9" name="Espace réservé du texte 8">
             <a:extLst>
               <a:ext uri="{FF2B5EF4-FFF2-40B4-BE49-F238E27FC236}">
-                <a16:creationId xmlns:a16="http://schemas.microsoft.com/office/drawing/2014/main" xmlns="" id="{4744B28E-5E14-4A77-AD4F-C979905862BF}"/>
+                <a16:creationId xmlns:a16="http://schemas.microsoft.com/office/drawing/2014/main" id="{4744B28E-5E14-4A77-AD4F-C979905862BF}"/>
               </a:ext>
             </a:extLst>
           </p:cNvPr>
@@ -22993,7 +23063,7 @@
           <p:cNvPr id="4" name="Espace réservé du contenu 3">
             <a:extLst>
               <a:ext uri="{FF2B5EF4-FFF2-40B4-BE49-F238E27FC236}">
-                <a16:creationId xmlns:a16="http://schemas.microsoft.com/office/drawing/2014/main" xmlns="" id="{2885A4AC-9AA0-4EFF-8162-609223BF5D70}"/>
+                <a16:creationId xmlns:a16="http://schemas.microsoft.com/office/drawing/2014/main" id="{2885A4AC-9AA0-4EFF-8162-609223BF5D70}"/>
               </a:ext>
             </a:extLst>
           </p:cNvPr>
@@ -23040,7 +23110,7 @@
           <p:cNvPr id="11" name="Rectangle : Coin rogné 10" descr="Zone d’accentuation de pied de page">
             <a:extLst>
               <a:ext uri="{FF2B5EF4-FFF2-40B4-BE49-F238E27FC236}">
-                <a16:creationId xmlns:a16="http://schemas.microsoft.com/office/drawing/2014/main" xmlns="" id="{851F9C8F-B284-4FE9-A76C-49BE3BEE3853}"/>
+                <a16:creationId xmlns:a16="http://schemas.microsoft.com/office/drawing/2014/main" id="{851F9C8F-B284-4FE9-A76C-49BE3BEE3853}"/>
               </a:ext>
             </a:extLst>
           </p:cNvPr>
@@ -23092,7 +23162,7 @@
           <p:cNvPr id="12" name="Espace réservé du numéro de diapositive 5">
             <a:extLst>
               <a:ext uri="{FF2B5EF4-FFF2-40B4-BE49-F238E27FC236}">
-                <a16:creationId xmlns:a16="http://schemas.microsoft.com/office/drawing/2014/main" xmlns="" id="{75EF0122-21C6-4139-B8D0-688B2553C487}"/>
+                <a16:creationId xmlns:a16="http://schemas.microsoft.com/office/drawing/2014/main" id="{75EF0122-21C6-4139-B8D0-688B2553C487}"/>
               </a:ext>
             </a:extLst>
           </p:cNvPr>
@@ -23176,7 +23246,7 @@
           <p:cNvPr id="7" name="Titre 6">
             <a:extLst>
               <a:ext uri="{FF2B5EF4-FFF2-40B4-BE49-F238E27FC236}">
-                <a16:creationId xmlns:a16="http://schemas.microsoft.com/office/drawing/2014/main" xmlns="" id="{4D671F4D-9614-41E9-BA0C-7977DEBBBBB3}"/>
+                <a16:creationId xmlns:a16="http://schemas.microsoft.com/office/drawing/2014/main" id="{4D671F4D-9614-41E9-BA0C-7977DEBBBBB3}"/>
               </a:ext>
             </a:extLst>
           </p:cNvPr>
@@ -23205,7 +23275,7 @@
           <p:cNvPr id="8" name="Rectangle 7" descr="Bloc d’accentuation carré ouvert">
             <a:extLst>
               <a:ext uri="{FF2B5EF4-FFF2-40B4-BE49-F238E27FC236}">
-                <a16:creationId xmlns:a16="http://schemas.microsoft.com/office/drawing/2014/main" xmlns="" id="{1715FCDC-B95D-46B0-8EBD-FC1451D3C124}"/>
+                <a16:creationId xmlns:a16="http://schemas.microsoft.com/office/drawing/2014/main" id="{1715FCDC-B95D-46B0-8EBD-FC1451D3C124}"/>
               </a:ext>
             </a:extLst>
           </p:cNvPr>
@@ -23257,7 +23327,7 @@
           <p:cNvPr id="9" name="Rectangle 8">
             <a:extLst>
               <a:ext uri="{FF2B5EF4-FFF2-40B4-BE49-F238E27FC236}">
-                <a16:creationId xmlns:a16="http://schemas.microsoft.com/office/drawing/2014/main" xmlns="" id="{EF85080C-B66C-4B03-BE77-8C2994DDD44D}"/>
+                <a16:creationId xmlns:a16="http://schemas.microsoft.com/office/drawing/2014/main" id="{EF85080C-B66C-4B03-BE77-8C2994DDD44D}"/>
               </a:ext>
             </a:extLst>
           </p:cNvPr>
@@ -23600,7 +23670,7 @@
           <p:cNvPr id="2" name="Espace réservé du pied de page 1">
             <a:extLst>
               <a:ext uri="{FF2B5EF4-FFF2-40B4-BE49-F238E27FC236}">
-                <a16:creationId xmlns:a16="http://schemas.microsoft.com/office/drawing/2014/main" xmlns="" id="{AAB9EEEE-5D24-422D-B76D-987859ECB059}"/>
+                <a16:creationId xmlns:a16="http://schemas.microsoft.com/office/drawing/2014/main" id="{AAB9EEEE-5D24-422D-B76D-987859ECB059}"/>
               </a:ext>
             </a:extLst>
           </p:cNvPr>
@@ -23629,7 +23699,7 @@
           <p:cNvPr id="5" name="Espace réservé du numéro de diapositive 4">
             <a:extLst>
               <a:ext uri="{FF2B5EF4-FFF2-40B4-BE49-F238E27FC236}">
-                <a16:creationId xmlns:a16="http://schemas.microsoft.com/office/drawing/2014/main" xmlns="" id="{4BFC890C-B560-45C1-9FF4-08AA00E1673F}"/>
+                <a16:creationId xmlns:a16="http://schemas.microsoft.com/office/drawing/2014/main" id="{4BFC890C-B560-45C1-9FF4-08AA00E1673F}"/>
               </a:ext>
             </a:extLst>
           </p:cNvPr>
@@ -23727,7 +23797,7 @@
           <p:cNvPr id="7" name="Titre 6">
             <a:extLst>
               <a:ext uri="{FF2B5EF4-FFF2-40B4-BE49-F238E27FC236}">
-                <a16:creationId xmlns:a16="http://schemas.microsoft.com/office/drawing/2014/main" xmlns="" id="{4D671F4D-9614-41E9-BA0C-7977DEBBBBB3}"/>
+                <a16:creationId xmlns:a16="http://schemas.microsoft.com/office/drawing/2014/main" id="{4D671F4D-9614-41E9-BA0C-7977DEBBBBB3}"/>
               </a:ext>
             </a:extLst>
           </p:cNvPr>
@@ -23756,7 +23826,7 @@
           <p:cNvPr id="8" name="Rectangle 7" descr="Bloc d’accentuation carré ouvert">
             <a:extLst>
               <a:ext uri="{FF2B5EF4-FFF2-40B4-BE49-F238E27FC236}">
-                <a16:creationId xmlns:a16="http://schemas.microsoft.com/office/drawing/2014/main" xmlns="" id="{1715FCDC-B95D-46B0-8EBD-FC1451D3C124}"/>
+                <a16:creationId xmlns:a16="http://schemas.microsoft.com/office/drawing/2014/main" id="{1715FCDC-B95D-46B0-8EBD-FC1451D3C124}"/>
               </a:ext>
             </a:extLst>
           </p:cNvPr>
@@ -23808,7 +23878,7 @@
           <p:cNvPr id="9" name="Rectangle 8">
             <a:extLst>
               <a:ext uri="{FF2B5EF4-FFF2-40B4-BE49-F238E27FC236}">
-                <a16:creationId xmlns:a16="http://schemas.microsoft.com/office/drawing/2014/main" xmlns="" id="{EF85080C-B66C-4B03-BE77-8C2994DDD44D}"/>
+                <a16:creationId xmlns:a16="http://schemas.microsoft.com/office/drawing/2014/main" id="{EF85080C-B66C-4B03-BE77-8C2994DDD44D}"/>
               </a:ext>
             </a:extLst>
           </p:cNvPr>
@@ -24151,7 +24221,7 @@
           <p:cNvPr id="2" name="Espace réservé du pied de page 1">
             <a:extLst>
               <a:ext uri="{FF2B5EF4-FFF2-40B4-BE49-F238E27FC236}">
-                <a16:creationId xmlns:a16="http://schemas.microsoft.com/office/drawing/2014/main" xmlns="" id="{AAB9EEEE-5D24-422D-B76D-987859ECB059}"/>
+                <a16:creationId xmlns:a16="http://schemas.microsoft.com/office/drawing/2014/main" id="{AAB9EEEE-5D24-422D-B76D-987859ECB059}"/>
               </a:ext>
             </a:extLst>
           </p:cNvPr>
@@ -24180,7 +24250,7 @@
           <p:cNvPr id="5" name="Espace réservé du numéro de diapositive 4">
             <a:extLst>
               <a:ext uri="{FF2B5EF4-FFF2-40B4-BE49-F238E27FC236}">
-                <a16:creationId xmlns:a16="http://schemas.microsoft.com/office/drawing/2014/main" xmlns="" id="{4BFC890C-B560-45C1-9FF4-08AA00E1673F}"/>
+                <a16:creationId xmlns:a16="http://schemas.microsoft.com/office/drawing/2014/main" id="{4BFC890C-B560-45C1-9FF4-08AA00E1673F}"/>
               </a:ext>
             </a:extLst>
           </p:cNvPr>
@@ -24211,7 +24281,7 @@
           <p:cNvPr id="10" name="Espace réservé du texte 8">
             <a:extLst>
               <a:ext uri="{FF2B5EF4-FFF2-40B4-BE49-F238E27FC236}">
-                <a16:creationId xmlns:a16="http://schemas.microsoft.com/office/drawing/2014/main" xmlns="" id="{4744B28E-5E14-4A77-AD4F-C979905862BF}"/>
+                <a16:creationId xmlns:a16="http://schemas.microsoft.com/office/drawing/2014/main" id="{4744B28E-5E14-4A77-AD4F-C979905862BF}"/>
               </a:ext>
             </a:extLst>
           </p:cNvPr>
@@ -24433,14 +24503,14 @@
                 <a:gridCol w="3771234">
                   <a:extLst>
                     <a:ext uri="{9D8B030D-6E8A-4147-A177-3AD203B41FA5}">
-                      <a16:colId xmlns:a16="http://schemas.microsoft.com/office/drawing/2014/main" xmlns="" val="1390211348"/>
+                      <a16:colId xmlns:a16="http://schemas.microsoft.com/office/drawing/2014/main" val="1390211348"/>
                     </a:ext>
                   </a:extLst>
                 </a:gridCol>
                 <a:gridCol w="3771234">
                   <a:extLst>
                     <a:ext uri="{9D8B030D-6E8A-4147-A177-3AD203B41FA5}">
-                      <a16:colId xmlns:a16="http://schemas.microsoft.com/office/drawing/2014/main" xmlns="" val="1398587531"/>
+                      <a16:colId xmlns:a16="http://schemas.microsoft.com/office/drawing/2014/main" val="1398587531"/>
                     </a:ext>
                   </a:extLst>
                 </a:gridCol>
@@ -24558,7 +24628,7 @@
                 </a:tc>
                 <a:extLst>
                   <a:ext uri="{0D108BD9-81ED-4DB2-BD59-A6C34878D82A}">
-                    <a16:rowId xmlns:a16="http://schemas.microsoft.com/office/drawing/2014/main" xmlns="" val="1014469777"/>
+                    <a16:rowId xmlns:a16="http://schemas.microsoft.com/office/drawing/2014/main" val="1014469777"/>
                   </a:ext>
                 </a:extLst>
               </a:tr>
@@ -24675,7 +24745,7 @@
                 </a:tc>
                 <a:extLst>
                   <a:ext uri="{0D108BD9-81ED-4DB2-BD59-A6C34878D82A}">
-                    <a16:rowId xmlns:a16="http://schemas.microsoft.com/office/drawing/2014/main" xmlns="" val="368605412"/>
+                    <a16:rowId xmlns:a16="http://schemas.microsoft.com/office/drawing/2014/main" val="368605412"/>
                   </a:ext>
                 </a:extLst>
               </a:tr>
@@ -24801,7 +24871,7 @@
                 </a:tc>
                 <a:extLst>
                   <a:ext uri="{0D108BD9-81ED-4DB2-BD59-A6C34878D82A}">
-                    <a16:rowId xmlns:a16="http://schemas.microsoft.com/office/drawing/2014/main" xmlns="" val="1856488139"/>
+                    <a16:rowId xmlns:a16="http://schemas.microsoft.com/office/drawing/2014/main" val="1856488139"/>
                   </a:ext>
                 </a:extLst>
               </a:tr>
@@ -24918,7 +24988,7 @@
                 </a:tc>
                 <a:extLst>
                   <a:ext uri="{0D108BD9-81ED-4DB2-BD59-A6C34878D82A}">
-                    <a16:rowId xmlns:a16="http://schemas.microsoft.com/office/drawing/2014/main" xmlns="" val="2319881710"/>
+                    <a16:rowId xmlns:a16="http://schemas.microsoft.com/office/drawing/2014/main" val="2319881710"/>
                   </a:ext>
                 </a:extLst>
               </a:tr>
@@ -25035,7 +25105,7 @@
                 </a:tc>
                 <a:extLst>
                   <a:ext uri="{0D108BD9-81ED-4DB2-BD59-A6C34878D82A}">
-                    <a16:rowId xmlns:a16="http://schemas.microsoft.com/office/drawing/2014/main" xmlns="" val="2739456076"/>
+                    <a16:rowId xmlns:a16="http://schemas.microsoft.com/office/drawing/2014/main" val="2739456076"/>
                   </a:ext>
                 </a:extLst>
               </a:tr>
@@ -25085,7 +25155,7 @@
           <p:cNvPr id="7" name="Titre 6">
             <a:extLst>
               <a:ext uri="{FF2B5EF4-FFF2-40B4-BE49-F238E27FC236}">
-                <a16:creationId xmlns:a16="http://schemas.microsoft.com/office/drawing/2014/main" xmlns="" id="{4D671F4D-9614-41E9-BA0C-7977DEBBBBB3}"/>
+                <a16:creationId xmlns:a16="http://schemas.microsoft.com/office/drawing/2014/main" id="{4D671F4D-9614-41E9-BA0C-7977DEBBBBB3}"/>
               </a:ext>
             </a:extLst>
           </p:cNvPr>
@@ -25114,7 +25184,7 @@
           <p:cNvPr id="8" name="Rectangle 7" descr="Bloc d’accentuation carré ouvert">
             <a:extLst>
               <a:ext uri="{FF2B5EF4-FFF2-40B4-BE49-F238E27FC236}">
-                <a16:creationId xmlns:a16="http://schemas.microsoft.com/office/drawing/2014/main" xmlns="" id="{1715FCDC-B95D-46B0-8EBD-FC1451D3C124}"/>
+                <a16:creationId xmlns:a16="http://schemas.microsoft.com/office/drawing/2014/main" id="{1715FCDC-B95D-46B0-8EBD-FC1451D3C124}"/>
               </a:ext>
             </a:extLst>
           </p:cNvPr>
@@ -25166,7 +25236,7 @@
           <p:cNvPr id="9" name="Rectangle 8">
             <a:extLst>
               <a:ext uri="{FF2B5EF4-FFF2-40B4-BE49-F238E27FC236}">
-                <a16:creationId xmlns:a16="http://schemas.microsoft.com/office/drawing/2014/main" xmlns="" id="{EF85080C-B66C-4B03-BE77-8C2994DDD44D}"/>
+                <a16:creationId xmlns:a16="http://schemas.microsoft.com/office/drawing/2014/main" id="{EF85080C-B66C-4B03-BE77-8C2994DDD44D}"/>
               </a:ext>
             </a:extLst>
           </p:cNvPr>
@@ -25509,7 +25579,7 @@
           <p:cNvPr id="2" name="Espace réservé du pied de page 1">
             <a:extLst>
               <a:ext uri="{FF2B5EF4-FFF2-40B4-BE49-F238E27FC236}">
-                <a16:creationId xmlns:a16="http://schemas.microsoft.com/office/drawing/2014/main" xmlns="" id="{AAB9EEEE-5D24-422D-B76D-987859ECB059}"/>
+                <a16:creationId xmlns:a16="http://schemas.microsoft.com/office/drawing/2014/main" id="{AAB9EEEE-5D24-422D-B76D-987859ECB059}"/>
               </a:ext>
             </a:extLst>
           </p:cNvPr>
@@ -25538,7 +25608,7 @@
           <p:cNvPr id="5" name="Espace réservé du numéro de diapositive 4">
             <a:extLst>
               <a:ext uri="{FF2B5EF4-FFF2-40B4-BE49-F238E27FC236}">
-                <a16:creationId xmlns:a16="http://schemas.microsoft.com/office/drawing/2014/main" xmlns="" id="{4BFC890C-B560-45C1-9FF4-08AA00E1673F}"/>
+                <a16:creationId xmlns:a16="http://schemas.microsoft.com/office/drawing/2014/main" id="{4BFC890C-B560-45C1-9FF4-08AA00E1673F}"/>
               </a:ext>
             </a:extLst>
           </p:cNvPr>
@@ -25569,7 +25639,7 @@
           <p:cNvPr id="10" name="Espace réservé du texte 8">
             <a:extLst>
               <a:ext uri="{FF2B5EF4-FFF2-40B4-BE49-F238E27FC236}">
-                <a16:creationId xmlns:a16="http://schemas.microsoft.com/office/drawing/2014/main" xmlns="" id="{4744B28E-5E14-4A77-AD4F-C979905862BF}"/>
+                <a16:creationId xmlns:a16="http://schemas.microsoft.com/office/drawing/2014/main" id="{4744B28E-5E14-4A77-AD4F-C979905862BF}"/>
               </a:ext>
             </a:extLst>
           </p:cNvPr>
@@ -25837,7 +25907,7 @@
           <p:cNvPr id="7" name="Titre 6">
             <a:extLst>
               <a:ext uri="{FF2B5EF4-FFF2-40B4-BE49-F238E27FC236}">
-                <a16:creationId xmlns:a16="http://schemas.microsoft.com/office/drawing/2014/main" xmlns="" id="{4D671F4D-9614-41E9-BA0C-7977DEBBBBB3}"/>
+                <a16:creationId xmlns:a16="http://schemas.microsoft.com/office/drawing/2014/main" id="{4D671F4D-9614-41E9-BA0C-7977DEBBBBB3}"/>
               </a:ext>
             </a:extLst>
           </p:cNvPr>
@@ -25866,7 +25936,7 @@
           <p:cNvPr id="8" name="Rectangle 7" descr="Bloc d’accentuation carré ouvert">
             <a:extLst>
               <a:ext uri="{FF2B5EF4-FFF2-40B4-BE49-F238E27FC236}">
-                <a16:creationId xmlns:a16="http://schemas.microsoft.com/office/drawing/2014/main" xmlns="" id="{1715FCDC-B95D-46B0-8EBD-FC1451D3C124}"/>
+                <a16:creationId xmlns:a16="http://schemas.microsoft.com/office/drawing/2014/main" id="{1715FCDC-B95D-46B0-8EBD-FC1451D3C124}"/>
               </a:ext>
             </a:extLst>
           </p:cNvPr>
@@ -25918,7 +25988,7 @@
           <p:cNvPr id="9" name="Rectangle 8">
             <a:extLst>
               <a:ext uri="{FF2B5EF4-FFF2-40B4-BE49-F238E27FC236}">
-                <a16:creationId xmlns:a16="http://schemas.microsoft.com/office/drawing/2014/main" xmlns="" id="{EF85080C-B66C-4B03-BE77-8C2994DDD44D}"/>
+                <a16:creationId xmlns:a16="http://schemas.microsoft.com/office/drawing/2014/main" id="{EF85080C-B66C-4B03-BE77-8C2994DDD44D}"/>
               </a:ext>
             </a:extLst>
           </p:cNvPr>
@@ -26261,7 +26331,7 @@
           <p:cNvPr id="2" name="Espace réservé du pied de page 1">
             <a:extLst>
               <a:ext uri="{FF2B5EF4-FFF2-40B4-BE49-F238E27FC236}">
-                <a16:creationId xmlns:a16="http://schemas.microsoft.com/office/drawing/2014/main" xmlns="" id="{AAB9EEEE-5D24-422D-B76D-987859ECB059}"/>
+                <a16:creationId xmlns:a16="http://schemas.microsoft.com/office/drawing/2014/main" id="{AAB9EEEE-5D24-422D-B76D-987859ECB059}"/>
               </a:ext>
             </a:extLst>
           </p:cNvPr>
@@ -26290,7 +26360,7 @@
           <p:cNvPr id="5" name="Espace réservé du numéro de diapositive 4">
             <a:extLst>
               <a:ext uri="{FF2B5EF4-FFF2-40B4-BE49-F238E27FC236}">
-                <a16:creationId xmlns:a16="http://schemas.microsoft.com/office/drawing/2014/main" xmlns="" id="{4BFC890C-B560-45C1-9FF4-08AA00E1673F}"/>
+                <a16:creationId xmlns:a16="http://schemas.microsoft.com/office/drawing/2014/main" id="{4BFC890C-B560-45C1-9FF4-08AA00E1673F}"/>
               </a:ext>
             </a:extLst>
           </p:cNvPr>
@@ -26321,7 +26391,7 @@
           <p:cNvPr id="10" name="Espace réservé du texte 8">
             <a:extLst>
               <a:ext uri="{FF2B5EF4-FFF2-40B4-BE49-F238E27FC236}">
-                <a16:creationId xmlns:a16="http://schemas.microsoft.com/office/drawing/2014/main" xmlns="" id="{4744B28E-5E14-4A77-AD4F-C979905862BF}"/>
+                <a16:creationId xmlns:a16="http://schemas.microsoft.com/office/drawing/2014/main" id="{4744B28E-5E14-4A77-AD4F-C979905862BF}"/>
               </a:ext>
             </a:extLst>
           </p:cNvPr>
@@ -26589,7 +26659,7 @@
           <p:cNvPr id="7" name="Titre 6">
             <a:extLst>
               <a:ext uri="{FF2B5EF4-FFF2-40B4-BE49-F238E27FC236}">
-                <a16:creationId xmlns:a16="http://schemas.microsoft.com/office/drawing/2014/main" xmlns="" id="{4D671F4D-9614-41E9-BA0C-7977DEBBBBB3}"/>
+                <a16:creationId xmlns:a16="http://schemas.microsoft.com/office/drawing/2014/main" id="{4D671F4D-9614-41E9-BA0C-7977DEBBBBB3}"/>
               </a:ext>
             </a:extLst>
           </p:cNvPr>
@@ -26618,7 +26688,7 @@
           <p:cNvPr id="8" name="Rectangle 7" descr="Bloc d’accentuation carré ouvert">
             <a:extLst>
               <a:ext uri="{FF2B5EF4-FFF2-40B4-BE49-F238E27FC236}">
-                <a16:creationId xmlns:a16="http://schemas.microsoft.com/office/drawing/2014/main" xmlns="" id="{1715FCDC-B95D-46B0-8EBD-FC1451D3C124}"/>
+                <a16:creationId xmlns:a16="http://schemas.microsoft.com/office/drawing/2014/main" id="{1715FCDC-B95D-46B0-8EBD-FC1451D3C124}"/>
               </a:ext>
             </a:extLst>
           </p:cNvPr>
@@ -26670,7 +26740,7 @@
           <p:cNvPr id="9" name="Rectangle 8">
             <a:extLst>
               <a:ext uri="{FF2B5EF4-FFF2-40B4-BE49-F238E27FC236}">
-                <a16:creationId xmlns:a16="http://schemas.microsoft.com/office/drawing/2014/main" xmlns="" id="{EF85080C-B66C-4B03-BE77-8C2994DDD44D}"/>
+                <a16:creationId xmlns:a16="http://schemas.microsoft.com/office/drawing/2014/main" id="{EF85080C-B66C-4B03-BE77-8C2994DDD44D}"/>
               </a:ext>
             </a:extLst>
           </p:cNvPr>
@@ -27013,7 +27083,7 @@
           <p:cNvPr id="2" name="Espace réservé du pied de page 1">
             <a:extLst>
               <a:ext uri="{FF2B5EF4-FFF2-40B4-BE49-F238E27FC236}">
-                <a16:creationId xmlns:a16="http://schemas.microsoft.com/office/drawing/2014/main" xmlns="" id="{AAB9EEEE-5D24-422D-B76D-987859ECB059}"/>
+                <a16:creationId xmlns:a16="http://schemas.microsoft.com/office/drawing/2014/main" id="{AAB9EEEE-5D24-422D-B76D-987859ECB059}"/>
               </a:ext>
             </a:extLst>
           </p:cNvPr>
@@ -27042,7 +27112,7 @@
           <p:cNvPr id="5" name="Espace réservé du numéro de diapositive 4">
             <a:extLst>
               <a:ext uri="{FF2B5EF4-FFF2-40B4-BE49-F238E27FC236}">
-                <a16:creationId xmlns:a16="http://schemas.microsoft.com/office/drawing/2014/main" xmlns="" id="{4BFC890C-B560-45C1-9FF4-08AA00E1673F}"/>
+                <a16:creationId xmlns:a16="http://schemas.microsoft.com/office/drawing/2014/main" id="{4BFC890C-B560-45C1-9FF4-08AA00E1673F}"/>
               </a:ext>
             </a:extLst>
           </p:cNvPr>
@@ -27073,7 +27143,7 @@
           <p:cNvPr id="10" name="Espace réservé du texte 8">
             <a:extLst>
               <a:ext uri="{FF2B5EF4-FFF2-40B4-BE49-F238E27FC236}">
-                <a16:creationId xmlns:a16="http://schemas.microsoft.com/office/drawing/2014/main" xmlns="" id="{4744B28E-5E14-4A77-AD4F-C979905862BF}"/>
+                <a16:creationId xmlns:a16="http://schemas.microsoft.com/office/drawing/2014/main" id="{4744B28E-5E14-4A77-AD4F-C979905862BF}"/>
               </a:ext>
             </a:extLst>
           </p:cNvPr>
@@ -27341,7 +27411,7 @@
           <p:cNvPr id="7" name="Titre 6">
             <a:extLst>
               <a:ext uri="{FF2B5EF4-FFF2-40B4-BE49-F238E27FC236}">
-                <a16:creationId xmlns:a16="http://schemas.microsoft.com/office/drawing/2014/main" xmlns="" id="{4D671F4D-9614-41E9-BA0C-7977DEBBBBB3}"/>
+                <a16:creationId xmlns:a16="http://schemas.microsoft.com/office/drawing/2014/main" id="{4D671F4D-9614-41E9-BA0C-7977DEBBBBB3}"/>
               </a:ext>
             </a:extLst>
           </p:cNvPr>
@@ -27370,7 +27440,7 @@
           <p:cNvPr id="8" name="Rectangle 7" descr="Bloc d’accentuation carré ouvert">
             <a:extLst>
               <a:ext uri="{FF2B5EF4-FFF2-40B4-BE49-F238E27FC236}">
-                <a16:creationId xmlns:a16="http://schemas.microsoft.com/office/drawing/2014/main" xmlns="" id="{1715FCDC-B95D-46B0-8EBD-FC1451D3C124}"/>
+                <a16:creationId xmlns:a16="http://schemas.microsoft.com/office/drawing/2014/main" id="{1715FCDC-B95D-46B0-8EBD-FC1451D3C124}"/>
               </a:ext>
             </a:extLst>
           </p:cNvPr>
@@ -27422,7 +27492,7 @@
           <p:cNvPr id="9" name="Rectangle 8">
             <a:extLst>
               <a:ext uri="{FF2B5EF4-FFF2-40B4-BE49-F238E27FC236}">
-                <a16:creationId xmlns:a16="http://schemas.microsoft.com/office/drawing/2014/main" xmlns="" id="{EF85080C-B66C-4B03-BE77-8C2994DDD44D}"/>
+                <a16:creationId xmlns:a16="http://schemas.microsoft.com/office/drawing/2014/main" id="{EF85080C-B66C-4B03-BE77-8C2994DDD44D}"/>
               </a:ext>
             </a:extLst>
           </p:cNvPr>
@@ -27765,7 +27835,7 @@
           <p:cNvPr id="2" name="Espace réservé du pied de page 1">
             <a:extLst>
               <a:ext uri="{FF2B5EF4-FFF2-40B4-BE49-F238E27FC236}">
-                <a16:creationId xmlns:a16="http://schemas.microsoft.com/office/drawing/2014/main" xmlns="" id="{AAB9EEEE-5D24-422D-B76D-987859ECB059}"/>
+                <a16:creationId xmlns:a16="http://schemas.microsoft.com/office/drawing/2014/main" id="{AAB9EEEE-5D24-422D-B76D-987859ECB059}"/>
               </a:ext>
             </a:extLst>
           </p:cNvPr>
@@ -27794,7 +27864,7 @@
           <p:cNvPr id="5" name="Espace réservé du numéro de diapositive 4">
             <a:extLst>
               <a:ext uri="{FF2B5EF4-FFF2-40B4-BE49-F238E27FC236}">
-                <a16:creationId xmlns:a16="http://schemas.microsoft.com/office/drawing/2014/main" xmlns="" id="{4BFC890C-B560-45C1-9FF4-08AA00E1673F}"/>
+                <a16:creationId xmlns:a16="http://schemas.microsoft.com/office/drawing/2014/main" id="{4BFC890C-B560-45C1-9FF4-08AA00E1673F}"/>
               </a:ext>
             </a:extLst>
           </p:cNvPr>
@@ -27825,7 +27895,7 @@
           <p:cNvPr id="10" name="Espace réservé du texte 8">
             <a:extLst>
               <a:ext uri="{FF2B5EF4-FFF2-40B4-BE49-F238E27FC236}">
-                <a16:creationId xmlns:a16="http://schemas.microsoft.com/office/drawing/2014/main" xmlns="" id="{4744B28E-5E14-4A77-AD4F-C979905862BF}"/>
+                <a16:creationId xmlns:a16="http://schemas.microsoft.com/office/drawing/2014/main" id="{4744B28E-5E14-4A77-AD4F-C979905862BF}"/>
               </a:ext>
             </a:extLst>
           </p:cNvPr>

--- a/presentation.pptx
+++ b/presentation.pptx
@@ -161,7 +161,7 @@
           <p:cNvPr id="2" name="Espace réservé de l’en-tête 1">
             <a:extLst>
               <a:ext uri="{FF2B5EF4-FFF2-40B4-BE49-F238E27FC236}">
-                <a16:creationId xmlns:a16="http://schemas.microsoft.com/office/drawing/2014/main" id="{254265FD-4E3F-4008-BF0D-92438DDF38EF}"/>
+                <a16:creationId xmlns="" xmlns:a16="http://schemas.microsoft.com/office/drawing/2014/main" id="{254265FD-4E3F-4008-BF0D-92438DDF38EF}"/>
               </a:ext>
             </a:extLst>
           </p:cNvPr>
@@ -199,7 +199,7 @@
           <p:cNvPr id="3" name="Espace réservé de la date 2">
             <a:extLst>
               <a:ext uri="{FF2B5EF4-FFF2-40B4-BE49-F238E27FC236}">
-                <a16:creationId xmlns:a16="http://schemas.microsoft.com/office/drawing/2014/main" id="{7411FABC-D2A4-4DDD-AE15-415703DDD3EA}"/>
+                <a16:creationId xmlns="" xmlns:a16="http://schemas.microsoft.com/office/drawing/2014/main" id="{7411FABC-D2A4-4DDD-AE15-415703DDD3EA}"/>
               </a:ext>
             </a:extLst>
           </p:cNvPr>
@@ -230,7 +230,7 @@
             <a:pPr rtl="0"/>
             <a:fld id="{A7E76542-B352-43FB-BB84-C98836247367}" type="datetime1">
               <a:rPr lang="fr-FR" smtClean="0"/>
-              <a:t>13/12/2019</a:t>
+              <a:t>15/12/2019</a:t>
             </a:fld>
             <a:endParaRPr lang="fr-FR" dirty="0"/>
           </a:p>
@@ -241,7 +241,7 @@
           <p:cNvPr id="4" name="Espace réservé du pied de page 3">
             <a:extLst>
               <a:ext uri="{FF2B5EF4-FFF2-40B4-BE49-F238E27FC236}">
-                <a16:creationId xmlns:a16="http://schemas.microsoft.com/office/drawing/2014/main" id="{27EBBAB0-AE2E-4EA6-BE3D-A8C4DA400704}"/>
+                <a16:creationId xmlns="" xmlns:a16="http://schemas.microsoft.com/office/drawing/2014/main" id="{27EBBAB0-AE2E-4EA6-BE3D-A8C4DA400704}"/>
               </a:ext>
             </a:extLst>
           </p:cNvPr>
@@ -279,7 +279,7 @@
           <p:cNvPr id="5" name="Espace réservé du numéro de diapositive 4">
             <a:extLst>
               <a:ext uri="{FF2B5EF4-FFF2-40B4-BE49-F238E27FC236}">
-                <a16:creationId xmlns:a16="http://schemas.microsoft.com/office/drawing/2014/main" id="{A31D462F-4914-49FC-A851-7FFFE9D6E86B}"/>
+                <a16:creationId xmlns="" xmlns:a16="http://schemas.microsoft.com/office/drawing/2014/main" id="{A31D462F-4914-49FC-A851-7FFFE9D6E86B}"/>
               </a:ext>
             </a:extLst>
           </p:cNvPr>
@@ -411,7 +411,7 @@
             <a:fld id="{A0DA2511-F204-4F86-8416-164020DAC540}" type="datetime1">
               <a:rPr lang="fr-FR" smtClean="0"/>
               <a:pPr/>
-              <a:t>13/12/2019</a:t>
+              <a:t>15/12/2019</a:t>
             </a:fld>
             <a:endParaRPr lang="fr-FR" dirty="0"/>
           </a:p>
@@ -1907,7 +1907,7 @@
           <p:cNvPr id="12" name="Espace réservé d’image 13">
             <a:extLst>
               <a:ext uri="{FF2B5EF4-FFF2-40B4-BE49-F238E27FC236}">
-                <a16:creationId xmlns:a16="http://schemas.microsoft.com/office/drawing/2014/main" id="{9FB41AE7-07AD-43D7-9418-6D32BE5E3192}"/>
+                <a16:creationId xmlns="" xmlns:a16="http://schemas.microsoft.com/office/drawing/2014/main" id="{9FB41AE7-07AD-43D7-9418-6D32BE5E3192}"/>
               </a:ext>
             </a:extLst>
           </p:cNvPr>
@@ -1947,7 +1947,7 @@
           <p:cNvPr id="14" name="Groupe 13">
             <a:extLst>
               <a:ext uri="{FF2B5EF4-FFF2-40B4-BE49-F238E27FC236}">
-                <a16:creationId xmlns:a16="http://schemas.microsoft.com/office/drawing/2014/main" id="{846D6A0C-E2C3-43CB-83D0-B5F6221079CA}"/>
+                <a16:creationId xmlns="" xmlns:a16="http://schemas.microsoft.com/office/drawing/2014/main" id="{846D6A0C-E2C3-43CB-83D0-B5F6221079CA}"/>
               </a:ext>
             </a:extLst>
           </p:cNvPr>
@@ -1967,7 +1967,7 @@
             <p:cNvPr id="15" name="Rectangle 14">
               <a:extLst>
                 <a:ext uri="{FF2B5EF4-FFF2-40B4-BE49-F238E27FC236}">
-                  <a16:creationId xmlns:a16="http://schemas.microsoft.com/office/drawing/2014/main" id="{F997D03F-0BE2-458F-92A2-4FE73B0FBF51}"/>
+                  <a16:creationId xmlns="" xmlns:a16="http://schemas.microsoft.com/office/drawing/2014/main" id="{F997D03F-0BE2-458F-92A2-4FE73B0FBF51}"/>
                 </a:ext>
               </a:extLst>
             </p:cNvPr>
@@ -2019,7 +2019,7 @@
             <p:cNvPr id="16" name="Rectangle 15">
               <a:extLst>
                 <a:ext uri="{FF2B5EF4-FFF2-40B4-BE49-F238E27FC236}">
-                  <a16:creationId xmlns:a16="http://schemas.microsoft.com/office/drawing/2014/main" id="{EDC96296-0FBF-47A5-9D6A-5D9BB647A4D7}"/>
+                  <a16:creationId xmlns="" xmlns:a16="http://schemas.microsoft.com/office/drawing/2014/main" id="{EDC96296-0FBF-47A5-9D6A-5D9BB647A4D7}"/>
                 </a:ext>
               </a:extLst>
             </p:cNvPr>
@@ -2362,7 +2362,7 @@
             <p:cNvPr id="17" name="Rectangle 16">
               <a:extLst>
                 <a:ext uri="{FF2B5EF4-FFF2-40B4-BE49-F238E27FC236}">
-                  <a16:creationId xmlns:a16="http://schemas.microsoft.com/office/drawing/2014/main" id="{53F17719-10FE-433E-9CCC-4509DE17F22A}"/>
+                  <a16:creationId xmlns="" xmlns:a16="http://schemas.microsoft.com/office/drawing/2014/main" id="{53F17719-10FE-433E-9CCC-4509DE17F22A}"/>
                 </a:ext>
               </a:extLst>
             </p:cNvPr>
@@ -2415,7 +2415,7 @@
           <p:cNvPr id="2" name="Titre 1">
             <a:extLst>
               <a:ext uri="{FF2B5EF4-FFF2-40B4-BE49-F238E27FC236}">
-                <a16:creationId xmlns:a16="http://schemas.microsoft.com/office/drawing/2014/main" id="{0DE73F1A-AAF0-4EB4-8DF0-C152BD93C69B}"/>
+                <a16:creationId xmlns="" xmlns:a16="http://schemas.microsoft.com/office/drawing/2014/main" id="{0DE73F1A-AAF0-4EB4-8DF0-C152BD93C69B}"/>
               </a:ext>
             </a:extLst>
           </p:cNvPr>
@@ -2467,7 +2467,7 @@
           <p:cNvPr id="3" name="Sous-titre 2">
             <a:extLst>
               <a:ext uri="{FF2B5EF4-FFF2-40B4-BE49-F238E27FC236}">
-                <a16:creationId xmlns:a16="http://schemas.microsoft.com/office/drawing/2014/main" id="{A3075AE6-92D3-4205-B268-E1AD6C5901DE}"/>
+                <a16:creationId xmlns="" xmlns:a16="http://schemas.microsoft.com/office/drawing/2014/main" id="{A3075AE6-92D3-4205-B268-E1AD6C5901DE}"/>
               </a:ext>
             </a:extLst>
           </p:cNvPr>
@@ -2574,7 +2574,7 @@
           <p:cNvPr id="14" name="Groupe 13">
             <a:extLst>
               <a:ext uri="{FF2B5EF4-FFF2-40B4-BE49-F238E27FC236}">
-                <a16:creationId xmlns:a16="http://schemas.microsoft.com/office/drawing/2014/main" id="{846D6A0C-E2C3-43CB-83D0-B5F6221079CA}"/>
+                <a16:creationId xmlns="" xmlns:a16="http://schemas.microsoft.com/office/drawing/2014/main" id="{846D6A0C-E2C3-43CB-83D0-B5F6221079CA}"/>
               </a:ext>
             </a:extLst>
           </p:cNvPr>
@@ -2594,7 +2594,7 @@
             <p:cNvPr id="16" name="Rectangle 15">
               <a:extLst>
                 <a:ext uri="{FF2B5EF4-FFF2-40B4-BE49-F238E27FC236}">
-                  <a16:creationId xmlns:a16="http://schemas.microsoft.com/office/drawing/2014/main" id="{EDC96296-0FBF-47A5-9D6A-5D9BB647A4D7}"/>
+                  <a16:creationId xmlns="" xmlns:a16="http://schemas.microsoft.com/office/drawing/2014/main" id="{EDC96296-0FBF-47A5-9D6A-5D9BB647A4D7}"/>
                 </a:ext>
               </a:extLst>
             </p:cNvPr>
@@ -2937,7 +2937,7 @@
             <p:cNvPr id="15" name="Rectangle 14">
               <a:extLst>
                 <a:ext uri="{FF2B5EF4-FFF2-40B4-BE49-F238E27FC236}">
-                  <a16:creationId xmlns:a16="http://schemas.microsoft.com/office/drawing/2014/main" id="{F997D03F-0BE2-458F-92A2-4FE73B0FBF51}"/>
+                  <a16:creationId xmlns="" xmlns:a16="http://schemas.microsoft.com/office/drawing/2014/main" id="{F997D03F-0BE2-458F-92A2-4FE73B0FBF51}"/>
                 </a:ext>
               </a:extLst>
             </p:cNvPr>
@@ -2989,7 +2989,7 @@
             <p:cNvPr id="17" name="Rectangle 16">
               <a:extLst>
                 <a:ext uri="{FF2B5EF4-FFF2-40B4-BE49-F238E27FC236}">
-                  <a16:creationId xmlns:a16="http://schemas.microsoft.com/office/drawing/2014/main" id="{53F17719-10FE-433E-9CCC-4509DE17F22A}"/>
+                  <a16:creationId xmlns="" xmlns:a16="http://schemas.microsoft.com/office/drawing/2014/main" id="{53F17719-10FE-433E-9CCC-4509DE17F22A}"/>
                 </a:ext>
               </a:extLst>
             </p:cNvPr>
@@ -3042,7 +3042,7 @@
           <p:cNvPr id="2" name="Titre 1">
             <a:extLst>
               <a:ext uri="{FF2B5EF4-FFF2-40B4-BE49-F238E27FC236}">
-                <a16:creationId xmlns:a16="http://schemas.microsoft.com/office/drawing/2014/main" id="{0DE73F1A-AAF0-4EB4-8DF0-C152BD93C69B}"/>
+                <a16:creationId xmlns="" xmlns:a16="http://schemas.microsoft.com/office/drawing/2014/main" id="{0DE73F1A-AAF0-4EB4-8DF0-C152BD93C69B}"/>
               </a:ext>
             </a:extLst>
           </p:cNvPr>
@@ -3094,7 +3094,7 @@
           <p:cNvPr id="3" name="Sous-titre 2">
             <a:extLst>
               <a:ext uri="{FF2B5EF4-FFF2-40B4-BE49-F238E27FC236}">
-                <a16:creationId xmlns:a16="http://schemas.microsoft.com/office/drawing/2014/main" id="{A3075AE6-92D3-4205-B268-E1AD6C5901DE}"/>
+                <a16:creationId xmlns="" xmlns:a16="http://schemas.microsoft.com/office/drawing/2014/main" id="{A3075AE6-92D3-4205-B268-E1AD6C5901DE}"/>
               </a:ext>
             </a:extLst>
           </p:cNvPr>
@@ -3201,7 +3201,7 @@
           <p:cNvPr id="14" name="Groupe 13">
             <a:extLst>
               <a:ext uri="{FF2B5EF4-FFF2-40B4-BE49-F238E27FC236}">
-                <a16:creationId xmlns:a16="http://schemas.microsoft.com/office/drawing/2014/main" id="{7BF3BF7F-F094-497C-9310-2FE8B059E82B}"/>
+                <a16:creationId xmlns="" xmlns:a16="http://schemas.microsoft.com/office/drawing/2014/main" id="{7BF3BF7F-F094-497C-9310-2FE8B059E82B}"/>
               </a:ext>
             </a:extLst>
           </p:cNvPr>
@@ -3221,7 +3221,7 @@
             <p:cNvPr id="15" name="Rectangle 14">
               <a:extLst>
                 <a:ext uri="{FF2B5EF4-FFF2-40B4-BE49-F238E27FC236}">
-                  <a16:creationId xmlns:a16="http://schemas.microsoft.com/office/drawing/2014/main" id="{2D49E498-4E90-44A2-B49F-157DFF9E8581}"/>
+                  <a16:creationId xmlns="" xmlns:a16="http://schemas.microsoft.com/office/drawing/2014/main" id="{2D49E498-4E90-44A2-B49F-157DFF9E8581}"/>
                 </a:ext>
               </a:extLst>
             </p:cNvPr>
@@ -3564,7 +3564,7 @@
             <p:cNvPr id="17" name="Graphisme 16">
               <a:extLst>
                 <a:ext uri="{FF2B5EF4-FFF2-40B4-BE49-F238E27FC236}">
-                  <a16:creationId xmlns:a16="http://schemas.microsoft.com/office/drawing/2014/main" id="{B2D9F108-8C30-4BEC-8122-BE2632644482}"/>
+                  <a16:creationId xmlns="" xmlns:a16="http://schemas.microsoft.com/office/drawing/2014/main" id="{B2D9F108-8C30-4BEC-8122-BE2632644482}"/>
                 </a:ext>
               </a:extLst>
             </p:cNvPr>
@@ -3600,7 +3600,7 @@
             <p:cNvPr id="16" name="Rectangle 15">
               <a:extLst>
                 <a:ext uri="{FF2B5EF4-FFF2-40B4-BE49-F238E27FC236}">
-                  <a16:creationId xmlns:a16="http://schemas.microsoft.com/office/drawing/2014/main" id="{FAB546B5-7C56-40DD-B1DF-AE850DE5FDB3}"/>
+                  <a16:creationId xmlns="" xmlns:a16="http://schemas.microsoft.com/office/drawing/2014/main" id="{FAB546B5-7C56-40DD-B1DF-AE850DE5FDB3}"/>
                 </a:ext>
               </a:extLst>
             </p:cNvPr>
@@ -3927,7 +3927,7 @@
           <p:cNvPr id="8" name="Titre 1">
             <a:extLst>
               <a:ext uri="{FF2B5EF4-FFF2-40B4-BE49-F238E27FC236}">
-                <a16:creationId xmlns:a16="http://schemas.microsoft.com/office/drawing/2014/main" id="{4C30FD01-9DD8-4ECA-AC52-7C41002A99B3}"/>
+                <a16:creationId xmlns="" xmlns:a16="http://schemas.microsoft.com/office/drawing/2014/main" id="{4C30FD01-9DD8-4ECA-AC52-7C41002A99B3}"/>
               </a:ext>
             </a:extLst>
           </p:cNvPr>
@@ -3973,7 +3973,7 @@
           <p:cNvPr id="2" name="Espace réservé du pied de page 1">
             <a:extLst>
               <a:ext uri="{FF2B5EF4-FFF2-40B4-BE49-F238E27FC236}">
-                <a16:creationId xmlns:a16="http://schemas.microsoft.com/office/drawing/2014/main" id="{C5F17219-39C2-44C1-BFC9-BA0D7ACD78D1}"/>
+                <a16:creationId xmlns="" xmlns:a16="http://schemas.microsoft.com/office/drawing/2014/main" id="{C5F17219-39C2-44C1-BFC9-BA0D7ACD78D1}"/>
               </a:ext>
             </a:extLst>
           </p:cNvPr>
@@ -4002,7 +4002,7 @@
           <p:cNvPr id="3" name="Espace réservé du numéro de diapositive 2">
             <a:extLst>
               <a:ext uri="{FF2B5EF4-FFF2-40B4-BE49-F238E27FC236}">
-                <a16:creationId xmlns:a16="http://schemas.microsoft.com/office/drawing/2014/main" id="{5087118E-1B0A-407B-BDCE-B343BC9F92E9}"/>
+                <a16:creationId xmlns="" xmlns:a16="http://schemas.microsoft.com/office/drawing/2014/main" id="{5087118E-1B0A-407B-BDCE-B343BC9F92E9}"/>
               </a:ext>
             </a:extLst>
           </p:cNvPr>
@@ -4033,7 +4033,7 @@
           <p:cNvPr id="11" name="Espace réservé du texte 2">
             <a:extLst>
               <a:ext uri="{FF2B5EF4-FFF2-40B4-BE49-F238E27FC236}">
-                <a16:creationId xmlns:a16="http://schemas.microsoft.com/office/drawing/2014/main" id="{CEC8E835-7291-427D-948E-B544E36AD129}"/>
+                <a16:creationId xmlns="" xmlns:a16="http://schemas.microsoft.com/office/drawing/2014/main" id="{CEC8E835-7291-427D-948E-B544E36AD129}"/>
               </a:ext>
             </a:extLst>
           </p:cNvPr>
@@ -4109,7 +4109,7 @@
           <p:cNvPr id="3" name="Espace réservé du texte 2">
             <a:extLst>
               <a:ext uri="{FF2B5EF4-FFF2-40B4-BE49-F238E27FC236}">
-                <a16:creationId xmlns:a16="http://schemas.microsoft.com/office/drawing/2014/main" id="{CF38A5A1-070F-43C9-B2D5-C557B0D72B9C}"/>
+                <a16:creationId xmlns="" xmlns:a16="http://schemas.microsoft.com/office/drawing/2014/main" id="{CF38A5A1-070F-43C9-B2D5-C557B0D72B9C}"/>
               </a:ext>
             </a:extLst>
           </p:cNvPr>
@@ -4188,7 +4188,7 @@
           <p:cNvPr id="18" name="Rectangle 17">
             <a:extLst>
               <a:ext uri="{FF2B5EF4-FFF2-40B4-BE49-F238E27FC236}">
-                <a16:creationId xmlns:a16="http://schemas.microsoft.com/office/drawing/2014/main" id="{6EDCBFD0-7AE5-4346-AD3A-01F956626091}"/>
+                <a16:creationId xmlns="" xmlns:a16="http://schemas.microsoft.com/office/drawing/2014/main" id="{6EDCBFD0-7AE5-4346-AD3A-01F956626091}"/>
               </a:ext>
             </a:extLst>
           </p:cNvPr>
@@ -4514,7 +4514,7 @@
           <p:cNvPr id="2" name="Titre 1">
             <a:extLst>
               <a:ext uri="{FF2B5EF4-FFF2-40B4-BE49-F238E27FC236}">
-                <a16:creationId xmlns:a16="http://schemas.microsoft.com/office/drawing/2014/main" id="{A41F4A2F-9480-4E94-806C-5D65C71DFB9F}"/>
+                <a16:creationId xmlns="" xmlns:a16="http://schemas.microsoft.com/office/drawing/2014/main" id="{A41F4A2F-9480-4E94-806C-5D65C71DFB9F}"/>
               </a:ext>
             </a:extLst>
           </p:cNvPr>
@@ -4555,7 +4555,7 @@
           <p:cNvPr id="17" name="Rectangle 16">
             <a:extLst>
               <a:ext uri="{FF2B5EF4-FFF2-40B4-BE49-F238E27FC236}">
-                <a16:creationId xmlns:a16="http://schemas.microsoft.com/office/drawing/2014/main" id="{CC3A4379-5E89-42FE-AA5C-BEA0CDFCDD6F}"/>
+                <a16:creationId xmlns="" xmlns:a16="http://schemas.microsoft.com/office/drawing/2014/main" id="{CC3A4379-5E89-42FE-AA5C-BEA0CDFCDD6F}"/>
               </a:ext>
             </a:extLst>
           </p:cNvPr>
@@ -4898,7 +4898,7 @@
           <p:cNvPr id="5" name="Espace réservé du pied de page 4">
             <a:extLst>
               <a:ext uri="{FF2B5EF4-FFF2-40B4-BE49-F238E27FC236}">
-                <a16:creationId xmlns:a16="http://schemas.microsoft.com/office/drawing/2014/main" id="{750DA028-023B-4883-9A48-70FD7A2E5226}"/>
+                <a16:creationId xmlns="" xmlns:a16="http://schemas.microsoft.com/office/drawing/2014/main" id="{750DA028-023B-4883-9A48-70FD7A2E5226}"/>
               </a:ext>
             </a:extLst>
           </p:cNvPr>
@@ -4927,7 +4927,7 @@
           <p:cNvPr id="13" name="Rectangle 12">
             <a:extLst>
               <a:ext uri="{FF2B5EF4-FFF2-40B4-BE49-F238E27FC236}">
-                <a16:creationId xmlns:a16="http://schemas.microsoft.com/office/drawing/2014/main" id="{7EA625CC-388D-4655-BFA6-2CC4FD9E889D}"/>
+                <a16:creationId xmlns="" xmlns:a16="http://schemas.microsoft.com/office/drawing/2014/main" id="{7EA625CC-388D-4655-BFA6-2CC4FD9E889D}"/>
               </a:ext>
             </a:extLst>
           </p:cNvPr>
@@ -5253,7 +5253,7 @@
           <p:cNvPr id="6" name="Espace réservé du numéro de diapositive 5">
             <a:extLst>
               <a:ext uri="{FF2B5EF4-FFF2-40B4-BE49-F238E27FC236}">
-                <a16:creationId xmlns:a16="http://schemas.microsoft.com/office/drawing/2014/main" id="{492AA6DE-6D7A-4135-8B9F-99A91527F21D}"/>
+                <a16:creationId xmlns="" xmlns:a16="http://schemas.microsoft.com/office/drawing/2014/main" id="{492AA6DE-6D7A-4135-8B9F-99A91527F21D}"/>
               </a:ext>
             </a:extLst>
           </p:cNvPr>
@@ -5284,7 +5284,7 @@
           <p:cNvPr id="14" name="Espace réservé du texte 4">
             <a:extLst>
               <a:ext uri="{FF2B5EF4-FFF2-40B4-BE49-F238E27FC236}">
-                <a16:creationId xmlns:a16="http://schemas.microsoft.com/office/drawing/2014/main" id="{17A78D63-E00C-4155-A5B2-B3431A09ACB4}"/>
+                <a16:creationId xmlns="" xmlns:a16="http://schemas.microsoft.com/office/drawing/2014/main" id="{17A78D63-E00C-4155-A5B2-B3431A09ACB4}"/>
               </a:ext>
             </a:extLst>
           </p:cNvPr>
@@ -5333,7 +5333,7 @@
           <p:cNvPr id="16" name="Espace réservé du contenu 5">
             <a:extLst>
               <a:ext uri="{FF2B5EF4-FFF2-40B4-BE49-F238E27FC236}">
-                <a16:creationId xmlns:a16="http://schemas.microsoft.com/office/drawing/2014/main" id="{12AF2780-75D3-4992-93BC-8EA50C648A8E}"/>
+                <a16:creationId xmlns="" xmlns:a16="http://schemas.microsoft.com/office/drawing/2014/main" id="{12AF2780-75D3-4992-93BC-8EA50C648A8E}"/>
               </a:ext>
             </a:extLst>
           </p:cNvPr>
@@ -5414,7 +5414,7 @@
           <p:cNvPr id="19" name="Espace réservé du contenu 3">
             <a:extLst>
               <a:ext uri="{FF2B5EF4-FFF2-40B4-BE49-F238E27FC236}">
-                <a16:creationId xmlns:a16="http://schemas.microsoft.com/office/drawing/2014/main" id="{EAAE1C5B-7233-4F49-895F-7566CEB6D819}"/>
+                <a16:creationId xmlns="" xmlns:a16="http://schemas.microsoft.com/office/drawing/2014/main" id="{EAAE1C5B-7233-4F49-895F-7566CEB6D819}"/>
               </a:ext>
             </a:extLst>
           </p:cNvPr>
@@ -5525,7 +5525,7 @@
           <p:cNvPr id="18" name="Rectangle 17">
             <a:extLst>
               <a:ext uri="{FF2B5EF4-FFF2-40B4-BE49-F238E27FC236}">
-                <a16:creationId xmlns:a16="http://schemas.microsoft.com/office/drawing/2014/main" id="{6EDCBFD0-7AE5-4346-AD3A-01F956626091}"/>
+                <a16:creationId xmlns="" xmlns:a16="http://schemas.microsoft.com/office/drawing/2014/main" id="{6EDCBFD0-7AE5-4346-AD3A-01F956626091}"/>
               </a:ext>
             </a:extLst>
           </p:cNvPr>
@@ -5851,7 +5851,7 @@
           <p:cNvPr id="2" name="Titre 1">
             <a:extLst>
               <a:ext uri="{FF2B5EF4-FFF2-40B4-BE49-F238E27FC236}">
-                <a16:creationId xmlns:a16="http://schemas.microsoft.com/office/drawing/2014/main" id="{A41F4A2F-9480-4E94-806C-5D65C71DFB9F}"/>
+                <a16:creationId xmlns="" xmlns:a16="http://schemas.microsoft.com/office/drawing/2014/main" id="{A41F4A2F-9480-4E94-806C-5D65C71DFB9F}"/>
               </a:ext>
             </a:extLst>
           </p:cNvPr>
@@ -5892,7 +5892,7 @@
           <p:cNvPr id="17" name="Rectangle 16">
             <a:extLst>
               <a:ext uri="{FF2B5EF4-FFF2-40B4-BE49-F238E27FC236}">
-                <a16:creationId xmlns:a16="http://schemas.microsoft.com/office/drawing/2014/main" id="{CC3A4379-5E89-42FE-AA5C-BEA0CDFCDD6F}"/>
+                <a16:creationId xmlns="" xmlns:a16="http://schemas.microsoft.com/office/drawing/2014/main" id="{CC3A4379-5E89-42FE-AA5C-BEA0CDFCDD6F}"/>
               </a:ext>
             </a:extLst>
           </p:cNvPr>
@@ -6235,7 +6235,7 @@
           <p:cNvPr id="5" name="Espace réservé du pied de page 4">
             <a:extLst>
               <a:ext uri="{FF2B5EF4-FFF2-40B4-BE49-F238E27FC236}">
-                <a16:creationId xmlns:a16="http://schemas.microsoft.com/office/drawing/2014/main" id="{750DA028-023B-4883-9A48-70FD7A2E5226}"/>
+                <a16:creationId xmlns="" xmlns:a16="http://schemas.microsoft.com/office/drawing/2014/main" id="{750DA028-023B-4883-9A48-70FD7A2E5226}"/>
               </a:ext>
             </a:extLst>
           </p:cNvPr>
@@ -6264,7 +6264,7 @@
           <p:cNvPr id="13" name="Rectangle 12">
             <a:extLst>
               <a:ext uri="{FF2B5EF4-FFF2-40B4-BE49-F238E27FC236}">
-                <a16:creationId xmlns:a16="http://schemas.microsoft.com/office/drawing/2014/main" id="{7EA625CC-388D-4655-BFA6-2CC4FD9E889D}"/>
+                <a16:creationId xmlns="" xmlns:a16="http://schemas.microsoft.com/office/drawing/2014/main" id="{7EA625CC-388D-4655-BFA6-2CC4FD9E889D}"/>
               </a:ext>
             </a:extLst>
           </p:cNvPr>
@@ -6590,7 +6590,7 @@
           <p:cNvPr id="6" name="Espace réservé du numéro de diapositive 5">
             <a:extLst>
               <a:ext uri="{FF2B5EF4-FFF2-40B4-BE49-F238E27FC236}">
-                <a16:creationId xmlns:a16="http://schemas.microsoft.com/office/drawing/2014/main" id="{492AA6DE-6D7A-4135-8B9F-99A91527F21D}"/>
+                <a16:creationId xmlns="" xmlns:a16="http://schemas.microsoft.com/office/drawing/2014/main" id="{492AA6DE-6D7A-4135-8B9F-99A91527F21D}"/>
               </a:ext>
             </a:extLst>
           </p:cNvPr>
@@ -6621,7 +6621,7 @@
           <p:cNvPr id="16" name="Espace réservé du contenu 2">
             <a:extLst>
               <a:ext uri="{FF2B5EF4-FFF2-40B4-BE49-F238E27FC236}">
-                <a16:creationId xmlns:a16="http://schemas.microsoft.com/office/drawing/2014/main" id="{E20B4D13-5F10-4886-AF0F-09B6ABB5C3BF}"/>
+                <a16:creationId xmlns="" xmlns:a16="http://schemas.microsoft.com/office/drawing/2014/main" id="{E20B4D13-5F10-4886-AF0F-09B6ABB5C3BF}"/>
               </a:ext>
             </a:extLst>
           </p:cNvPr>
@@ -6722,7 +6722,7 @@
           <p:cNvPr id="19" name="Espace réservé du contenu 3">
             <a:extLst>
               <a:ext uri="{FF2B5EF4-FFF2-40B4-BE49-F238E27FC236}">
-                <a16:creationId xmlns:a16="http://schemas.microsoft.com/office/drawing/2014/main" id="{EE7BCAD4-8DB6-482F-8DC0-F6D653F92219}"/>
+                <a16:creationId xmlns="" xmlns:a16="http://schemas.microsoft.com/office/drawing/2014/main" id="{EE7BCAD4-8DB6-482F-8DC0-F6D653F92219}"/>
               </a:ext>
             </a:extLst>
           </p:cNvPr>
@@ -6853,7 +6853,7 @@
           <p:cNvPr id="14" name="Rectangle 13">
             <a:extLst>
               <a:ext uri="{FF2B5EF4-FFF2-40B4-BE49-F238E27FC236}">
-                <a16:creationId xmlns:a16="http://schemas.microsoft.com/office/drawing/2014/main" id="{115BFBAA-B5F1-4F95-8C05-5E30A7076BD7}"/>
+                <a16:creationId xmlns="" xmlns:a16="http://schemas.microsoft.com/office/drawing/2014/main" id="{115BFBAA-B5F1-4F95-8C05-5E30A7076BD7}"/>
               </a:ext>
             </a:extLst>
           </p:cNvPr>
@@ -7196,7 +7196,7 @@
           <p:cNvPr id="8" name="Espace réservé du pied de page 7">
             <a:extLst>
               <a:ext uri="{FF2B5EF4-FFF2-40B4-BE49-F238E27FC236}">
-                <a16:creationId xmlns:a16="http://schemas.microsoft.com/office/drawing/2014/main" id="{9B7F3105-8D8F-4FF3-9A7F-0F067BB810A1}"/>
+                <a16:creationId xmlns="" xmlns:a16="http://schemas.microsoft.com/office/drawing/2014/main" id="{9B7F3105-8D8F-4FF3-9A7F-0F067BB810A1}"/>
               </a:ext>
             </a:extLst>
           </p:cNvPr>
@@ -7225,7 +7225,7 @@
           <p:cNvPr id="9" name="Espace réservé au numéro de diapositive 8">
             <a:extLst>
               <a:ext uri="{FF2B5EF4-FFF2-40B4-BE49-F238E27FC236}">
-                <a16:creationId xmlns:a16="http://schemas.microsoft.com/office/drawing/2014/main" id="{BD117255-8347-4647-9EA2-7ED06A73C1A2}"/>
+                <a16:creationId xmlns="" xmlns:a16="http://schemas.microsoft.com/office/drawing/2014/main" id="{BD117255-8347-4647-9EA2-7ED06A73C1A2}"/>
               </a:ext>
             </a:extLst>
           </p:cNvPr>
@@ -7256,7 +7256,7 @@
           <p:cNvPr id="11" name="Espace réservé du contenu 2">
             <a:extLst>
               <a:ext uri="{FF2B5EF4-FFF2-40B4-BE49-F238E27FC236}">
-                <a16:creationId xmlns:a16="http://schemas.microsoft.com/office/drawing/2014/main" id="{9F3E8482-B43D-4B69-8645-6B735F91B920}"/>
+                <a16:creationId xmlns="" xmlns:a16="http://schemas.microsoft.com/office/drawing/2014/main" id="{9F3E8482-B43D-4B69-8645-6B735F91B920}"/>
               </a:ext>
             </a:extLst>
           </p:cNvPr>
@@ -7349,7 +7349,7 @@
           <p:cNvPr id="15" name="Rectangle 14">
             <a:extLst>
               <a:ext uri="{FF2B5EF4-FFF2-40B4-BE49-F238E27FC236}">
-                <a16:creationId xmlns:a16="http://schemas.microsoft.com/office/drawing/2014/main" id="{D9BC9CBF-CF7B-4E39-9FD1-961882EC596A}"/>
+                <a16:creationId xmlns="" xmlns:a16="http://schemas.microsoft.com/office/drawing/2014/main" id="{D9BC9CBF-CF7B-4E39-9FD1-961882EC596A}"/>
               </a:ext>
             </a:extLst>
           </p:cNvPr>
@@ -7401,7 +7401,7 @@
           <p:cNvPr id="16" name="Groupe 15">
             <a:extLst>
               <a:ext uri="{FF2B5EF4-FFF2-40B4-BE49-F238E27FC236}">
-                <a16:creationId xmlns:a16="http://schemas.microsoft.com/office/drawing/2014/main" id="{97A3D921-B9D5-42DC-9037-298968D94C95}"/>
+                <a16:creationId xmlns="" xmlns:a16="http://schemas.microsoft.com/office/drawing/2014/main" id="{97A3D921-B9D5-42DC-9037-298968D94C95}"/>
               </a:ext>
             </a:extLst>
           </p:cNvPr>
@@ -7421,7 +7421,7 @@
             <p:cNvPr id="18" name="Rectangle 17">
               <a:extLst>
                 <a:ext uri="{FF2B5EF4-FFF2-40B4-BE49-F238E27FC236}">
-                  <a16:creationId xmlns:a16="http://schemas.microsoft.com/office/drawing/2014/main" id="{6A62F937-16D4-4A6C-B247-D0A62BC6560D}"/>
+                  <a16:creationId xmlns="" xmlns:a16="http://schemas.microsoft.com/office/drawing/2014/main" id="{6A62F937-16D4-4A6C-B247-D0A62BC6560D}"/>
                 </a:ext>
               </a:extLst>
             </p:cNvPr>
@@ -7473,7 +7473,7 @@
             <p:cNvPr id="19" name="Rectangle 18">
               <a:extLst>
                 <a:ext uri="{FF2B5EF4-FFF2-40B4-BE49-F238E27FC236}">
-                  <a16:creationId xmlns:a16="http://schemas.microsoft.com/office/drawing/2014/main" id="{B9335681-5A6F-48BE-8160-2000D0F242FB}"/>
+                  <a16:creationId xmlns="" xmlns:a16="http://schemas.microsoft.com/office/drawing/2014/main" id="{B9335681-5A6F-48BE-8160-2000D0F242FB}"/>
                 </a:ext>
               </a:extLst>
             </p:cNvPr>
@@ -7526,7 +7526,7 @@
           <p:cNvPr id="4" name="Espace réservé du texte 3">
             <a:extLst>
               <a:ext uri="{FF2B5EF4-FFF2-40B4-BE49-F238E27FC236}">
-                <a16:creationId xmlns:a16="http://schemas.microsoft.com/office/drawing/2014/main" id="{F41E2B8D-1C12-403F-BE59-ECC565466CB0}"/>
+                <a16:creationId xmlns="" xmlns:a16="http://schemas.microsoft.com/office/drawing/2014/main" id="{F41E2B8D-1C12-403F-BE59-ECC565466CB0}"/>
               </a:ext>
             </a:extLst>
           </p:cNvPr>
@@ -7604,7 +7604,7 @@
           <p:cNvPr id="2" name="Titre 1">
             <a:extLst>
               <a:ext uri="{FF2B5EF4-FFF2-40B4-BE49-F238E27FC236}">
-                <a16:creationId xmlns:a16="http://schemas.microsoft.com/office/drawing/2014/main" id="{9AF0F519-65FC-434F-8F2F-F778A20A82ED}"/>
+                <a16:creationId xmlns="" xmlns:a16="http://schemas.microsoft.com/office/drawing/2014/main" id="{9AF0F519-65FC-434F-8F2F-F778A20A82ED}"/>
               </a:ext>
             </a:extLst>
           </p:cNvPr>
@@ -7648,7 +7648,7 @@
           <p:cNvPr id="13" name="Rectangle 12" hidden="1">
             <a:extLst>
               <a:ext uri="{FF2B5EF4-FFF2-40B4-BE49-F238E27FC236}">
-                <a16:creationId xmlns:a16="http://schemas.microsoft.com/office/drawing/2014/main" id="{116E8B30-475D-4275-8DC2-14C98F2F9B76}"/>
+                <a16:creationId xmlns="" xmlns:a16="http://schemas.microsoft.com/office/drawing/2014/main" id="{116E8B30-475D-4275-8DC2-14C98F2F9B76}"/>
               </a:ext>
             </a:extLst>
           </p:cNvPr>
@@ -8021,7 +8021,7 @@
           <p:cNvPr id="8" name="Espace réservé du numéro de diapositive 5">
             <a:extLst>
               <a:ext uri="{FF2B5EF4-FFF2-40B4-BE49-F238E27FC236}">
-                <a16:creationId xmlns:a16="http://schemas.microsoft.com/office/drawing/2014/main" id="{F6B8E8FD-E25A-4462-9917-754D6C619C75}"/>
+                <a16:creationId xmlns="" xmlns:a16="http://schemas.microsoft.com/office/drawing/2014/main" id="{F6B8E8FD-E25A-4462-9917-754D6C619C75}"/>
               </a:ext>
             </a:extLst>
           </p:cNvPr>
@@ -8160,7 +8160,7 @@
           <p:cNvPr id="6" name="Espace réservé du pied de page 5">
             <a:extLst>
               <a:ext uri="{FF2B5EF4-FFF2-40B4-BE49-F238E27FC236}">
-                <a16:creationId xmlns:a16="http://schemas.microsoft.com/office/drawing/2014/main" id="{11752D6C-9D51-45A1-A6B7-B21DC9A94A43}"/>
+                <a16:creationId xmlns="" xmlns:a16="http://schemas.microsoft.com/office/drawing/2014/main" id="{11752D6C-9D51-45A1-A6B7-B21DC9A94A43}"/>
               </a:ext>
             </a:extLst>
           </p:cNvPr>
@@ -8189,7 +8189,7 @@
           <p:cNvPr id="11" name="Rectangle 10" descr="Bloc d’accentuation carré ouvert">
             <a:extLst>
               <a:ext uri="{FF2B5EF4-FFF2-40B4-BE49-F238E27FC236}">
-                <a16:creationId xmlns:a16="http://schemas.microsoft.com/office/drawing/2014/main" id="{217FA8D4-1D05-4DF4-AA9D-364B6979733D}"/>
+                <a16:creationId xmlns="" xmlns:a16="http://schemas.microsoft.com/office/drawing/2014/main" id="{217FA8D4-1D05-4DF4-AA9D-364B6979733D}"/>
               </a:ext>
             </a:extLst>
           </p:cNvPr>
@@ -8241,7 +8241,7 @@
           <p:cNvPr id="12" name="Rectangle 11">
             <a:extLst>
               <a:ext uri="{FF2B5EF4-FFF2-40B4-BE49-F238E27FC236}">
-                <a16:creationId xmlns:a16="http://schemas.microsoft.com/office/drawing/2014/main" id="{779B1017-F981-4D2D-A14B-A857FC304F54}"/>
+                <a16:creationId xmlns="" xmlns:a16="http://schemas.microsoft.com/office/drawing/2014/main" id="{779B1017-F981-4D2D-A14B-A857FC304F54}"/>
               </a:ext>
             </a:extLst>
           </p:cNvPr>
@@ -8584,7 +8584,7 @@
           <p:cNvPr id="10" name="Espace réservé du numéro de diapositive 9">
             <a:extLst>
               <a:ext uri="{FF2B5EF4-FFF2-40B4-BE49-F238E27FC236}">
-                <a16:creationId xmlns:a16="http://schemas.microsoft.com/office/drawing/2014/main" id="{9DD85E79-8DB4-4D93-979C-171105321B3E}"/>
+                <a16:creationId xmlns="" xmlns:a16="http://schemas.microsoft.com/office/drawing/2014/main" id="{9DD85E79-8DB4-4D93-979C-171105321B3E}"/>
               </a:ext>
             </a:extLst>
           </p:cNvPr>
@@ -8615,7 +8615,7 @@
           <p:cNvPr id="2" name="Rectangle 1">
             <a:extLst>
               <a:ext uri="{FF2B5EF4-FFF2-40B4-BE49-F238E27FC236}">
-                <a16:creationId xmlns:a16="http://schemas.microsoft.com/office/drawing/2014/main" id="{774F1136-B1CD-4171-BB47-0281C1974B22}"/>
+                <a16:creationId xmlns="" xmlns:a16="http://schemas.microsoft.com/office/drawing/2014/main" id="{774F1136-B1CD-4171-BB47-0281C1974B22}"/>
               </a:ext>
             </a:extLst>
           </p:cNvPr>
@@ -8667,7 +8667,7 @@
           <p:cNvPr id="3" name="Titre 2">
             <a:extLst>
               <a:ext uri="{FF2B5EF4-FFF2-40B4-BE49-F238E27FC236}">
-                <a16:creationId xmlns:a16="http://schemas.microsoft.com/office/drawing/2014/main" id="{389ADD4C-B26C-41B3-B492-DC9D032ACC44}"/>
+                <a16:creationId xmlns="" xmlns:a16="http://schemas.microsoft.com/office/drawing/2014/main" id="{389ADD4C-B26C-41B3-B492-DC9D032ACC44}"/>
               </a:ext>
             </a:extLst>
           </p:cNvPr>
@@ -8727,7 +8727,7 @@
           <p:cNvPr id="6" name="Espace réservé du numéro de diapositive 5">
             <a:extLst>
               <a:ext uri="{FF2B5EF4-FFF2-40B4-BE49-F238E27FC236}">
-                <a16:creationId xmlns:a16="http://schemas.microsoft.com/office/drawing/2014/main" id="{6504862A-62CA-4399-88B0-181961E0F691}"/>
+                <a16:creationId xmlns="" xmlns:a16="http://schemas.microsoft.com/office/drawing/2014/main" id="{6504862A-62CA-4399-88B0-181961E0F691}"/>
               </a:ext>
             </a:extLst>
           </p:cNvPr>
@@ -8866,7 +8866,7 @@
           <p:cNvPr id="7" name="Espace réservé du pied de page 6">
             <a:extLst>
               <a:ext uri="{FF2B5EF4-FFF2-40B4-BE49-F238E27FC236}">
-                <a16:creationId xmlns:a16="http://schemas.microsoft.com/office/drawing/2014/main" id="{A902D481-2888-4133-AD94-7700AA117DFE}"/>
+                <a16:creationId xmlns="" xmlns:a16="http://schemas.microsoft.com/office/drawing/2014/main" id="{A902D481-2888-4133-AD94-7700AA117DFE}"/>
               </a:ext>
             </a:extLst>
           </p:cNvPr>
@@ -8895,7 +8895,7 @@
           <p:cNvPr id="8" name="Espace réservé du numéro de diapositive 7">
             <a:extLst>
               <a:ext uri="{FF2B5EF4-FFF2-40B4-BE49-F238E27FC236}">
-                <a16:creationId xmlns:a16="http://schemas.microsoft.com/office/drawing/2014/main" id="{D2B113A8-E04C-44C2-962F-5FFA40FB7866}"/>
+                <a16:creationId xmlns="" xmlns:a16="http://schemas.microsoft.com/office/drawing/2014/main" id="{D2B113A8-E04C-44C2-962F-5FFA40FB7866}"/>
               </a:ext>
             </a:extLst>
           </p:cNvPr>
@@ -8956,7 +8956,7 @@
           <p:cNvPr id="7" name="Titre 1">
             <a:extLst>
               <a:ext uri="{FF2B5EF4-FFF2-40B4-BE49-F238E27FC236}">
-                <a16:creationId xmlns:a16="http://schemas.microsoft.com/office/drawing/2014/main" id="{B44C8ED9-0534-4EC5-8080-49DFF65B3B51}"/>
+                <a16:creationId xmlns="" xmlns:a16="http://schemas.microsoft.com/office/drawing/2014/main" id="{B44C8ED9-0534-4EC5-8080-49DFF65B3B51}"/>
               </a:ext>
             </a:extLst>
           </p:cNvPr>
@@ -9001,7 +9001,7 @@
           <p:cNvPr id="8" name="Espace réservé du numéro de diapositive 5">
             <a:extLst>
               <a:ext uri="{FF2B5EF4-FFF2-40B4-BE49-F238E27FC236}">
-                <a16:creationId xmlns:a16="http://schemas.microsoft.com/office/drawing/2014/main" id="{F6B8E8FD-E25A-4462-9917-754D6C619C75}"/>
+                <a16:creationId xmlns="" xmlns:a16="http://schemas.microsoft.com/office/drawing/2014/main" id="{F6B8E8FD-E25A-4462-9917-754D6C619C75}"/>
               </a:ext>
             </a:extLst>
           </p:cNvPr>
@@ -9140,7 +9140,7 @@
           <p:cNvPr id="6" name="Espace réservé du pied de page 5">
             <a:extLst>
               <a:ext uri="{FF2B5EF4-FFF2-40B4-BE49-F238E27FC236}">
-                <a16:creationId xmlns:a16="http://schemas.microsoft.com/office/drawing/2014/main" id="{11752D6C-9D51-45A1-A6B7-B21DC9A94A43}"/>
+                <a16:creationId xmlns="" xmlns:a16="http://schemas.microsoft.com/office/drawing/2014/main" id="{11752D6C-9D51-45A1-A6B7-B21DC9A94A43}"/>
               </a:ext>
             </a:extLst>
           </p:cNvPr>
@@ -9169,7 +9169,7 @@
           <p:cNvPr id="11" name="Rectangle 10" descr="Bloc d’accentuation carré ouvert">
             <a:extLst>
               <a:ext uri="{FF2B5EF4-FFF2-40B4-BE49-F238E27FC236}">
-                <a16:creationId xmlns:a16="http://schemas.microsoft.com/office/drawing/2014/main" id="{217FA8D4-1D05-4DF4-AA9D-364B6979733D}"/>
+                <a16:creationId xmlns="" xmlns:a16="http://schemas.microsoft.com/office/drawing/2014/main" id="{217FA8D4-1D05-4DF4-AA9D-364B6979733D}"/>
               </a:ext>
             </a:extLst>
           </p:cNvPr>
@@ -9221,7 +9221,7 @@
           <p:cNvPr id="12" name="Rectangle 11">
             <a:extLst>
               <a:ext uri="{FF2B5EF4-FFF2-40B4-BE49-F238E27FC236}">
-                <a16:creationId xmlns:a16="http://schemas.microsoft.com/office/drawing/2014/main" id="{779B1017-F981-4D2D-A14B-A857FC304F54}"/>
+                <a16:creationId xmlns="" xmlns:a16="http://schemas.microsoft.com/office/drawing/2014/main" id="{779B1017-F981-4D2D-A14B-A857FC304F54}"/>
               </a:ext>
             </a:extLst>
           </p:cNvPr>
@@ -9564,7 +9564,7 @@
           <p:cNvPr id="10" name="Espace réservé du numéro de diapositive 9">
             <a:extLst>
               <a:ext uri="{FF2B5EF4-FFF2-40B4-BE49-F238E27FC236}">
-                <a16:creationId xmlns:a16="http://schemas.microsoft.com/office/drawing/2014/main" id="{9DD85E79-8DB4-4D93-979C-171105321B3E}"/>
+                <a16:creationId xmlns="" xmlns:a16="http://schemas.microsoft.com/office/drawing/2014/main" id="{9DD85E79-8DB4-4D93-979C-171105321B3E}"/>
               </a:ext>
             </a:extLst>
           </p:cNvPr>
@@ -9595,7 +9595,7 @@
           <p:cNvPr id="13" name="Espace réservé du contenu 2">
             <a:extLst>
               <a:ext uri="{FF2B5EF4-FFF2-40B4-BE49-F238E27FC236}">
-                <a16:creationId xmlns:a16="http://schemas.microsoft.com/office/drawing/2014/main" id="{B5B32411-640A-47B5-9A67-FED6430E9A73}"/>
+                <a16:creationId xmlns="" xmlns:a16="http://schemas.microsoft.com/office/drawing/2014/main" id="{B5B32411-640A-47B5-9A67-FED6430E9A73}"/>
               </a:ext>
             </a:extLst>
           </p:cNvPr>
@@ -9691,7 +9691,7 @@
           <p:cNvPr id="10" name="Espace réservé d’image 13">
             <a:extLst>
               <a:ext uri="{FF2B5EF4-FFF2-40B4-BE49-F238E27FC236}">
-                <a16:creationId xmlns:a16="http://schemas.microsoft.com/office/drawing/2014/main" id="{FE1CFFBA-D756-4740-B375-252727F02D1E}"/>
+                <a16:creationId xmlns="" xmlns:a16="http://schemas.microsoft.com/office/drawing/2014/main" id="{FE1CFFBA-D756-4740-B375-252727F02D1E}"/>
               </a:ext>
             </a:extLst>
           </p:cNvPr>
@@ -9731,7 +9731,7 @@
           <p:cNvPr id="2" name="Titre 1">
             <a:extLst>
               <a:ext uri="{FF2B5EF4-FFF2-40B4-BE49-F238E27FC236}">
-                <a16:creationId xmlns:a16="http://schemas.microsoft.com/office/drawing/2014/main" id="{B42DCA22-1DF2-42CB-8741-F0CE575EAFE9}"/>
+                <a16:creationId xmlns="" xmlns:a16="http://schemas.microsoft.com/office/drawing/2014/main" id="{B42DCA22-1DF2-42CB-8741-F0CE575EAFE9}"/>
               </a:ext>
             </a:extLst>
           </p:cNvPr>
@@ -9777,7 +9777,7 @@
           <p:cNvPr id="3" name="Espace réservé du contenu 2">
             <a:extLst>
               <a:ext uri="{FF2B5EF4-FFF2-40B4-BE49-F238E27FC236}">
-                <a16:creationId xmlns:a16="http://schemas.microsoft.com/office/drawing/2014/main" id="{ACDD89F3-6B87-4C54-83B9-A6481CB4FC3A}"/>
+                <a16:creationId xmlns="" xmlns:a16="http://schemas.microsoft.com/office/drawing/2014/main" id="{ACDD89F3-6B87-4C54-83B9-A6481CB4FC3A}"/>
               </a:ext>
             </a:extLst>
           </p:cNvPr>
@@ -9840,7 +9840,7 @@
           <p:cNvPr id="11" name="Graphisme 10">
             <a:extLst>
               <a:ext uri="{FF2B5EF4-FFF2-40B4-BE49-F238E27FC236}">
-                <a16:creationId xmlns:a16="http://schemas.microsoft.com/office/drawing/2014/main" id="{479D679C-E90D-4916-BCE6-71C32B831ECF}"/>
+                <a16:creationId xmlns="" xmlns:a16="http://schemas.microsoft.com/office/drawing/2014/main" id="{479D679C-E90D-4916-BCE6-71C32B831ECF}"/>
               </a:ext>
             </a:extLst>
           </p:cNvPr>
@@ -9876,7 +9876,7 @@
           <p:cNvPr id="6" name="Espace réservé du pied de page 5">
             <a:extLst>
               <a:ext uri="{FF2B5EF4-FFF2-40B4-BE49-F238E27FC236}">
-                <a16:creationId xmlns:a16="http://schemas.microsoft.com/office/drawing/2014/main" id="{75107A3F-3DCD-44DD-AF42-32098DCC3A78}"/>
+                <a16:creationId xmlns="" xmlns:a16="http://schemas.microsoft.com/office/drawing/2014/main" id="{75107A3F-3DCD-44DD-AF42-32098DCC3A78}"/>
               </a:ext>
             </a:extLst>
           </p:cNvPr>
@@ -9905,7 +9905,7 @@
           <p:cNvPr id="7" name="Espace réservé du numéro de diapositive 6">
             <a:extLst>
               <a:ext uri="{FF2B5EF4-FFF2-40B4-BE49-F238E27FC236}">
-                <a16:creationId xmlns:a16="http://schemas.microsoft.com/office/drawing/2014/main" id="{CE1DB279-F403-4D2A-8D1B-FB3C81796B48}"/>
+                <a16:creationId xmlns="" xmlns:a16="http://schemas.microsoft.com/office/drawing/2014/main" id="{CE1DB279-F403-4D2A-8D1B-FB3C81796B48}"/>
               </a:ext>
             </a:extLst>
           </p:cNvPr>
@@ -9982,7 +9982,7 @@
           <p:cNvPr id="10" name="Espace réservé d’image 13">
             <a:extLst>
               <a:ext uri="{FF2B5EF4-FFF2-40B4-BE49-F238E27FC236}">
-                <a16:creationId xmlns:a16="http://schemas.microsoft.com/office/drawing/2014/main" id="{FE1CFFBA-D756-4740-B375-252727F02D1E}"/>
+                <a16:creationId xmlns="" xmlns:a16="http://schemas.microsoft.com/office/drawing/2014/main" id="{FE1CFFBA-D756-4740-B375-252727F02D1E}"/>
               </a:ext>
             </a:extLst>
           </p:cNvPr>
@@ -10022,7 +10022,7 @@
           <p:cNvPr id="12" name="Groupe 11">
             <a:extLst>
               <a:ext uri="{FF2B5EF4-FFF2-40B4-BE49-F238E27FC236}">
-                <a16:creationId xmlns:a16="http://schemas.microsoft.com/office/drawing/2014/main" id="{99325050-38BE-4AB2-B450-8DC9C0EDD386}"/>
+                <a16:creationId xmlns="" xmlns:a16="http://schemas.microsoft.com/office/drawing/2014/main" id="{99325050-38BE-4AB2-B450-8DC9C0EDD386}"/>
               </a:ext>
             </a:extLst>
           </p:cNvPr>
@@ -10042,7 +10042,7 @@
             <p:cNvPr id="13" name="Rectangle 12">
               <a:extLst>
                 <a:ext uri="{FF2B5EF4-FFF2-40B4-BE49-F238E27FC236}">
-                  <a16:creationId xmlns:a16="http://schemas.microsoft.com/office/drawing/2014/main" id="{3D68A4CE-A5FD-4656-82E1-43D586CC441E}"/>
+                  <a16:creationId xmlns="" xmlns:a16="http://schemas.microsoft.com/office/drawing/2014/main" id="{3D68A4CE-A5FD-4656-82E1-43D586CC441E}"/>
                 </a:ext>
               </a:extLst>
             </p:cNvPr>
@@ -10385,7 +10385,7 @@
             <p:cNvPr id="15" name="Graphisme 14">
               <a:extLst>
                 <a:ext uri="{FF2B5EF4-FFF2-40B4-BE49-F238E27FC236}">
-                  <a16:creationId xmlns:a16="http://schemas.microsoft.com/office/drawing/2014/main" id="{E66B1E37-8CEC-44ED-A239-C755B72AC616}"/>
+                  <a16:creationId xmlns="" xmlns:a16="http://schemas.microsoft.com/office/drawing/2014/main" id="{E66B1E37-8CEC-44ED-A239-C755B72AC616}"/>
                 </a:ext>
               </a:extLst>
             </p:cNvPr>
@@ -10421,7 +10421,7 @@
             <p:cNvPr id="14" name="Rectangle 13">
               <a:extLst>
                 <a:ext uri="{FF2B5EF4-FFF2-40B4-BE49-F238E27FC236}">
-                  <a16:creationId xmlns:a16="http://schemas.microsoft.com/office/drawing/2014/main" id="{B7E28405-97F5-4E03-86F1-FAE2FEA6CFF8}"/>
+                  <a16:creationId xmlns="" xmlns:a16="http://schemas.microsoft.com/office/drawing/2014/main" id="{B7E28405-97F5-4E03-86F1-FAE2FEA6CFF8}"/>
                 </a:ext>
               </a:extLst>
             </p:cNvPr>
@@ -10748,7 +10748,7 @@
           <p:cNvPr id="16" name="Titre 1">
             <a:extLst>
               <a:ext uri="{FF2B5EF4-FFF2-40B4-BE49-F238E27FC236}">
-                <a16:creationId xmlns:a16="http://schemas.microsoft.com/office/drawing/2014/main" id="{719FCC9B-E3B8-49CF-BD22-D553FFAAE5D5}"/>
+                <a16:creationId xmlns="" xmlns:a16="http://schemas.microsoft.com/office/drawing/2014/main" id="{719FCC9B-E3B8-49CF-BD22-D553FFAAE5D5}"/>
               </a:ext>
             </a:extLst>
           </p:cNvPr>
@@ -10794,7 +10794,7 @@
           <p:cNvPr id="17" name="Espace réservé du texte 2">
             <a:extLst>
               <a:ext uri="{FF2B5EF4-FFF2-40B4-BE49-F238E27FC236}">
-                <a16:creationId xmlns:a16="http://schemas.microsoft.com/office/drawing/2014/main" id="{4F21EA87-CE67-4A1E-B2E0-513F775C76A7}"/>
+                <a16:creationId xmlns="" xmlns:a16="http://schemas.microsoft.com/office/drawing/2014/main" id="{4F21EA87-CE67-4A1E-B2E0-513F775C76A7}"/>
               </a:ext>
             </a:extLst>
           </p:cNvPr>
@@ -10920,7 +10920,7 @@
           <p:cNvPr id="2" name="Espace réservé du pied de page 1">
             <a:extLst>
               <a:ext uri="{FF2B5EF4-FFF2-40B4-BE49-F238E27FC236}">
-                <a16:creationId xmlns:a16="http://schemas.microsoft.com/office/drawing/2014/main" id="{1A26DCC3-B99B-481C-AC63-F17D5215DCC8}"/>
+                <a16:creationId xmlns="" xmlns:a16="http://schemas.microsoft.com/office/drawing/2014/main" id="{1A26DCC3-B99B-481C-AC63-F17D5215DCC8}"/>
               </a:ext>
             </a:extLst>
           </p:cNvPr>
@@ -10949,7 +10949,7 @@
           <p:cNvPr id="3" name="Espace réservé du numéro de diapositive 2">
             <a:extLst>
               <a:ext uri="{FF2B5EF4-FFF2-40B4-BE49-F238E27FC236}">
-                <a16:creationId xmlns:a16="http://schemas.microsoft.com/office/drawing/2014/main" id="{40D24A36-5F75-40A5-8DA4-0364F4492FC6}"/>
+                <a16:creationId xmlns="" xmlns:a16="http://schemas.microsoft.com/office/drawing/2014/main" id="{40D24A36-5F75-40A5-8DA4-0364F4492FC6}"/>
               </a:ext>
             </a:extLst>
           </p:cNvPr>
@@ -11026,7 +11026,7 @@
           <p:cNvPr id="7" name="Espace réservé d’image 13">
             <a:extLst>
               <a:ext uri="{FF2B5EF4-FFF2-40B4-BE49-F238E27FC236}">
-                <a16:creationId xmlns:a16="http://schemas.microsoft.com/office/drawing/2014/main" id="{B599FEC8-12D0-4EB5-8573-C891D56C84E0}"/>
+                <a16:creationId xmlns="" xmlns:a16="http://schemas.microsoft.com/office/drawing/2014/main" id="{B599FEC8-12D0-4EB5-8573-C891D56C84E0}"/>
               </a:ext>
             </a:extLst>
           </p:cNvPr>
@@ -11066,7 +11066,7 @@
           <p:cNvPr id="14" name="Groupe 13">
             <a:extLst>
               <a:ext uri="{FF2B5EF4-FFF2-40B4-BE49-F238E27FC236}">
-                <a16:creationId xmlns:a16="http://schemas.microsoft.com/office/drawing/2014/main" id="{7BF3BF7F-F094-497C-9310-2FE8B059E82B}"/>
+                <a16:creationId xmlns="" xmlns:a16="http://schemas.microsoft.com/office/drawing/2014/main" id="{7BF3BF7F-F094-497C-9310-2FE8B059E82B}"/>
               </a:ext>
             </a:extLst>
           </p:cNvPr>
@@ -11086,7 +11086,7 @@
             <p:cNvPr id="15" name="Rectangle 14">
               <a:extLst>
                 <a:ext uri="{FF2B5EF4-FFF2-40B4-BE49-F238E27FC236}">
-                  <a16:creationId xmlns:a16="http://schemas.microsoft.com/office/drawing/2014/main" id="{2D49E498-4E90-44A2-B49F-157DFF9E8581}"/>
+                  <a16:creationId xmlns="" xmlns:a16="http://schemas.microsoft.com/office/drawing/2014/main" id="{2D49E498-4E90-44A2-B49F-157DFF9E8581}"/>
                 </a:ext>
               </a:extLst>
             </p:cNvPr>
@@ -11429,7 +11429,7 @@
             <p:cNvPr id="17" name="Graphisme 16">
               <a:extLst>
                 <a:ext uri="{FF2B5EF4-FFF2-40B4-BE49-F238E27FC236}">
-                  <a16:creationId xmlns:a16="http://schemas.microsoft.com/office/drawing/2014/main" id="{B2D9F108-8C30-4BEC-8122-BE2632644482}"/>
+                  <a16:creationId xmlns="" xmlns:a16="http://schemas.microsoft.com/office/drawing/2014/main" id="{B2D9F108-8C30-4BEC-8122-BE2632644482}"/>
                 </a:ext>
               </a:extLst>
             </p:cNvPr>
@@ -11465,7 +11465,7 @@
             <p:cNvPr id="16" name="Rectangle 15">
               <a:extLst>
                 <a:ext uri="{FF2B5EF4-FFF2-40B4-BE49-F238E27FC236}">
-                  <a16:creationId xmlns:a16="http://schemas.microsoft.com/office/drawing/2014/main" id="{FAB546B5-7C56-40DD-B1DF-AE850DE5FDB3}"/>
+                  <a16:creationId xmlns="" xmlns:a16="http://schemas.microsoft.com/office/drawing/2014/main" id="{FAB546B5-7C56-40DD-B1DF-AE850DE5FDB3}"/>
                 </a:ext>
               </a:extLst>
             </p:cNvPr>
@@ -11792,7 +11792,7 @@
           <p:cNvPr id="8" name="Titre 1">
             <a:extLst>
               <a:ext uri="{FF2B5EF4-FFF2-40B4-BE49-F238E27FC236}">
-                <a16:creationId xmlns:a16="http://schemas.microsoft.com/office/drawing/2014/main" id="{4C30FD01-9DD8-4ECA-AC52-7C41002A99B3}"/>
+                <a16:creationId xmlns="" xmlns:a16="http://schemas.microsoft.com/office/drawing/2014/main" id="{4C30FD01-9DD8-4ECA-AC52-7C41002A99B3}"/>
               </a:ext>
             </a:extLst>
           </p:cNvPr>
@@ -11838,7 +11838,7 @@
           <p:cNvPr id="22" name="Espace réservé du texte 2">
             <a:extLst>
               <a:ext uri="{FF2B5EF4-FFF2-40B4-BE49-F238E27FC236}">
-                <a16:creationId xmlns:a16="http://schemas.microsoft.com/office/drawing/2014/main" id="{74491700-C4EB-4143-ACD3-DE153BF9DD99}"/>
+                <a16:creationId xmlns="" xmlns:a16="http://schemas.microsoft.com/office/drawing/2014/main" id="{74491700-C4EB-4143-ACD3-DE153BF9DD99}"/>
               </a:ext>
             </a:extLst>
           </p:cNvPr>
@@ -11964,7 +11964,7 @@
           <p:cNvPr id="3" name="Espace réservé du numéro de diapositive 2">
             <a:extLst>
               <a:ext uri="{FF2B5EF4-FFF2-40B4-BE49-F238E27FC236}">
-                <a16:creationId xmlns:a16="http://schemas.microsoft.com/office/drawing/2014/main" id="{D11BF64E-D1E6-463D-B3F0-1491C107C8B1}"/>
+                <a16:creationId xmlns="" xmlns:a16="http://schemas.microsoft.com/office/drawing/2014/main" id="{D11BF64E-D1E6-463D-B3F0-1491C107C8B1}"/>
               </a:ext>
             </a:extLst>
           </p:cNvPr>
@@ -11995,7 +11995,7 @@
           <p:cNvPr id="2" name="Espace réservé du pied de page 1">
             <a:extLst>
               <a:ext uri="{FF2B5EF4-FFF2-40B4-BE49-F238E27FC236}">
-                <a16:creationId xmlns:a16="http://schemas.microsoft.com/office/drawing/2014/main" id="{1149EC66-F633-4F8B-BA43-E48843E5AD21}"/>
+                <a16:creationId xmlns="" xmlns:a16="http://schemas.microsoft.com/office/drawing/2014/main" id="{1149EC66-F633-4F8B-BA43-E48843E5AD21}"/>
               </a:ext>
             </a:extLst>
           </p:cNvPr>
@@ -12062,7 +12062,7 @@
           <p:cNvPr id="17" name="Rectangle 16">
             <a:extLst>
               <a:ext uri="{FF2B5EF4-FFF2-40B4-BE49-F238E27FC236}">
-                <a16:creationId xmlns:a16="http://schemas.microsoft.com/office/drawing/2014/main" id="{CC3A4379-5E89-42FE-AA5C-BEA0CDFCDD6F}"/>
+                <a16:creationId xmlns="" xmlns:a16="http://schemas.microsoft.com/office/drawing/2014/main" id="{CC3A4379-5E89-42FE-AA5C-BEA0CDFCDD6F}"/>
               </a:ext>
             </a:extLst>
           </p:cNvPr>
@@ -12405,7 +12405,7 @@
           <p:cNvPr id="3" name="Espace réservé du texte 2">
             <a:extLst>
               <a:ext uri="{FF2B5EF4-FFF2-40B4-BE49-F238E27FC236}">
-                <a16:creationId xmlns:a16="http://schemas.microsoft.com/office/drawing/2014/main" id="{CF38A5A1-070F-43C9-B2D5-C557B0D72B9C}"/>
+                <a16:creationId xmlns="" xmlns:a16="http://schemas.microsoft.com/office/drawing/2014/main" id="{CF38A5A1-070F-43C9-B2D5-C557B0D72B9C}"/>
               </a:ext>
             </a:extLst>
           </p:cNvPr>
@@ -12486,7 +12486,7 @@
           <p:cNvPr id="4" name="Espace réservé du contenu 3">
             <a:extLst>
               <a:ext uri="{FF2B5EF4-FFF2-40B4-BE49-F238E27FC236}">
-                <a16:creationId xmlns:a16="http://schemas.microsoft.com/office/drawing/2014/main" id="{FECCBEC1-2F48-4E90-ADF0-BEE2B9E477B0}"/>
+                <a16:creationId xmlns="" xmlns:a16="http://schemas.microsoft.com/office/drawing/2014/main" id="{FECCBEC1-2F48-4E90-ADF0-BEE2B9E477B0}"/>
               </a:ext>
             </a:extLst>
           </p:cNvPr>
@@ -12602,7 +12602,7 @@
           <p:cNvPr id="11" name="Espace réservé du texte 2">
             <a:extLst>
               <a:ext uri="{FF2B5EF4-FFF2-40B4-BE49-F238E27FC236}">
-                <a16:creationId xmlns:a16="http://schemas.microsoft.com/office/drawing/2014/main" id="{367F380C-58A9-4490-AC57-579A90290F36}"/>
+                <a16:creationId xmlns="" xmlns:a16="http://schemas.microsoft.com/office/drawing/2014/main" id="{367F380C-58A9-4490-AC57-579A90290F36}"/>
               </a:ext>
             </a:extLst>
           </p:cNvPr>
@@ -12683,7 +12683,7 @@
           <p:cNvPr id="12" name="Espace réservé du contenu 3">
             <a:extLst>
               <a:ext uri="{FF2B5EF4-FFF2-40B4-BE49-F238E27FC236}">
-                <a16:creationId xmlns:a16="http://schemas.microsoft.com/office/drawing/2014/main" id="{DA285A94-0E4E-47DC-8E61-41F684F37003}"/>
+                <a16:creationId xmlns="" xmlns:a16="http://schemas.microsoft.com/office/drawing/2014/main" id="{DA285A94-0E4E-47DC-8E61-41F684F37003}"/>
               </a:ext>
             </a:extLst>
           </p:cNvPr>
@@ -12799,7 +12799,7 @@
           <p:cNvPr id="18" name="Rectangle 17">
             <a:extLst>
               <a:ext uri="{FF2B5EF4-FFF2-40B4-BE49-F238E27FC236}">
-                <a16:creationId xmlns:a16="http://schemas.microsoft.com/office/drawing/2014/main" id="{6EDCBFD0-7AE5-4346-AD3A-01F956626091}"/>
+                <a16:creationId xmlns="" xmlns:a16="http://schemas.microsoft.com/office/drawing/2014/main" id="{6EDCBFD0-7AE5-4346-AD3A-01F956626091}"/>
               </a:ext>
             </a:extLst>
           </p:cNvPr>
@@ -13125,7 +13125,7 @@
           <p:cNvPr id="16" name="Espace réservé d’image 13">
             <a:extLst>
               <a:ext uri="{FF2B5EF4-FFF2-40B4-BE49-F238E27FC236}">
-                <a16:creationId xmlns:a16="http://schemas.microsoft.com/office/drawing/2014/main" id="{354FBDC8-CD65-4972-A821-C25297B1A8AB}"/>
+                <a16:creationId xmlns="" xmlns:a16="http://schemas.microsoft.com/office/drawing/2014/main" id="{354FBDC8-CD65-4972-A821-C25297B1A8AB}"/>
               </a:ext>
             </a:extLst>
           </p:cNvPr>
@@ -13163,7 +13163,7 @@
           <p:cNvPr id="2" name="Espace réservé du pied de page 1">
             <a:extLst>
               <a:ext uri="{FF2B5EF4-FFF2-40B4-BE49-F238E27FC236}">
-                <a16:creationId xmlns:a16="http://schemas.microsoft.com/office/drawing/2014/main" id="{0C0FCBE5-63C0-4DC7-8687-C2C76ABBDDB2}"/>
+                <a16:creationId xmlns="" xmlns:a16="http://schemas.microsoft.com/office/drawing/2014/main" id="{0C0FCBE5-63C0-4DC7-8687-C2C76ABBDDB2}"/>
               </a:ext>
             </a:extLst>
           </p:cNvPr>
@@ -13192,7 +13192,7 @@
           <p:cNvPr id="5" name="Espace réservé du numéro de diapositive 4">
             <a:extLst>
               <a:ext uri="{FF2B5EF4-FFF2-40B4-BE49-F238E27FC236}">
-                <a16:creationId xmlns:a16="http://schemas.microsoft.com/office/drawing/2014/main" id="{D0F240C4-B3CD-49AA-8C48-9FE7AA1FE3D0}"/>
+                <a16:creationId xmlns="" xmlns:a16="http://schemas.microsoft.com/office/drawing/2014/main" id="{D0F240C4-B3CD-49AA-8C48-9FE7AA1FE3D0}"/>
               </a:ext>
             </a:extLst>
           </p:cNvPr>
@@ -13223,7 +13223,7 @@
           <p:cNvPr id="6" name="Title 5" hidden="1">
             <a:extLst>
               <a:ext uri="{FF2B5EF4-FFF2-40B4-BE49-F238E27FC236}">
-                <a16:creationId xmlns:a16="http://schemas.microsoft.com/office/drawing/2014/main" id="{A43A44DE-9B7B-49B8-AE13-95164A3FA9F1}"/>
+                <a16:creationId xmlns="" xmlns:a16="http://schemas.microsoft.com/office/drawing/2014/main" id="{A43A44DE-9B7B-49B8-AE13-95164A3FA9F1}"/>
               </a:ext>
             </a:extLst>
           </p:cNvPr>
@@ -13294,7 +13294,7 @@
           <p:cNvPr id="3" name="Espace réservé d’image 2">
             <a:extLst>
               <a:ext uri="{FF2B5EF4-FFF2-40B4-BE49-F238E27FC236}">
-                <a16:creationId xmlns:a16="http://schemas.microsoft.com/office/drawing/2014/main" id="{CAE90E16-AEC5-4F82-85B0-DDEA26AA939A}"/>
+                <a16:creationId xmlns="" xmlns:a16="http://schemas.microsoft.com/office/drawing/2014/main" id="{CAE90E16-AEC5-4F82-85B0-DDEA26AA939A}"/>
               </a:ext>
             </a:extLst>
           </p:cNvPr>
@@ -13366,7 +13366,7 @@
           <p:cNvPr id="10" name="Rectangle 9">
             <a:extLst>
               <a:ext uri="{FF2B5EF4-FFF2-40B4-BE49-F238E27FC236}">
-                <a16:creationId xmlns:a16="http://schemas.microsoft.com/office/drawing/2014/main" id="{ABD40C7A-92CE-46D6-B056-C75D73663328}"/>
+                <a16:creationId xmlns="" xmlns:a16="http://schemas.microsoft.com/office/drawing/2014/main" id="{ABD40C7A-92CE-46D6-B056-C75D73663328}"/>
               </a:ext>
             </a:extLst>
           </p:cNvPr>
@@ -13418,7 +13418,7 @@
           <p:cNvPr id="13" name="Rectangle 12">
             <a:extLst>
               <a:ext uri="{FF2B5EF4-FFF2-40B4-BE49-F238E27FC236}">
-                <a16:creationId xmlns:a16="http://schemas.microsoft.com/office/drawing/2014/main" id="{EA1A2116-206B-49CD-9ECC-078E4F72904C}"/>
+                <a16:creationId xmlns="" xmlns:a16="http://schemas.microsoft.com/office/drawing/2014/main" id="{EA1A2116-206B-49CD-9ECC-078E4F72904C}"/>
               </a:ext>
             </a:extLst>
           </p:cNvPr>
@@ -13761,7 +13761,7 @@
           <p:cNvPr id="14" name="Rectangle 13">
             <a:extLst>
               <a:ext uri="{FF2B5EF4-FFF2-40B4-BE49-F238E27FC236}">
-                <a16:creationId xmlns:a16="http://schemas.microsoft.com/office/drawing/2014/main" id="{A69E75A6-06C5-49D0-9164-3098CE0E53D8}"/>
+                <a16:creationId xmlns="" xmlns:a16="http://schemas.microsoft.com/office/drawing/2014/main" id="{A69E75A6-06C5-49D0-9164-3098CE0E53D8}"/>
               </a:ext>
             </a:extLst>
           </p:cNvPr>
@@ -13813,7 +13813,7 @@
           <p:cNvPr id="2" name="Titre 1">
             <a:extLst>
               <a:ext uri="{FF2B5EF4-FFF2-40B4-BE49-F238E27FC236}">
-                <a16:creationId xmlns:a16="http://schemas.microsoft.com/office/drawing/2014/main" id="{9AF0F519-65FC-434F-8F2F-F778A20A82ED}"/>
+                <a16:creationId xmlns="" xmlns:a16="http://schemas.microsoft.com/office/drawing/2014/main" id="{9AF0F519-65FC-434F-8F2F-F778A20A82ED}"/>
               </a:ext>
             </a:extLst>
           </p:cNvPr>
@@ -13857,7 +13857,7 @@
           <p:cNvPr id="4" name="Espace réservé du texte 3">
             <a:extLst>
               <a:ext uri="{FF2B5EF4-FFF2-40B4-BE49-F238E27FC236}">
-                <a16:creationId xmlns:a16="http://schemas.microsoft.com/office/drawing/2014/main" id="{F41E2B8D-1C12-403F-BE59-ECC565466CB0}"/>
+                <a16:creationId xmlns="" xmlns:a16="http://schemas.microsoft.com/office/drawing/2014/main" id="{F41E2B8D-1C12-403F-BE59-ECC565466CB0}"/>
               </a:ext>
             </a:extLst>
           </p:cNvPr>
@@ -13935,7 +13935,7 @@
           <p:cNvPr id="11" name="Espace réservé du texte 2">
             <a:extLst>
               <a:ext uri="{FF2B5EF4-FFF2-40B4-BE49-F238E27FC236}">
-                <a16:creationId xmlns:a16="http://schemas.microsoft.com/office/drawing/2014/main" id="{D9EF0584-D46D-4C21-99D2-074ADF23E018}"/>
+                <a16:creationId xmlns="" xmlns:a16="http://schemas.microsoft.com/office/drawing/2014/main" id="{D9EF0584-D46D-4C21-99D2-074ADF23E018}"/>
               </a:ext>
             </a:extLst>
           </p:cNvPr>
@@ -14061,7 +14061,7 @@
           <p:cNvPr id="8" name="Espace réservé du pied de page 7">
             <a:extLst>
               <a:ext uri="{FF2B5EF4-FFF2-40B4-BE49-F238E27FC236}">
-                <a16:creationId xmlns:a16="http://schemas.microsoft.com/office/drawing/2014/main" id="{86AFC205-B079-430E-B82F-CBF6F56DE09D}"/>
+                <a16:creationId xmlns="" xmlns:a16="http://schemas.microsoft.com/office/drawing/2014/main" id="{86AFC205-B079-430E-B82F-CBF6F56DE09D}"/>
               </a:ext>
             </a:extLst>
           </p:cNvPr>
@@ -14090,7 +14090,7 @@
           <p:cNvPr id="12" name="Espace réservé du numéro de diapositive 11">
             <a:extLst>
               <a:ext uri="{FF2B5EF4-FFF2-40B4-BE49-F238E27FC236}">
-                <a16:creationId xmlns:a16="http://schemas.microsoft.com/office/drawing/2014/main" id="{E82B84E2-AAE4-4BC1-8C01-AF4ABADD6EDE}"/>
+                <a16:creationId xmlns="" xmlns:a16="http://schemas.microsoft.com/office/drawing/2014/main" id="{E82B84E2-AAE4-4BC1-8C01-AF4ABADD6EDE}"/>
               </a:ext>
             </a:extLst>
           </p:cNvPr>
@@ -14151,7 +14151,7 @@
           <p:cNvPr id="9" name="Espace réservé d’image 13">
             <a:extLst>
               <a:ext uri="{FF2B5EF4-FFF2-40B4-BE49-F238E27FC236}">
-                <a16:creationId xmlns:a16="http://schemas.microsoft.com/office/drawing/2014/main" id="{0CBD5E02-927B-4DF7-8968-617C1C8F0F0E}"/>
+                <a16:creationId xmlns="" xmlns:a16="http://schemas.microsoft.com/office/drawing/2014/main" id="{0CBD5E02-927B-4DF7-8968-617C1C8F0F0E}"/>
               </a:ext>
             </a:extLst>
           </p:cNvPr>
@@ -14191,7 +14191,7 @@
           <p:cNvPr id="5" name="Groupe 4">
             <a:extLst>
               <a:ext uri="{FF2B5EF4-FFF2-40B4-BE49-F238E27FC236}">
-                <a16:creationId xmlns:a16="http://schemas.microsoft.com/office/drawing/2014/main" id="{1E8CB484-5390-4B2F-9BFB-D0733BEE88A5}"/>
+                <a16:creationId xmlns="" xmlns:a16="http://schemas.microsoft.com/office/drawing/2014/main" id="{1E8CB484-5390-4B2F-9BFB-D0733BEE88A5}"/>
               </a:ext>
             </a:extLst>
           </p:cNvPr>
@@ -14211,7 +14211,7 @@
             <p:cNvPr id="23" name="Rectangle 22">
               <a:extLst>
                 <a:ext uri="{FF2B5EF4-FFF2-40B4-BE49-F238E27FC236}">
-                  <a16:creationId xmlns:a16="http://schemas.microsoft.com/office/drawing/2014/main" id="{36778BD9-B865-4156-B319-6A8242F0D4D5}"/>
+                  <a16:creationId xmlns="" xmlns:a16="http://schemas.microsoft.com/office/drawing/2014/main" id="{36778BD9-B865-4156-B319-6A8242F0D4D5}"/>
                 </a:ext>
               </a:extLst>
             </p:cNvPr>
@@ -14263,7 +14263,7 @@
             <p:cNvPr id="24" name="Rectangle 23">
               <a:extLst>
                 <a:ext uri="{FF2B5EF4-FFF2-40B4-BE49-F238E27FC236}">
-                  <a16:creationId xmlns:a16="http://schemas.microsoft.com/office/drawing/2014/main" id="{A8354BDC-9788-4AB5-A841-99D95C68804F}"/>
+                  <a16:creationId xmlns="" xmlns:a16="http://schemas.microsoft.com/office/drawing/2014/main" id="{A8354BDC-9788-4AB5-A841-99D95C68804F}"/>
                 </a:ext>
               </a:extLst>
             </p:cNvPr>
@@ -14606,7 +14606,7 @@
             <p:cNvPr id="25" name="Rectangle 24">
               <a:extLst>
                 <a:ext uri="{FF2B5EF4-FFF2-40B4-BE49-F238E27FC236}">
-                  <a16:creationId xmlns:a16="http://schemas.microsoft.com/office/drawing/2014/main" id="{AEB70006-7799-4F63-912B-45662CE14500}"/>
+                  <a16:creationId xmlns="" xmlns:a16="http://schemas.microsoft.com/office/drawing/2014/main" id="{AEB70006-7799-4F63-912B-45662CE14500}"/>
                 </a:ext>
               </a:extLst>
             </p:cNvPr>
@@ -14659,7 +14659,7 @@
           <p:cNvPr id="2" name="Titre 1">
             <a:extLst>
               <a:ext uri="{FF2B5EF4-FFF2-40B4-BE49-F238E27FC236}">
-                <a16:creationId xmlns:a16="http://schemas.microsoft.com/office/drawing/2014/main" id="{004074E6-E39E-4D19-B91F-8E84F37CBF3C}"/>
+                <a16:creationId xmlns="" xmlns:a16="http://schemas.microsoft.com/office/drawing/2014/main" id="{004074E6-E39E-4D19-B91F-8E84F37CBF3C}"/>
               </a:ext>
             </a:extLst>
           </p:cNvPr>
@@ -14704,7 +14704,7 @@
           <p:cNvPr id="3" name="Espace réservé du contenu 2">
             <a:extLst>
               <a:ext uri="{FF2B5EF4-FFF2-40B4-BE49-F238E27FC236}">
-                <a16:creationId xmlns:a16="http://schemas.microsoft.com/office/drawing/2014/main" id="{607D1B16-7058-45AD-9B19-E19CAF96683B}"/>
+                <a16:creationId xmlns="" xmlns:a16="http://schemas.microsoft.com/office/drawing/2014/main" id="{607D1B16-7058-45AD-9B19-E19CAF96683B}"/>
               </a:ext>
             </a:extLst>
           </p:cNvPr>
@@ -14820,7 +14820,7 @@
           <p:cNvPr id="7" name="Espace réservé du texte 2">
             <a:extLst>
               <a:ext uri="{FF2B5EF4-FFF2-40B4-BE49-F238E27FC236}">
-                <a16:creationId xmlns:a16="http://schemas.microsoft.com/office/drawing/2014/main" id="{6CAAB964-0A56-4842-AA82-7610F726CD14}"/>
+                <a16:creationId xmlns="" xmlns:a16="http://schemas.microsoft.com/office/drawing/2014/main" id="{6CAAB964-0A56-4842-AA82-7610F726CD14}"/>
               </a:ext>
             </a:extLst>
           </p:cNvPr>
@@ -14946,7 +14946,7 @@
           <p:cNvPr id="6" name="Espace réservé du numéro de diapositive 5">
             <a:extLst>
               <a:ext uri="{FF2B5EF4-FFF2-40B4-BE49-F238E27FC236}">
-                <a16:creationId xmlns:a16="http://schemas.microsoft.com/office/drawing/2014/main" id="{93F3FF75-3EF1-4F7E-9040-8B957B4D277C}"/>
+                <a16:creationId xmlns="" xmlns:a16="http://schemas.microsoft.com/office/drawing/2014/main" id="{93F3FF75-3EF1-4F7E-9040-8B957B4D277C}"/>
               </a:ext>
             </a:extLst>
           </p:cNvPr>
@@ -15023,7 +15023,7 @@
           <p:cNvPr id="6" name="Espace réservé du contenu 5">
             <a:extLst>
               <a:ext uri="{FF2B5EF4-FFF2-40B4-BE49-F238E27FC236}">
-                <a16:creationId xmlns:a16="http://schemas.microsoft.com/office/drawing/2014/main" id="{C42E9CCD-6BB8-4209-A6BA-851867956084}"/>
+                <a16:creationId xmlns="" xmlns:a16="http://schemas.microsoft.com/office/drawing/2014/main" id="{C42E9CCD-6BB8-4209-A6BA-851867956084}"/>
               </a:ext>
             </a:extLst>
           </p:cNvPr>
@@ -15086,7 +15086,7 @@
           <p:cNvPr id="5" name="Groupe 4">
             <a:extLst>
               <a:ext uri="{FF2B5EF4-FFF2-40B4-BE49-F238E27FC236}">
-                <a16:creationId xmlns:a16="http://schemas.microsoft.com/office/drawing/2014/main" id="{1E8CB484-5390-4B2F-9BFB-D0733BEE88A5}"/>
+                <a16:creationId xmlns="" xmlns:a16="http://schemas.microsoft.com/office/drawing/2014/main" id="{1E8CB484-5390-4B2F-9BFB-D0733BEE88A5}"/>
               </a:ext>
             </a:extLst>
           </p:cNvPr>
@@ -15106,7 +15106,7 @@
             <p:cNvPr id="24" name="Rectangle 23">
               <a:extLst>
                 <a:ext uri="{FF2B5EF4-FFF2-40B4-BE49-F238E27FC236}">
-                  <a16:creationId xmlns:a16="http://schemas.microsoft.com/office/drawing/2014/main" id="{A8354BDC-9788-4AB5-A841-99D95C68804F}"/>
+                  <a16:creationId xmlns="" xmlns:a16="http://schemas.microsoft.com/office/drawing/2014/main" id="{A8354BDC-9788-4AB5-A841-99D95C68804F}"/>
                 </a:ext>
               </a:extLst>
             </p:cNvPr>
@@ -15449,7 +15449,7 @@
             <p:cNvPr id="23" name="Rectangle 22">
               <a:extLst>
                 <a:ext uri="{FF2B5EF4-FFF2-40B4-BE49-F238E27FC236}">
-                  <a16:creationId xmlns:a16="http://schemas.microsoft.com/office/drawing/2014/main" id="{36778BD9-B865-4156-B319-6A8242F0D4D5}"/>
+                  <a16:creationId xmlns="" xmlns:a16="http://schemas.microsoft.com/office/drawing/2014/main" id="{36778BD9-B865-4156-B319-6A8242F0D4D5}"/>
                 </a:ext>
               </a:extLst>
             </p:cNvPr>
@@ -15501,7 +15501,7 @@
             <p:cNvPr id="25" name="Rectangle 24">
               <a:extLst>
                 <a:ext uri="{FF2B5EF4-FFF2-40B4-BE49-F238E27FC236}">
-                  <a16:creationId xmlns:a16="http://schemas.microsoft.com/office/drawing/2014/main" id="{AEB70006-7799-4F63-912B-45662CE14500}"/>
+                  <a16:creationId xmlns="" xmlns:a16="http://schemas.microsoft.com/office/drawing/2014/main" id="{AEB70006-7799-4F63-912B-45662CE14500}"/>
                 </a:ext>
               </a:extLst>
             </p:cNvPr>
@@ -15554,7 +15554,7 @@
           <p:cNvPr id="2" name="Titre 1">
             <a:extLst>
               <a:ext uri="{FF2B5EF4-FFF2-40B4-BE49-F238E27FC236}">
-                <a16:creationId xmlns:a16="http://schemas.microsoft.com/office/drawing/2014/main" id="{004074E6-E39E-4D19-B91F-8E84F37CBF3C}"/>
+                <a16:creationId xmlns="" xmlns:a16="http://schemas.microsoft.com/office/drawing/2014/main" id="{004074E6-E39E-4D19-B91F-8E84F37CBF3C}"/>
               </a:ext>
             </a:extLst>
           </p:cNvPr>
@@ -15599,7 +15599,7 @@
           <p:cNvPr id="3" name="Espace réservé du contenu 2">
             <a:extLst>
               <a:ext uri="{FF2B5EF4-FFF2-40B4-BE49-F238E27FC236}">
-                <a16:creationId xmlns:a16="http://schemas.microsoft.com/office/drawing/2014/main" id="{607D1B16-7058-45AD-9B19-E19CAF96683B}"/>
+                <a16:creationId xmlns="" xmlns:a16="http://schemas.microsoft.com/office/drawing/2014/main" id="{607D1B16-7058-45AD-9B19-E19CAF96683B}"/>
               </a:ext>
             </a:extLst>
           </p:cNvPr>
@@ -15715,7 +15715,7 @@
           <p:cNvPr id="7" name="Espace réservé du texte 2">
             <a:extLst>
               <a:ext uri="{FF2B5EF4-FFF2-40B4-BE49-F238E27FC236}">
-                <a16:creationId xmlns:a16="http://schemas.microsoft.com/office/drawing/2014/main" id="{6CAAB964-0A56-4842-AA82-7610F726CD14}"/>
+                <a16:creationId xmlns="" xmlns:a16="http://schemas.microsoft.com/office/drawing/2014/main" id="{6CAAB964-0A56-4842-AA82-7610F726CD14}"/>
               </a:ext>
             </a:extLst>
           </p:cNvPr>
@@ -15841,7 +15841,7 @@
           <p:cNvPr id="4" name="Espace réservé du pied de page 3">
             <a:extLst>
               <a:ext uri="{FF2B5EF4-FFF2-40B4-BE49-F238E27FC236}">
-                <a16:creationId xmlns:a16="http://schemas.microsoft.com/office/drawing/2014/main" id="{01A066D4-321A-48BF-84C2-18FC1D7184A7}"/>
+                <a16:creationId xmlns="" xmlns:a16="http://schemas.microsoft.com/office/drawing/2014/main" id="{01A066D4-321A-48BF-84C2-18FC1D7184A7}"/>
               </a:ext>
             </a:extLst>
           </p:cNvPr>
@@ -15870,7 +15870,7 @@
           <p:cNvPr id="8" name="Espace réservé du numéro de diapositive 7">
             <a:extLst>
               <a:ext uri="{FF2B5EF4-FFF2-40B4-BE49-F238E27FC236}">
-                <a16:creationId xmlns:a16="http://schemas.microsoft.com/office/drawing/2014/main" id="{0CDB4336-A0EC-4019-904C-112405358769}"/>
+                <a16:creationId xmlns="" xmlns:a16="http://schemas.microsoft.com/office/drawing/2014/main" id="{0CDB4336-A0EC-4019-904C-112405358769}"/>
               </a:ext>
             </a:extLst>
           </p:cNvPr>
@@ -15955,7 +15955,7 @@
           <p:cNvPr id="8" name="Rectangle : Coin rogné 7">
             <a:extLst>
               <a:ext uri="{FF2B5EF4-FFF2-40B4-BE49-F238E27FC236}">
-                <a16:creationId xmlns:a16="http://schemas.microsoft.com/office/drawing/2014/main" id="{C39E4676-2097-45B1-B554-0DFE67952792}"/>
+                <a16:creationId xmlns="" xmlns:a16="http://schemas.microsoft.com/office/drawing/2014/main" id="{C39E4676-2097-45B1-B554-0DFE67952792}"/>
               </a:ext>
             </a:extLst>
           </p:cNvPr>
@@ -16007,7 +16007,7 @@
           <p:cNvPr id="2" name="Espace réservé du titre 1">
             <a:extLst>
               <a:ext uri="{FF2B5EF4-FFF2-40B4-BE49-F238E27FC236}">
-                <a16:creationId xmlns:a16="http://schemas.microsoft.com/office/drawing/2014/main" id="{7F27C465-B000-4905-9328-DBAB7930A0CF}"/>
+                <a16:creationId xmlns="" xmlns:a16="http://schemas.microsoft.com/office/drawing/2014/main" id="{7F27C465-B000-4905-9328-DBAB7930A0CF}"/>
               </a:ext>
             </a:extLst>
           </p:cNvPr>
@@ -16046,7 +16046,7 @@
           <p:cNvPr id="3" name="Espace réservé du texte 2">
             <a:extLst>
               <a:ext uri="{FF2B5EF4-FFF2-40B4-BE49-F238E27FC236}">
-                <a16:creationId xmlns:a16="http://schemas.microsoft.com/office/drawing/2014/main" id="{FBBF3059-D5B9-418C-A60B-C3C8E261E486}"/>
+                <a16:creationId xmlns="" xmlns:a16="http://schemas.microsoft.com/office/drawing/2014/main" id="{FBBF3059-D5B9-418C-A60B-C3C8E261E486}"/>
               </a:ext>
             </a:extLst>
           </p:cNvPr>
@@ -16113,7 +16113,7 @@
           <p:cNvPr id="5" name="Espace réservé du pied de page 4">
             <a:extLst>
               <a:ext uri="{FF2B5EF4-FFF2-40B4-BE49-F238E27FC236}">
-                <a16:creationId xmlns:a16="http://schemas.microsoft.com/office/drawing/2014/main" id="{E087F727-48BD-4EB4-B57F-5AC03BEB1A4D}"/>
+                <a16:creationId xmlns="" xmlns:a16="http://schemas.microsoft.com/office/drawing/2014/main" id="{E087F727-48BD-4EB4-B57F-5AC03BEB1A4D}"/>
               </a:ext>
             </a:extLst>
           </p:cNvPr>
@@ -16160,7 +16160,7 @@
           <p:cNvPr id="11" name="Espace réservé du numéro de diapositive 5">
             <a:extLst>
               <a:ext uri="{FF2B5EF4-FFF2-40B4-BE49-F238E27FC236}">
-                <a16:creationId xmlns:a16="http://schemas.microsoft.com/office/drawing/2014/main" id="{49B3254E-B445-46A8-8E69-B2596E25AD38}"/>
+                <a16:creationId xmlns="" xmlns:a16="http://schemas.microsoft.com/office/drawing/2014/main" id="{49B3254E-B445-46A8-8E69-B2596E25AD38}"/>
               </a:ext>
             </a:extLst>
           </p:cNvPr>
@@ -16558,7 +16558,7 @@
           <p:cNvPr id="5" name="Espace réservé d’image 4" descr="Bâtiment abstrait" title="Bâtiment abstrait">
             <a:extLst>
               <a:ext uri="{FF2B5EF4-FFF2-40B4-BE49-F238E27FC236}">
-                <a16:creationId xmlns:a16="http://schemas.microsoft.com/office/drawing/2014/main" id="{1805319F-612A-49F0-B6DA-8A214D5DBD2A}"/>
+                <a16:creationId xmlns="" xmlns:a16="http://schemas.microsoft.com/office/drawing/2014/main" id="{1805319F-612A-49F0-B6DA-8A214D5DBD2A}"/>
               </a:ext>
             </a:extLst>
           </p:cNvPr>
@@ -16589,7 +16589,7 @@
           <p:cNvPr id="35" name="Rectangle 34">
             <a:extLst>
               <a:ext uri="{FF2B5EF4-FFF2-40B4-BE49-F238E27FC236}">
-                <a16:creationId xmlns:a16="http://schemas.microsoft.com/office/drawing/2014/main" id="{B6C8E487-ADDC-4F1B-A30A-BAABB4998F49}"/>
+                <a16:creationId xmlns="" xmlns:a16="http://schemas.microsoft.com/office/drawing/2014/main" id="{B6C8E487-ADDC-4F1B-A30A-BAABB4998F49}"/>
               </a:ext>
             </a:extLst>
           </p:cNvPr>
@@ -16917,7 +16917,7 @@
           <p:cNvPr id="40" name="Groupe 39" descr="Carrés d’accentuation : forme ouverte noire foncée, bloc vert ombré et bloc blanc avec espace réservé au texte.">
             <a:extLst>
               <a:ext uri="{FF2B5EF4-FFF2-40B4-BE49-F238E27FC236}">
-                <a16:creationId xmlns:a16="http://schemas.microsoft.com/office/drawing/2014/main" id="{11BEC607-8474-408E-A7AC-48A065F31B63}"/>
+                <a16:creationId xmlns="" xmlns:a16="http://schemas.microsoft.com/office/drawing/2014/main" id="{11BEC607-8474-408E-A7AC-48A065F31B63}"/>
               </a:ext>
             </a:extLst>
           </p:cNvPr>
@@ -16937,7 +16937,7 @@
             <p:cNvPr id="42" name="Rectangle 41">
               <a:extLst>
                 <a:ext uri="{FF2B5EF4-FFF2-40B4-BE49-F238E27FC236}">
-                  <a16:creationId xmlns:a16="http://schemas.microsoft.com/office/drawing/2014/main" id="{B601E3FC-2016-4085-9A4B-A172702EAAE1}"/>
+                  <a16:creationId xmlns="" xmlns:a16="http://schemas.microsoft.com/office/drawing/2014/main" id="{B601E3FC-2016-4085-9A4B-A172702EAAE1}"/>
                 </a:ext>
               </a:extLst>
             </p:cNvPr>
@@ -17280,7 +17280,7 @@
             <p:cNvPr id="41" name="Rectangle 40">
               <a:extLst>
                 <a:ext uri="{FF2B5EF4-FFF2-40B4-BE49-F238E27FC236}">
-                  <a16:creationId xmlns:a16="http://schemas.microsoft.com/office/drawing/2014/main" id="{2CBF662F-A198-4AD3-8EBC-0EC9A52B2994}"/>
+                  <a16:creationId xmlns="" xmlns:a16="http://schemas.microsoft.com/office/drawing/2014/main" id="{2CBF662F-A198-4AD3-8EBC-0EC9A52B2994}"/>
                 </a:ext>
               </a:extLst>
             </p:cNvPr>
@@ -17332,7 +17332,7 @@
             <p:cNvPr id="43" name="Rectangle 42">
               <a:extLst>
                 <a:ext uri="{FF2B5EF4-FFF2-40B4-BE49-F238E27FC236}">
-                  <a16:creationId xmlns:a16="http://schemas.microsoft.com/office/drawing/2014/main" id="{142E86C5-8E5F-4620-A4FB-D1F926179D18}"/>
+                  <a16:creationId xmlns="" xmlns:a16="http://schemas.microsoft.com/office/drawing/2014/main" id="{142E86C5-8E5F-4620-A4FB-D1F926179D18}"/>
                 </a:ext>
               </a:extLst>
             </p:cNvPr>
@@ -17385,7 +17385,7 @@
           <p:cNvPr id="6" name="Titre 5">
             <a:extLst>
               <a:ext uri="{FF2B5EF4-FFF2-40B4-BE49-F238E27FC236}">
-                <a16:creationId xmlns:a16="http://schemas.microsoft.com/office/drawing/2014/main" id="{7E0E8055-17FA-43CE-9F03-E712F496B7CF}"/>
+                <a16:creationId xmlns="" xmlns:a16="http://schemas.microsoft.com/office/drawing/2014/main" id="{7E0E8055-17FA-43CE-9F03-E712F496B7CF}"/>
               </a:ext>
             </a:extLst>
           </p:cNvPr>
@@ -17446,7 +17446,7 @@
           <p:cNvPr id="7" name="Sous-titre 6">
             <a:extLst>
               <a:ext uri="{FF2B5EF4-FFF2-40B4-BE49-F238E27FC236}">
-                <a16:creationId xmlns:a16="http://schemas.microsoft.com/office/drawing/2014/main" id="{9935280A-EBD5-4EFA-81A0-313C85F987EC}"/>
+                <a16:creationId xmlns="" xmlns:a16="http://schemas.microsoft.com/office/drawing/2014/main" id="{9935280A-EBD5-4EFA-81A0-313C85F987EC}"/>
               </a:ext>
             </a:extLst>
           </p:cNvPr>
@@ -17521,7 +17521,7 @@
           <p:cNvPr id="7" name="Titre 6">
             <a:extLst>
               <a:ext uri="{FF2B5EF4-FFF2-40B4-BE49-F238E27FC236}">
-                <a16:creationId xmlns:a16="http://schemas.microsoft.com/office/drawing/2014/main" id="{4D671F4D-9614-41E9-BA0C-7977DEBBBBB3}"/>
+                <a16:creationId xmlns="" xmlns:a16="http://schemas.microsoft.com/office/drawing/2014/main" id="{4D671F4D-9614-41E9-BA0C-7977DEBBBBB3}"/>
               </a:ext>
             </a:extLst>
           </p:cNvPr>
@@ -17550,7 +17550,7 @@
           <p:cNvPr id="8" name="Rectangle 7" descr="Bloc d’accentuation carré ouvert">
             <a:extLst>
               <a:ext uri="{FF2B5EF4-FFF2-40B4-BE49-F238E27FC236}">
-                <a16:creationId xmlns:a16="http://schemas.microsoft.com/office/drawing/2014/main" id="{1715FCDC-B95D-46B0-8EBD-FC1451D3C124}"/>
+                <a16:creationId xmlns="" xmlns:a16="http://schemas.microsoft.com/office/drawing/2014/main" id="{1715FCDC-B95D-46B0-8EBD-FC1451D3C124}"/>
               </a:ext>
             </a:extLst>
           </p:cNvPr>
@@ -17602,7 +17602,7 @@
           <p:cNvPr id="9" name="Rectangle 8">
             <a:extLst>
               <a:ext uri="{FF2B5EF4-FFF2-40B4-BE49-F238E27FC236}">
-                <a16:creationId xmlns:a16="http://schemas.microsoft.com/office/drawing/2014/main" id="{EF85080C-B66C-4B03-BE77-8C2994DDD44D}"/>
+                <a16:creationId xmlns="" xmlns:a16="http://schemas.microsoft.com/office/drawing/2014/main" id="{EF85080C-B66C-4B03-BE77-8C2994DDD44D}"/>
               </a:ext>
             </a:extLst>
           </p:cNvPr>
@@ -17945,7 +17945,7 @@
           <p:cNvPr id="2" name="Espace réservé du pied de page 1">
             <a:extLst>
               <a:ext uri="{FF2B5EF4-FFF2-40B4-BE49-F238E27FC236}">
-                <a16:creationId xmlns:a16="http://schemas.microsoft.com/office/drawing/2014/main" id="{AAB9EEEE-5D24-422D-B76D-987859ECB059}"/>
+                <a16:creationId xmlns="" xmlns:a16="http://schemas.microsoft.com/office/drawing/2014/main" id="{AAB9EEEE-5D24-422D-B76D-987859ECB059}"/>
               </a:ext>
             </a:extLst>
           </p:cNvPr>
@@ -17974,7 +17974,7 @@
           <p:cNvPr id="5" name="Espace réservé du numéro de diapositive 4">
             <a:extLst>
               <a:ext uri="{FF2B5EF4-FFF2-40B4-BE49-F238E27FC236}">
-                <a16:creationId xmlns:a16="http://schemas.microsoft.com/office/drawing/2014/main" id="{4BFC890C-B560-45C1-9FF4-08AA00E1673F}"/>
+                <a16:creationId xmlns="" xmlns:a16="http://schemas.microsoft.com/office/drawing/2014/main" id="{4BFC890C-B560-45C1-9FF4-08AA00E1673F}"/>
               </a:ext>
             </a:extLst>
           </p:cNvPr>
@@ -18005,7 +18005,7 @@
           <p:cNvPr id="10" name="Espace réservé du texte 8">
             <a:extLst>
               <a:ext uri="{FF2B5EF4-FFF2-40B4-BE49-F238E27FC236}">
-                <a16:creationId xmlns:a16="http://schemas.microsoft.com/office/drawing/2014/main" id="{4744B28E-5E14-4A77-AD4F-C979905862BF}"/>
+                <a16:creationId xmlns="" xmlns:a16="http://schemas.microsoft.com/office/drawing/2014/main" id="{4744B28E-5E14-4A77-AD4F-C979905862BF}"/>
               </a:ext>
             </a:extLst>
           </p:cNvPr>
@@ -18273,7 +18273,7 @@
           <p:cNvPr id="7" name="Titre 6">
             <a:extLst>
               <a:ext uri="{FF2B5EF4-FFF2-40B4-BE49-F238E27FC236}">
-                <a16:creationId xmlns:a16="http://schemas.microsoft.com/office/drawing/2014/main" id="{4D671F4D-9614-41E9-BA0C-7977DEBBBBB3}"/>
+                <a16:creationId xmlns="" xmlns:a16="http://schemas.microsoft.com/office/drawing/2014/main" id="{4D671F4D-9614-41E9-BA0C-7977DEBBBBB3}"/>
               </a:ext>
             </a:extLst>
           </p:cNvPr>
@@ -18302,7 +18302,7 @@
           <p:cNvPr id="8" name="Rectangle 7" descr="Bloc d’accentuation carré ouvert">
             <a:extLst>
               <a:ext uri="{FF2B5EF4-FFF2-40B4-BE49-F238E27FC236}">
-                <a16:creationId xmlns:a16="http://schemas.microsoft.com/office/drawing/2014/main" id="{1715FCDC-B95D-46B0-8EBD-FC1451D3C124}"/>
+                <a16:creationId xmlns="" xmlns:a16="http://schemas.microsoft.com/office/drawing/2014/main" id="{1715FCDC-B95D-46B0-8EBD-FC1451D3C124}"/>
               </a:ext>
             </a:extLst>
           </p:cNvPr>
@@ -18354,7 +18354,7 @@
           <p:cNvPr id="9" name="Rectangle 8">
             <a:extLst>
               <a:ext uri="{FF2B5EF4-FFF2-40B4-BE49-F238E27FC236}">
-                <a16:creationId xmlns:a16="http://schemas.microsoft.com/office/drawing/2014/main" id="{EF85080C-B66C-4B03-BE77-8C2994DDD44D}"/>
+                <a16:creationId xmlns="" xmlns:a16="http://schemas.microsoft.com/office/drawing/2014/main" id="{EF85080C-B66C-4B03-BE77-8C2994DDD44D}"/>
               </a:ext>
             </a:extLst>
           </p:cNvPr>
@@ -18697,7 +18697,7 @@
           <p:cNvPr id="2" name="Espace réservé du pied de page 1">
             <a:extLst>
               <a:ext uri="{FF2B5EF4-FFF2-40B4-BE49-F238E27FC236}">
-                <a16:creationId xmlns:a16="http://schemas.microsoft.com/office/drawing/2014/main" id="{AAB9EEEE-5D24-422D-B76D-987859ECB059}"/>
+                <a16:creationId xmlns="" xmlns:a16="http://schemas.microsoft.com/office/drawing/2014/main" id="{AAB9EEEE-5D24-422D-B76D-987859ECB059}"/>
               </a:ext>
             </a:extLst>
           </p:cNvPr>
@@ -18726,7 +18726,7 @@
           <p:cNvPr id="5" name="Espace réservé du numéro de diapositive 4">
             <a:extLst>
               <a:ext uri="{FF2B5EF4-FFF2-40B4-BE49-F238E27FC236}">
-                <a16:creationId xmlns:a16="http://schemas.microsoft.com/office/drawing/2014/main" id="{4BFC890C-B560-45C1-9FF4-08AA00E1673F}"/>
+                <a16:creationId xmlns="" xmlns:a16="http://schemas.microsoft.com/office/drawing/2014/main" id="{4BFC890C-B560-45C1-9FF4-08AA00E1673F}"/>
               </a:ext>
             </a:extLst>
           </p:cNvPr>
@@ -18757,7 +18757,7 @@
           <p:cNvPr id="10" name="Espace réservé du texte 8">
             <a:extLst>
               <a:ext uri="{FF2B5EF4-FFF2-40B4-BE49-F238E27FC236}">
-                <a16:creationId xmlns:a16="http://schemas.microsoft.com/office/drawing/2014/main" id="{4744B28E-5E14-4A77-AD4F-C979905862BF}"/>
+                <a16:creationId xmlns="" xmlns:a16="http://schemas.microsoft.com/office/drawing/2014/main" id="{4744B28E-5E14-4A77-AD4F-C979905862BF}"/>
               </a:ext>
             </a:extLst>
           </p:cNvPr>
@@ -18964,8 +18964,8 @@
         </p:nvSpPr>
         <p:spPr>
           <a:xfrm>
-            <a:off x="2459979" y="1547133"/>
-            <a:ext cx="8804134" cy="3693319"/>
+            <a:off x="2326608" y="1252593"/>
+            <a:ext cx="8804134" cy="4770537"/>
           </a:xfrm>
           <a:prstGeom prst="rect">
             <a:avLst/>
@@ -19005,12 +19005,13 @@
             </a:r>
             <a:r>
               <a:rPr lang="fr-CA" dirty="0"/>
-              <a:t> Pour arriver à la solution, en équipe on n'a découpé la solution partie par partie.</a:t>
-            </a:r>
-            <a:r>
-              <a:rPr lang="fr-FR" dirty="0" smtClean="0"/>
-              <a:t>Les technologie utilise</a:t>
-            </a:r>
+              <a:t> Pour arriver à la solution, en équipe on n'a découpé la solution partie par </a:t>
+            </a:r>
+            <a:r>
+              <a:rPr lang="fr-CA" dirty="0" smtClean="0"/>
+              <a:t>partie.</a:t>
+            </a:r>
+            <a:endParaRPr lang="fr-FR" dirty="0" smtClean="0"/>
           </a:p>
           <a:p>
             <a:pPr marL="1257300" lvl="2" indent="-342900">
@@ -19123,19 +19124,7 @@
             </a:pPr>
             <a:r>
               <a:rPr lang="fr-FR" dirty="0" smtClean="0"/>
-              <a:t>Deux </a:t>
-            </a:r>
-            <a:r>
-              <a:rPr lang="fr-FR" dirty="0" smtClean="0"/>
-              <a:t>branches </a:t>
-            </a:r>
-            <a:r>
-              <a:rPr lang="fr-FR" dirty="0" smtClean="0"/>
-              <a:t>(Test et Master</a:t>
-            </a:r>
-            <a:r>
-              <a:rPr lang="fr-FR" dirty="0" smtClean="0"/>
-              <a:t>)</a:t>
+              <a:t>Deux branches (Test et Master)</a:t>
             </a:r>
           </a:p>
           <a:p>
@@ -19156,8 +19145,107 @@
             </a:pPr>
             <a:r>
               <a:rPr lang="fr-FR" dirty="0"/>
-              <a:t>Les tests automatisés</a:t>
-            </a:r>
+              <a:t>Les tests </a:t>
+            </a:r>
+            <a:r>
+              <a:rPr lang="fr-FR" dirty="0" smtClean="0"/>
+              <a:t>automatisés</a:t>
+            </a:r>
+          </a:p>
+          <a:p>
+            <a:pPr marL="1257300" lvl="2" indent="-342900">
+              <a:buFont typeface="Arial" panose="020B0604020202020204" pitchFamily="34" charset="0"/>
+              <a:buChar char="•"/>
+            </a:pPr>
+            <a:r>
+              <a:rPr lang="fr-FR" sz="1200" dirty="0"/>
+              <a:t>Test </a:t>
+            </a:r>
+            <a:r>
+              <a:rPr lang="fr-FR" sz="1200" dirty="0" err="1"/>
+              <a:t>backend</a:t>
+            </a:r>
+            <a:endParaRPr lang="fr-FR" sz="1200" dirty="0"/>
+          </a:p>
+          <a:p>
+            <a:pPr marL="1257300" lvl="2" indent="-342900">
+              <a:buFont typeface="Arial" panose="020B0604020202020204" pitchFamily="34" charset="0"/>
+              <a:buChar char="•"/>
+            </a:pPr>
+            <a:r>
+              <a:rPr lang="fr-FR" sz="1200" dirty="0"/>
+              <a:t>Test </a:t>
+            </a:r>
+            <a:r>
+              <a:rPr lang="fr-FR" sz="1200" dirty="0" err="1"/>
+              <a:t>frontend</a:t>
+            </a:r>
+            <a:endParaRPr lang="fr-FR" sz="1200" dirty="0"/>
+          </a:p>
+          <a:p>
+            <a:pPr marL="1257300" lvl="2" indent="-342900">
+              <a:buFont typeface="Arial" panose="020B0604020202020204" pitchFamily="34" charset="0"/>
+              <a:buChar char="•"/>
+            </a:pPr>
+            <a:r>
+              <a:rPr lang="fr-FR" sz="1200" dirty="0"/>
+              <a:t>Roulé à chaque </a:t>
+            </a:r>
+            <a:r>
+              <a:rPr lang="fr-FR" sz="1200" dirty="0" err="1"/>
+              <a:t>build</a:t>
+            </a:r>
+            <a:endParaRPr lang="fr-FR" sz="1200" dirty="0"/>
+          </a:p>
+          <a:p>
+            <a:pPr marL="1257300" lvl="2" indent="-342900">
+              <a:buFont typeface="Arial" panose="020B0604020202020204" pitchFamily="34" charset="0"/>
+              <a:buChar char="•"/>
+            </a:pPr>
+            <a:r>
+              <a:rPr lang="fr-FR" sz="1200" dirty="0"/>
+              <a:t>Tests avec des </a:t>
+            </a:r>
+            <a:r>
+              <a:rPr lang="fr-FR" sz="1200" dirty="0" smtClean="0"/>
+              <a:t>variables: résultats, </a:t>
+            </a:r>
+            <a:r>
+              <a:rPr lang="fr-FR" sz="1200" smtClean="0"/>
+              <a:t>scénario </a:t>
+            </a:r>
+            <a:r>
+              <a:rPr lang="fr-FR" sz="1200" smtClean="0"/>
+              <a:t>attendus</a:t>
+            </a:r>
+            <a:endParaRPr lang="fr-FR" sz="1200" dirty="0" smtClean="0"/>
+          </a:p>
+          <a:p>
+            <a:pPr marL="1257300" lvl="2" indent="-342900">
+              <a:buFont typeface="Arial" panose="020B0604020202020204" pitchFamily="34" charset="0"/>
+              <a:buChar char="•"/>
+            </a:pPr>
+            <a:r>
+              <a:rPr lang="fr-FR" sz="1200" dirty="0" smtClean="0"/>
+              <a:t>Stub et </a:t>
+            </a:r>
+            <a:r>
+              <a:rPr lang="fr-FR" sz="1200" dirty="0" err="1" smtClean="0"/>
+              <a:t>Mock</a:t>
+            </a:r>
+            <a:r>
+              <a:rPr lang="fr-FR" sz="1200" dirty="0" smtClean="0"/>
+              <a:t>: Test les </a:t>
+            </a:r>
+            <a:r>
+              <a:rPr lang="fr-FR" sz="1200" dirty="0"/>
+              <a:t>processus</a:t>
+            </a:r>
+            <a:r>
+              <a:rPr lang="fr-FR" sz="1200" dirty="0" smtClean="0"/>
+              <a:t>.</a:t>
+            </a:r>
+            <a:endParaRPr lang="fr-FR" sz="1200" dirty="0"/>
           </a:p>
         </p:txBody>
       </p:sp>
@@ -19203,7 +19291,7 @@
           <p:cNvPr id="7" name="Titre 6">
             <a:extLst>
               <a:ext uri="{FF2B5EF4-FFF2-40B4-BE49-F238E27FC236}">
-                <a16:creationId xmlns:a16="http://schemas.microsoft.com/office/drawing/2014/main" id="{4D671F4D-9614-41E9-BA0C-7977DEBBBBB3}"/>
+                <a16:creationId xmlns="" xmlns:a16="http://schemas.microsoft.com/office/drawing/2014/main" id="{4D671F4D-9614-41E9-BA0C-7977DEBBBBB3}"/>
               </a:ext>
             </a:extLst>
           </p:cNvPr>
@@ -19232,7 +19320,7 @@
           <p:cNvPr id="8" name="Rectangle 7" descr="Bloc d’accentuation carré ouvert">
             <a:extLst>
               <a:ext uri="{FF2B5EF4-FFF2-40B4-BE49-F238E27FC236}">
-                <a16:creationId xmlns:a16="http://schemas.microsoft.com/office/drawing/2014/main" id="{1715FCDC-B95D-46B0-8EBD-FC1451D3C124}"/>
+                <a16:creationId xmlns="" xmlns:a16="http://schemas.microsoft.com/office/drawing/2014/main" id="{1715FCDC-B95D-46B0-8EBD-FC1451D3C124}"/>
               </a:ext>
             </a:extLst>
           </p:cNvPr>
@@ -19284,7 +19372,7 @@
           <p:cNvPr id="9" name="Rectangle 8">
             <a:extLst>
               <a:ext uri="{FF2B5EF4-FFF2-40B4-BE49-F238E27FC236}">
-                <a16:creationId xmlns:a16="http://schemas.microsoft.com/office/drawing/2014/main" id="{EF85080C-B66C-4B03-BE77-8C2994DDD44D}"/>
+                <a16:creationId xmlns="" xmlns:a16="http://schemas.microsoft.com/office/drawing/2014/main" id="{EF85080C-B66C-4B03-BE77-8C2994DDD44D}"/>
               </a:ext>
             </a:extLst>
           </p:cNvPr>
@@ -19487,7 +19575,7 @@
           <p:cNvPr id="2" name="Espace réservé du pied de page 1">
             <a:extLst>
               <a:ext uri="{FF2B5EF4-FFF2-40B4-BE49-F238E27FC236}">
-                <a16:creationId xmlns:a16="http://schemas.microsoft.com/office/drawing/2014/main" id="{AAB9EEEE-5D24-422D-B76D-987859ECB059}"/>
+                <a16:creationId xmlns="" xmlns:a16="http://schemas.microsoft.com/office/drawing/2014/main" id="{AAB9EEEE-5D24-422D-B76D-987859ECB059}"/>
               </a:ext>
             </a:extLst>
           </p:cNvPr>
@@ -19516,7 +19604,7 @@
           <p:cNvPr id="5" name="Espace réservé du numéro de diapositive 4">
             <a:extLst>
               <a:ext uri="{FF2B5EF4-FFF2-40B4-BE49-F238E27FC236}">
-                <a16:creationId xmlns:a16="http://schemas.microsoft.com/office/drawing/2014/main" id="{4BFC890C-B560-45C1-9FF4-08AA00E1673F}"/>
+                <a16:creationId xmlns="" xmlns:a16="http://schemas.microsoft.com/office/drawing/2014/main" id="{4BFC890C-B560-45C1-9FF4-08AA00E1673F}"/>
               </a:ext>
             </a:extLst>
           </p:cNvPr>
@@ -19547,7 +19635,7 @@
           <p:cNvPr id="10" name="Espace réservé du texte 8">
             <a:extLst>
               <a:ext uri="{FF2B5EF4-FFF2-40B4-BE49-F238E27FC236}">
-                <a16:creationId xmlns:a16="http://schemas.microsoft.com/office/drawing/2014/main" id="{4744B28E-5E14-4A77-AD4F-C979905862BF}"/>
+                <a16:creationId xmlns="" xmlns:a16="http://schemas.microsoft.com/office/drawing/2014/main" id="{4744B28E-5E14-4A77-AD4F-C979905862BF}"/>
               </a:ext>
             </a:extLst>
           </p:cNvPr>
@@ -20033,7 +20121,7 @@
           <p:cNvPr id="7" name="Titre 6">
             <a:extLst>
               <a:ext uri="{FF2B5EF4-FFF2-40B4-BE49-F238E27FC236}">
-                <a16:creationId xmlns:a16="http://schemas.microsoft.com/office/drawing/2014/main" id="{4D671F4D-9614-41E9-BA0C-7977DEBBBBB3}"/>
+                <a16:creationId xmlns="" xmlns:a16="http://schemas.microsoft.com/office/drawing/2014/main" id="{4D671F4D-9614-41E9-BA0C-7977DEBBBBB3}"/>
               </a:ext>
             </a:extLst>
           </p:cNvPr>
@@ -20062,7 +20150,7 @@
           <p:cNvPr id="8" name="Rectangle 7" descr="Bloc d’accentuation carré ouvert">
             <a:extLst>
               <a:ext uri="{FF2B5EF4-FFF2-40B4-BE49-F238E27FC236}">
-                <a16:creationId xmlns:a16="http://schemas.microsoft.com/office/drawing/2014/main" id="{1715FCDC-B95D-46B0-8EBD-FC1451D3C124}"/>
+                <a16:creationId xmlns="" xmlns:a16="http://schemas.microsoft.com/office/drawing/2014/main" id="{1715FCDC-B95D-46B0-8EBD-FC1451D3C124}"/>
               </a:ext>
             </a:extLst>
           </p:cNvPr>
@@ -20114,7 +20202,7 @@
           <p:cNvPr id="9" name="Rectangle 8">
             <a:extLst>
               <a:ext uri="{FF2B5EF4-FFF2-40B4-BE49-F238E27FC236}">
-                <a16:creationId xmlns:a16="http://schemas.microsoft.com/office/drawing/2014/main" id="{EF85080C-B66C-4B03-BE77-8C2994DDD44D}"/>
+                <a16:creationId xmlns="" xmlns:a16="http://schemas.microsoft.com/office/drawing/2014/main" id="{EF85080C-B66C-4B03-BE77-8C2994DDD44D}"/>
               </a:ext>
             </a:extLst>
           </p:cNvPr>
@@ -20457,7 +20545,7 @@
           <p:cNvPr id="2" name="Espace réservé du pied de page 1">
             <a:extLst>
               <a:ext uri="{FF2B5EF4-FFF2-40B4-BE49-F238E27FC236}">
-                <a16:creationId xmlns:a16="http://schemas.microsoft.com/office/drawing/2014/main" id="{AAB9EEEE-5D24-422D-B76D-987859ECB059}"/>
+                <a16:creationId xmlns="" xmlns:a16="http://schemas.microsoft.com/office/drawing/2014/main" id="{AAB9EEEE-5D24-422D-B76D-987859ECB059}"/>
               </a:ext>
             </a:extLst>
           </p:cNvPr>
@@ -20486,7 +20574,7 @@
           <p:cNvPr id="5" name="Espace réservé du numéro de diapositive 4">
             <a:extLst>
               <a:ext uri="{FF2B5EF4-FFF2-40B4-BE49-F238E27FC236}">
-                <a16:creationId xmlns:a16="http://schemas.microsoft.com/office/drawing/2014/main" id="{4BFC890C-B560-45C1-9FF4-08AA00E1673F}"/>
+                <a16:creationId xmlns="" xmlns:a16="http://schemas.microsoft.com/office/drawing/2014/main" id="{4BFC890C-B560-45C1-9FF4-08AA00E1673F}"/>
               </a:ext>
             </a:extLst>
           </p:cNvPr>
@@ -20517,7 +20605,7 @@
           <p:cNvPr id="10" name="Espace réservé du texte 8">
             <a:extLst>
               <a:ext uri="{FF2B5EF4-FFF2-40B4-BE49-F238E27FC236}">
-                <a16:creationId xmlns:a16="http://schemas.microsoft.com/office/drawing/2014/main" id="{4744B28E-5E14-4A77-AD4F-C979905862BF}"/>
+                <a16:creationId xmlns="" xmlns:a16="http://schemas.microsoft.com/office/drawing/2014/main" id="{4744B28E-5E14-4A77-AD4F-C979905862BF}"/>
               </a:ext>
             </a:extLst>
           </p:cNvPr>
@@ -20825,7 +20913,7 @@
           <p:cNvPr id="5" name="Espace réservé d’image 4" descr="image abstraite" title="image abstraite">
             <a:extLst>
               <a:ext uri="{FF2B5EF4-FFF2-40B4-BE49-F238E27FC236}">
-                <a16:creationId xmlns:a16="http://schemas.microsoft.com/office/drawing/2014/main" id="{BCF9593D-B6BD-4208-A4FF-8CFFE503475A}"/>
+                <a16:creationId xmlns="" xmlns:a16="http://schemas.microsoft.com/office/drawing/2014/main" id="{BCF9593D-B6BD-4208-A4FF-8CFFE503475A}"/>
               </a:ext>
             </a:extLst>
           </p:cNvPr>
@@ -20856,7 +20944,7 @@
           <p:cNvPr id="16" name="Rectangle 15">
             <a:extLst>
               <a:ext uri="{FF2B5EF4-FFF2-40B4-BE49-F238E27FC236}">
-                <a16:creationId xmlns:a16="http://schemas.microsoft.com/office/drawing/2014/main" id="{4273BD65-CFF3-40DD-939C-97A942BD80EE}"/>
+                <a16:creationId xmlns="" xmlns:a16="http://schemas.microsoft.com/office/drawing/2014/main" id="{4273BD65-CFF3-40DD-939C-97A942BD80EE}"/>
               </a:ext>
             </a:extLst>
           </p:cNvPr>
@@ -21184,7 +21272,7 @@
           <p:cNvPr id="40" name="Groupe 39" descr="Carrés d’accentuation : forme ouverte noire foncée, bloc vert ombré et bloc blanc avec espace réservé au texte.">
             <a:extLst>
               <a:ext uri="{FF2B5EF4-FFF2-40B4-BE49-F238E27FC236}">
-                <a16:creationId xmlns:a16="http://schemas.microsoft.com/office/drawing/2014/main" id="{11BEC607-8474-408E-A7AC-48A065F31B63}"/>
+                <a16:creationId xmlns="" xmlns:a16="http://schemas.microsoft.com/office/drawing/2014/main" id="{11BEC607-8474-408E-A7AC-48A065F31B63}"/>
               </a:ext>
             </a:extLst>
           </p:cNvPr>
@@ -21204,7 +21292,7 @@
             <p:cNvPr id="42" name="Rectangle 41">
               <a:extLst>
                 <a:ext uri="{FF2B5EF4-FFF2-40B4-BE49-F238E27FC236}">
-                  <a16:creationId xmlns:a16="http://schemas.microsoft.com/office/drawing/2014/main" id="{B601E3FC-2016-4085-9A4B-A172702EAAE1}"/>
+                  <a16:creationId xmlns="" xmlns:a16="http://schemas.microsoft.com/office/drawing/2014/main" id="{B601E3FC-2016-4085-9A4B-A172702EAAE1}"/>
                 </a:ext>
               </a:extLst>
             </p:cNvPr>
@@ -21547,7 +21635,7 @@
             <p:cNvPr id="41" name="Rectangle 40">
               <a:extLst>
                 <a:ext uri="{FF2B5EF4-FFF2-40B4-BE49-F238E27FC236}">
-                  <a16:creationId xmlns:a16="http://schemas.microsoft.com/office/drawing/2014/main" id="{2CBF662F-A198-4AD3-8EBC-0EC9A52B2994}"/>
+                  <a16:creationId xmlns="" xmlns:a16="http://schemas.microsoft.com/office/drawing/2014/main" id="{2CBF662F-A198-4AD3-8EBC-0EC9A52B2994}"/>
                 </a:ext>
               </a:extLst>
             </p:cNvPr>
@@ -21599,7 +21687,7 @@
             <p:cNvPr id="43" name="Rectangle 42">
               <a:extLst>
                 <a:ext uri="{FF2B5EF4-FFF2-40B4-BE49-F238E27FC236}">
-                  <a16:creationId xmlns:a16="http://schemas.microsoft.com/office/drawing/2014/main" id="{142E86C5-8E5F-4620-A4FB-D1F926179D18}"/>
+                  <a16:creationId xmlns="" xmlns:a16="http://schemas.microsoft.com/office/drawing/2014/main" id="{142E86C5-8E5F-4620-A4FB-D1F926179D18}"/>
                 </a:ext>
               </a:extLst>
             </p:cNvPr>
@@ -21652,7 +21740,7 @@
           <p:cNvPr id="6" name="Titre 5">
             <a:extLst>
               <a:ext uri="{FF2B5EF4-FFF2-40B4-BE49-F238E27FC236}">
-                <a16:creationId xmlns:a16="http://schemas.microsoft.com/office/drawing/2014/main" id="{7E0E8055-17FA-43CE-9F03-E712F496B7CF}"/>
+                <a16:creationId xmlns="" xmlns:a16="http://schemas.microsoft.com/office/drawing/2014/main" id="{7E0E8055-17FA-43CE-9F03-E712F496B7CF}"/>
               </a:ext>
             </a:extLst>
           </p:cNvPr>
@@ -21681,7 +21769,7 @@
           <p:cNvPr id="29" name="Rectangle : Coin rogné 28" descr="Carré d’accentuation de pied de page">
             <a:extLst>
               <a:ext uri="{FF2B5EF4-FFF2-40B4-BE49-F238E27FC236}">
-                <a16:creationId xmlns:a16="http://schemas.microsoft.com/office/drawing/2014/main" id="{E01195D9-1845-4282-BE5B-F6B840BE40E1}"/>
+                <a16:creationId xmlns="" xmlns:a16="http://schemas.microsoft.com/office/drawing/2014/main" id="{E01195D9-1845-4282-BE5B-F6B840BE40E1}"/>
               </a:ext>
             </a:extLst>
           </p:cNvPr>
@@ -21733,7 +21821,7 @@
           <p:cNvPr id="30" name="Espace réservé du numéro de diapositive 5">
             <a:extLst>
               <a:ext uri="{FF2B5EF4-FFF2-40B4-BE49-F238E27FC236}">
-                <a16:creationId xmlns:a16="http://schemas.microsoft.com/office/drawing/2014/main" id="{056A6478-CD2B-4077-910A-3D006C82EB9A}"/>
+                <a16:creationId xmlns="" xmlns:a16="http://schemas.microsoft.com/office/drawing/2014/main" id="{056A6478-CD2B-4077-910A-3D006C82EB9A}"/>
               </a:ext>
             </a:extLst>
           </p:cNvPr>
@@ -21817,7 +21905,7 @@
           <p:cNvPr id="5" name="Espace réservé d’image 4" descr="deux bâtiments" title="deux bâtiments">
             <a:extLst>
               <a:ext uri="{FF2B5EF4-FFF2-40B4-BE49-F238E27FC236}">
-                <a16:creationId xmlns:a16="http://schemas.microsoft.com/office/drawing/2014/main" id="{59B4175B-2237-4E2B-8940-03CD8C850446}"/>
+                <a16:creationId xmlns="" xmlns:a16="http://schemas.microsoft.com/office/drawing/2014/main" id="{59B4175B-2237-4E2B-8940-03CD8C850446}"/>
               </a:ext>
             </a:extLst>
           </p:cNvPr>
@@ -21857,7 +21945,7 @@
           <p:cNvPr id="12" name="Rectangle 11">
             <a:extLst>
               <a:ext uri="{FF2B5EF4-FFF2-40B4-BE49-F238E27FC236}">
-                <a16:creationId xmlns:a16="http://schemas.microsoft.com/office/drawing/2014/main" id="{663F03C3-322B-449C-A477-EA1D99EDC624}"/>
+                <a16:creationId xmlns="" xmlns:a16="http://schemas.microsoft.com/office/drawing/2014/main" id="{663F03C3-322B-449C-A477-EA1D99EDC624}"/>
               </a:ext>
             </a:extLst>
           </p:cNvPr>
@@ -22200,7 +22288,7 @@
           <p:cNvPr id="13" name="Rectangle 12" descr="Carré d’arrière-plan blanc">
             <a:extLst>
               <a:ext uri="{FF2B5EF4-FFF2-40B4-BE49-F238E27FC236}">
-                <a16:creationId xmlns:a16="http://schemas.microsoft.com/office/drawing/2014/main" id="{AA0E0CBA-1F82-43A8-9DE3-F0F883DB2D26}"/>
+                <a16:creationId xmlns="" xmlns:a16="http://schemas.microsoft.com/office/drawing/2014/main" id="{AA0E0CBA-1F82-43A8-9DE3-F0F883DB2D26}"/>
               </a:ext>
             </a:extLst>
           </p:cNvPr>
@@ -22252,7 +22340,7 @@
           <p:cNvPr id="7" name="Titre 6">
             <a:extLst>
               <a:ext uri="{FF2B5EF4-FFF2-40B4-BE49-F238E27FC236}">
-                <a16:creationId xmlns:a16="http://schemas.microsoft.com/office/drawing/2014/main" id="{D5445F47-6D74-450C-BC16-998D2021AD78}"/>
+                <a16:creationId xmlns="" xmlns:a16="http://schemas.microsoft.com/office/drawing/2014/main" id="{D5445F47-6D74-450C-BC16-998D2021AD78}"/>
               </a:ext>
             </a:extLst>
           </p:cNvPr>
@@ -22281,7 +22369,7 @@
           <p:cNvPr id="9" name="Espace réservé du texte 8">
             <a:extLst>
               <a:ext uri="{FF2B5EF4-FFF2-40B4-BE49-F238E27FC236}">
-                <a16:creationId xmlns:a16="http://schemas.microsoft.com/office/drawing/2014/main" id="{4744B28E-5E14-4A77-AD4F-C979905862BF}"/>
+                <a16:creationId xmlns="" xmlns:a16="http://schemas.microsoft.com/office/drawing/2014/main" id="{4744B28E-5E14-4A77-AD4F-C979905862BF}"/>
               </a:ext>
             </a:extLst>
           </p:cNvPr>
@@ -22311,7 +22399,7 @@
           <p:cNvPr id="8" name="Espace réservé du texte 7">
             <a:extLst>
               <a:ext uri="{FF2B5EF4-FFF2-40B4-BE49-F238E27FC236}">
-                <a16:creationId xmlns:a16="http://schemas.microsoft.com/office/drawing/2014/main" id="{E79DECD2-B85E-4CB3-BBFB-C64131454B65}"/>
+                <a16:creationId xmlns="" xmlns:a16="http://schemas.microsoft.com/office/drawing/2014/main" id="{E79DECD2-B85E-4CB3-BBFB-C64131454B65}"/>
               </a:ext>
             </a:extLst>
           </p:cNvPr>
@@ -22344,7 +22432,7 @@
           <p:cNvPr id="2" name="Espace réservé du pied de page 1">
             <a:extLst>
               <a:ext uri="{FF2B5EF4-FFF2-40B4-BE49-F238E27FC236}">
-                <a16:creationId xmlns:a16="http://schemas.microsoft.com/office/drawing/2014/main" id="{B9BB9BB1-292D-4569-BA74-3E766701DB15}"/>
+                <a16:creationId xmlns="" xmlns:a16="http://schemas.microsoft.com/office/drawing/2014/main" id="{B9BB9BB1-292D-4569-BA74-3E766701DB15}"/>
               </a:ext>
             </a:extLst>
           </p:cNvPr>
@@ -22373,7 +22461,7 @@
           <p:cNvPr id="11" name="Rectangle : Coin rogné 10" descr="Bloc d’accentuation de pied de page">
             <a:extLst>
               <a:ext uri="{FF2B5EF4-FFF2-40B4-BE49-F238E27FC236}">
-                <a16:creationId xmlns:a16="http://schemas.microsoft.com/office/drawing/2014/main" id="{85DF53DB-409B-49FA-A52D-E30AD84AED76}"/>
+                <a16:creationId xmlns="" xmlns:a16="http://schemas.microsoft.com/office/drawing/2014/main" id="{85DF53DB-409B-49FA-A52D-E30AD84AED76}"/>
               </a:ext>
             </a:extLst>
           </p:cNvPr>
@@ -22429,7 +22517,7 @@
           <p:cNvPr id="4" name="Espace réservé du numéro de diapositive 3">
             <a:extLst>
               <a:ext uri="{FF2B5EF4-FFF2-40B4-BE49-F238E27FC236}">
-                <a16:creationId xmlns:a16="http://schemas.microsoft.com/office/drawing/2014/main" id="{5564D90B-FC4E-4781-9E54-536CECF8BA47}"/>
+                <a16:creationId xmlns="" xmlns:a16="http://schemas.microsoft.com/office/drawing/2014/main" id="{5564D90B-FC4E-4781-9E54-536CECF8BA47}"/>
               </a:ext>
             </a:extLst>
           </p:cNvPr>
@@ -22497,7 +22585,7 @@
           <p:cNvPr id="6" name="Espace réservé d’image 5" descr="Paysage urbain" title="Paysage urbain">
             <a:extLst>
               <a:ext uri="{FF2B5EF4-FFF2-40B4-BE49-F238E27FC236}">
-                <a16:creationId xmlns:a16="http://schemas.microsoft.com/office/drawing/2014/main" id="{5E06080F-9F80-49D4-9D28-F3FD457E4278}"/>
+                <a16:creationId xmlns="" xmlns:a16="http://schemas.microsoft.com/office/drawing/2014/main" id="{5E06080F-9F80-49D4-9D28-F3FD457E4278}"/>
               </a:ext>
             </a:extLst>
           </p:cNvPr>
@@ -22537,7 +22625,7 @@
           <p:cNvPr id="31" name="Groupe 30" descr="Carrés d’accentuation : forme ouverte noire foncée, bloc vert ombré et bloc blanc avec espace réservé au texte.">
             <a:extLst>
               <a:ext uri="{FF2B5EF4-FFF2-40B4-BE49-F238E27FC236}">
-                <a16:creationId xmlns:a16="http://schemas.microsoft.com/office/drawing/2014/main" id="{CDA17D7C-7C63-439C-8B50-C9B0F0F9AAF7}"/>
+                <a16:creationId xmlns="" xmlns:a16="http://schemas.microsoft.com/office/drawing/2014/main" id="{CDA17D7C-7C63-439C-8B50-C9B0F0F9AAF7}"/>
               </a:ext>
             </a:extLst>
           </p:cNvPr>
@@ -22557,7 +22645,7 @@
             <p:cNvPr id="32" name="Rectangle 31">
               <a:extLst>
                 <a:ext uri="{FF2B5EF4-FFF2-40B4-BE49-F238E27FC236}">
-                  <a16:creationId xmlns:a16="http://schemas.microsoft.com/office/drawing/2014/main" id="{32FD79E9-DA87-4AE3-AB4F-454E8B1C7E28}"/>
+                  <a16:creationId xmlns="" xmlns:a16="http://schemas.microsoft.com/office/drawing/2014/main" id="{32FD79E9-DA87-4AE3-AB4F-454E8B1C7E28}"/>
                 </a:ext>
               </a:extLst>
             </p:cNvPr>
@@ -22609,7 +22697,7 @@
             <p:cNvPr id="33" name="Rectangle 32">
               <a:extLst>
                 <a:ext uri="{FF2B5EF4-FFF2-40B4-BE49-F238E27FC236}">
-                  <a16:creationId xmlns:a16="http://schemas.microsoft.com/office/drawing/2014/main" id="{C0DB13C1-B4FB-4D33-A199-5BB34983AB47}"/>
+                  <a16:creationId xmlns="" xmlns:a16="http://schemas.microsoft.com/office/drawing/2014/main" id="{C0DB13C1-B4FB-4D33-A199-5BB34983AB47}"/>
                 </a:ext>
               </a:extLst>
             </p:cNvPr>
@@ -22952,7 +23040,7 @@
             <p:cNvPr id="34" name="Rectangle 33">
               <a:extLst>
                 <a:ext uri="{FF2B5EF4-FFF2-40B4-BE49-F238E27FC236}">
-                  <a16:creationId xmlns:a16="http://schemas.microsoft.com/office/drawing/2014/main" id="{97CAE694-E5D7-45D8-80CE-4067B6610E53}"/>
+                  <a16:creationId xmlns="" xmlns:a16="http://schemas.microsoft.com/office/drawing/2014/main" id="{97CAE694-E5D7-45D8-80CE-4067B6610E53}"/>
                 </a:ext>
               </a:extLst>
             </p:cNvPr>
@@ -23005,7 +23093,7 @@
           <p:cNvPr id="7" name="Titre 6">
             <a:extLst>
               <a:ext uri="{FF2B5EF4-FFF2-40B4-BE49-F238E27FC236}">
-                <a16:creationId xmlns:a16="http://schemas.microsoft.com/office/drawing/2014/main" id="{D5445F47-6D74-450C-BC16-998D2021AD78}"/>
+                <a16:creationId xmlns="" xmlns:a16="http://schemas.microsoft.com/office/drawing/2014/main" id="{D5445F47-6D74-450C-BC16-998D2021AD78}"/>
               </a:ext>
             </a:extLst>
           </p:cNvPr>
@@ -23034,7 +23122,7 @@
           <p:cNvPr id="9" name="Espace réservé du texte 8">
             <a:extLst>
               <a:ext uri="{FF2B5EF4-FFF2-40B4-BE49-F238E27FC236}">
-                <a16:creationId xmlns:a16="http://schemas.microsoft.com/office/drawing/2014/main" id="{4744B28E-5E14-4A77-AD4F-C979905862BF}"/>
+                <a16:creationId xmlns="" xmlns:a16="http://schemas.microsoft.com/office/drawing/2014/main" id="{4744B28E-5E14-4A77-AD4F-C979905862BF}"/>
               </a:ext>
             </a:extLst>
           </p:cNvPr>
@@ -23063,7 +23151,7 @@
           <p:cNvPr id="4" name="Espace réservé du contenu 3">
             <a:extLst>
               <a:ext uri="{FF2B5EF4-FFF2-40B4-BE49-F238E27FC236}">
-                <a16:creationId xmlns:a16="http://schemas.microsoft.com/office/drawing/2014/main" id="{2885A4AC-9AA0-4EFF-8162-609223BF5D70}"/>
+                <a16:creationId xmlns="" xmlns:a16="http://schemas.microsoft.com/office/drawing/2014/main" id="{2885A4AC-9AA0-4EFF-8162-609223BF5D70}"/>
               </a:ext>
             </a:extLst>
           </p:cNvPr>
@@ -23110,7 +23198,7 @@
           <p:cNvPr id="11" name="Rectangle : Coin rogné 10" descr="Zone d’accentuation de pied de page">
             <a:extLst>
               <a:ext uri="{FF2B5EF4-FFF2-40B4-BE49-F238E27FC236}">
-                <a16:creationId xmlns:a16="http://schemas.microsoft.com/office/drawing/2014/main" id="{851F9C8F-B284-4FE9-A76C-49BE3BEE3853}"/>
+                <a16:creationId xmlns="" xmlns:a16="http://schemas.microsoft.com/office/drawing/2014/main" id="{851F9C8F-B284-4FE9-A76C-49BE3BEE3853}"/>
               </a:ext>
             </a:extLst>
           </p:cNvPr>
@@ -23162,7 +23250,7 @@
           <p:cNvPr id="12" name="Espace réservé du numéro de diapositive 5">
             <a:extLst>
               <a:ext uri="{FF2B5EF4-FFF2-40B4-BE49-F238E27FC236}">
-                <a16:creationId xmlns:a16="http://schemas.microsoft.com/office/drawing/2014/main" id="{75EF0122-21C6-4139-B8D0-688B2553C487}"/>
+                <a16:creationId xmlns="" xmlns:a16="http://schemas.microsoft.com/office/drawing/2014/main" id="{75EF0122-21C6-4139-B8D0-688B2553C487}"/>
               </a:ext>
             </a:extLst>
           </p:cNvPr>
@@ -23246,7 +23334,7 @@
           <p:cNvPr id="7" name="Titre 6">
             <a:extLst>
               <a:ext uri="{FF2B5EF4-FFF2-40B4-BE49-F238E27FC236}">
-                <a16:creationId xmlns:a16="http://schemas.microsoft.com/office/drawing/2014/main" id="{4D671F4D-9614-41E9-BA0C-7977DEBBBBB3}"/>
+                <a16:creationId xmlns="" xmlns:a16="http://schemas.microsoft.com/office/drawing/2014/main" id="{4D671F4D-9614-41E9-BA0C-7977DEBBBBB3}"/>
               </a:ext>
             </a:extLst>
           </p:cNvPr>
@@ -23275,7 +23363,7 @@
           <p:cNvPr id="8" name="Rectangle 7" descr="Bloc d’accentuation carré ouvert">
             <a:extLst>
               <a:ext uri="{FF2B5EF4-FFF2-40B4-BE49-F238E27FC236}">
-                <a16:creationId xmlns:a16="http://schemas.microsoft.com/office/drawing/2014/main" id="{1715FCDC-B95D-46B0-8EBD-FC1451D3C124}"/>
+                <a16:creationId xmlns="" xmlns:a16="http://schemas.microsoft.com/office/drawing/2014/main" id="{1715FCDC-B95D-46B0-8EBD-FC1451D3C124}"/>
               </a:ext>
             </a:extLst>
           </p:cNvPr>
@@ -23327,7 +23415,7 @@
           <p:cNvPr id="9" name="Rectangle 8">
             <a:extLst>
               <a:ext uri="{FF2B5EF4-FFF2-40B4-BE49-F238E27FC236}">
-                <a16:creationId xmlns:a16="http://schemas.microsoft.com/office/drawing/2014/main" id="{EF85080C-B66C-4B03-BE77-8C2994DDD44D}"/>
+                <a16:creationId xmlns="" xmlns:a16="http://schemas.microsoft.com/office/drawing/2014/main" id="{EF85080C-B66C-4B03-BE77-8C2994DDD44D}"/>
               </a:ext>
             </a:extLst>
           </p:cNvPr>
@@ -23670,7 +23758,7 @@
           <p:cNvPr id="2" name="Espace réservé du pied de page 1">
             <a:extLst>
               <a:ext uri="{FF2B5EF4-FFF2-40B4-BE49-F238E27FC236}">
-                <a16:creationId xmlns:a16="http://schemas.microsoft.com/office/drawing/2014/main" id="{AAB9EEEE-5D24-422D-B76D-987859ECB059}"/>
+                <a16:creationId xmlns="" xmlns:a16="http://schemas.microsoft.com/office/drawing/2014/main" id="{AAB9EEEE-5D24-422D-B76D-987859ECB059}"/>
               </a:ext>
             </a:extLst>
           </p:cNvPr>
@@ -23699,7 +23787,7 @@
           <p:cNvPr id="5" name="Espace réservé du numéro de diapositive 4">
             <a:extLst>
               <a:ext uri="{FF2B5EF4-FFF2-40B4-BE49-F238E27FC236}">
-                <a16:creationId xmlns:a16="http://schemas.microsoft.com/office/drawing/2014/main" id="{4BFC890C-B560-45C1-9FF4-08AA00E1673F}"/>
+                <a16:creationId xmlns="" xmlns:a16="http://schemas.microsoft.com/office/drawing/2014/main" id="{4BFC890C-B560-45C1-9FF4-08AA00E1673F}"/>
               </a:ext>
             </a:extLst>
           </p:cNvPr>
@@ -23797,7 +23885,7 @@
           <p:cNvPr id="7" name="Titre 6">
             <a:extLst>
               <a:ext uri="{FF2B5EF4-FFF2-40B4-BE49-F238E27FC236}">
-                <a16:creationId xmlns:a16="http://schemas.microsoft.com/office/drawing/2014/main" id="{4D671F4D-9614-41E9-BA0C-7977DEBBBBB3}"/>
+                <a16:creationId xmlns="" xmlns:a16="http://schemas.microsoft.com/office/drawing/2014/main" id="{4D671F4D-9614-41E9-BA0C-7977DEBBBBB3}"/>
               </a:ext>
             </a:extLst>
           </p:cNvPr>
@@ -23826,7 +23914,7 @@
           <p:cNvPr id="8" name="Rectangle 7" descr="Bloc d’accentuation carré ouvert">
             <a:extLst>
               <a:ext uri="{FF2B5EF4-FFF2-40B4-BE49-F238E27FC236}">
-                <a16:creationId xmlns:a16="http://schemas.microsoft.com/office/drawing/2014/main" id="{1715FCDC-B95D-46B0-8EBD-FC1451D3C124}"/>
+                <a16:creationId xmlns="" xmlns:a16="http://schemas.microsoft.com/office/drawing/2014/main" id="{1715FCDC-B95D-46B0-8EBD-FC1451D3C124}"/>
               </a:ext>
             </a:extLst>
           </p:cNvPr>
@@ -23878,7 +23966,7 @@
           <p:cNvPr id="9" name="Rectangle 8">
             <a:extLst>
               <a:ext uri="{FF2B5EF4-FFF2-40B4-BE49-F238E27FC236}">
-                <a16:creationId xmlns:a16="http://schemas.microsoft.com/office/drawing/2014/main" id="{EF85080C-B66C-4B03-BE77-8C2994DDD44D}"/>
+                <a16:creationId xmlns="" xmlns:a16="http://schemas.microsoft.com/office/drawing/2014/main" id="{EF85080C-B66C-4B03-BE77-8C2994DDD44D}"/>
               </a:ext>
             </a:extLst>
           </p:cNvPr>
@@ -24221,7 +24309,7 @@
           <p:cNvPr id="2" name="Espace réservé du pied de page 1">
             <a:extLst>
               <a:ext uri="{FF2B5EF4-FFF2-40B4-BE49-F238E27FC236}">
-                <a16:creationId xmlns:a16="http://schemas.microsoft.com/office/drawing/2014/main" id="{AAB9EEEE-5D24-422D-B76D-987859ECB059}"/>
+                <a16:creationId xmlns="" xmlns:a16="http://schemas.microsoft.com/office/drawing/2014/main" id="{AAB9EEEE-5D24-422D-B76D-987859ECB059}"/>
               </a:ext>
             </a:extLst>
           </p:cNvPr>
@@ -24250,7 +24338,7 @@
           <p:cNvPr id="5" name="Espace réservé du numéro de diapositive 4">
             <a:extLst>
               <a:ext uri="{FF2B5EF4-FFF2-40B4-BE49-F238E27FC236}">
-                <a16:creationId xmlns:a16="http://schemas.microsoft.com/office/drawing/2014/main" id="{4BFC890C-B560-45C1-9FF4-08AA00E1673F}"/>
+                <a16:creationId xmlns="" xmlns:a16="http://schemas.microsoft.com/office/drawing/2014/main" id="{4BFC890C-B560-45C1-9FF4-08AA00E1673F}"/>
               </a:ext>
             </a:extLst>
           </p:cNvPr>
@@ -24281,7 +24369,7 @@
           <p:cNvPr id="10" name="Espace réservé du texte 8">
             <a:extLst>
               <a:ext uri="{FF2B5EF4-FFF2-40B4-BE49-F238E27FC236}">
-                <a16:creationId xmlns:a16="http://schemas.microsoft.com/office/drawing/2014/main" id="{4744B28E-5E14-4A77-AD4F-C979905862BF}"/>
+                <a16:creationId xmlns="" xmlns:a16="http://schemas.microsoft.com/office/drawing/2014/main" id="{4744B28E-5E14-4A77-AD4F-C979905862BF}"/>
               </a:ext>
             </a:extLst>
           </p:cNvPr>
@@ -24503,14 +24591,14 @@
                 <a:gridCol w="3771234">
                   <a:extLst>
                     <a:ext uri="{9D8B030D-6E8A-4147-A177-3AD203B41FA5}">
-                      <a16:colId xmlns:a16="http://schemas.microsoft.com/office/drawing/2014/main" val="1390211348"/>
+                      <a16:colId xmlns="" xmlns:a16="http://schemas.microsoft.com/office/drawing/2014/main" val="1390211348"/>
                     </a:ext>
                   </a:extLst>
                 </a:gridCol>
                 <a:gridCol w="3771234">
                   <a:extLst>
                     <a:ext uri="{9D8B030D-6E8A-4147-A177-3AD203B41FA5}">
-                      <a16:colId xmlns:a16="http://schemas.microsoft.com/office/drawing/2014/main" val="1398587531"/>
+                      <a16:colId xmlns="" xmlns:a16="http://schemas.microsoft.com/office/drawing/2014/main" val="1398587531"/>
                     </a:ext>
                   </a:extLst>
                 </a:gridCol>
@@ -24628,7 +24716,7 @@
                 </a:tc>
                 <a:extLst>
                   <a:ext uri="{0D108BD9-81ED-4DB2-BD59-A6C34878D82A}">
-                    <a16:rowId xmlns:a16="http://schemas.microsoft.com/office/drawing/2014/main" val="1014469777"/>
+                    <a16:rowId xmlns="" xmlns:a16="http://schemas.microsoft.com/office/drawing/2014/main" val="1014469777"/>
                   </a:ext>
                 </a:extLst>
               </a:tr>
@@ -24745,7 +24833,7 @@
                 </a:tc>
                 <a:extLst>
                   <a:ext uri="{0D108BD9-81ED-4DB2-BD59-A6C34878D82A}">
-                    <a16:rowId xmlns:a16="http://schemas.microsoft.com/office/drawing/2014/main" val="368605412"/>
+                    <a16:rowId xmlns="" xmlns:a16="http://schemas.microsoft.com/office/drawing/2014/main" val="368605412"/>
                   </a:ext>
                 </a:extLst>
               </a:tr>
@@ -24871,7 +24959,7 @@
                 </a:tc>
                 <a:extLst>
                   <a:ext uri="{0D108BD9-81ED-4DB2-BD59-A6C34878D82A}">
-                    <a16:rowId xmlns:a16="http://schemas.microsoft.com/office/drawing/2014/main" val="1856488139"/>
+                    <a16:rowId xmlns="" xmlns:a16="http://schemas.microsoft.com/office/drawing/2014/main" val="1856488139"/>
                   </a:ext>
                 </a:extLst>
               </a:tr>
@@ -24988,7 +25076,7 @@
                 </a:tc>
                 <a:extLst>
                   <a:ext uri="{0D108BD9-81ED-4DB2-BD59-A6C34878D82A}">
-                    <a16:rowId xmlns:a16="http://schemas.microsoft.com/office/drawing/2014/main" val="2319881710"/>
+                    <a16:rowId xmlns="" xmlns:a16="http://schemas.microsoft.com/office/drawing/2014/main" val="2319881710"/>
                   </a:ext>
                 </a:extLst>
               </a:tr>
@@ -25105,7 +25193,7 @@
                 </a:tc>
                 <a:extLst>
                   <a:ext uri="{0D108BD9-81ED-4DB2-BD59-A6C34878D82A}">
-                    <a16:rowId xmlns:a16="http://schemas.microsoft.com/office/drawing/2014/main" val="2739456076"/>
+                    <a16:rowId xmlns="" xmlns:a16="http://schemas.microsoft.com/office/drawing/2014/main" val="2739456076"/>
                   </a:ext>
                 </a:extLst>
               </a:tr>
@@ -25155,7 +25243,7 @@
           <p:cNvPr id="7" name="Titre 6">
             <a:extLst>
               <a:ext uri="{FF2B5EF4-FFF2-40B4-BE49-F238E27FC236}">
-                <a16:creationId xmlns:a16="http://schemas.microsoft.com/office/drawing/2014/main" id="{4D671F4D-9614-41E9-BA0C-7977DEBBBBB3}"/>
+                <a16:creationId xmlns="" xmlns:a16="http://schemas.microsoft.com/office/drawing/2014/main" id="{4D671F4D-9614-41E9-BA0C-7977DEBBBBB3}"/>
               </a:ext>
             </a:extLst>
           </p:cNvPr>
@@ -25184,7 +25272,7 @@
           <p:cNvPr id="8" name="Rectangle 7" descr="Bloc d’accentuation carré ouvert">
             <a:extLst>
               <a:ext uri="{FF2B5EF4-FFF2-40B4-BE49-F238E27FC236}">
-                <a16:creationId xmlns:a16="http://schemas.microsoft.com/office/drawing/2014/main" id="{1715FCDC-B95D-46B0-8EBD-FC1451D3C124}"/>
+                <a16:creationId xmlns="" xmlns:a16="http://schemas.microsoft.com/office/drawing/2014/main" id="{1715FCDC-B95D-46B0-8EBD-FC1451D3C124}"/>
               </a:ext>
             </a:extLst>
           </p:cNvPr>
@@ -25236,7 +25324,7 @@
           <p:cNvPr id="9" name="Rectangle 8">
             <a:extLst>
               <a:ext uri="{FF2B5EF4-FFF2-40B4-BE49-F238E27FC236}">
-                <a16:creationId xmlns:a16="http://schemas.microsoft.com/office/drawing/2014/main" id="{EF85080C-B66C-4B03-BE77-8C2994DDD44D}"/>
+                <a16:creationId xmlns="" xmlns:a16="http://schemas.microsoft.com/office/drawing/2014/main" id="{EF85080C-B66C-4B03-BE77-8C2994DDD44D}"/>
               </a:ext>
             </a:extLst>
           </p:cNvPr>
@@ -25579,7 +25667,7 @@
           <p:cNvPr id="2" name="Espace réservé du pied de page 1">
             <a:extLst>
               <a:ext uri="{FF2B5EF4-FFF2-40B4-BE49-F238E27FC236}">
-                <a16:creationId xmlns:a16="http://schemas.microsoft.com/office/drawing/2014/main" id="{AAB9EEEE-5D24-422D-B76D-987859ECB059}"/>
+                <a16:creationId xmlns="" xmlns:a16="http://schemas.microsoft.com/office/drawing/2014/main" id="{AAB9EEEE-5D24-422D-B76D-987859ECB059}"/>
               </a:ext>
             </a:extLst>
           </p:cNvPr>
@@ -25608,7 +25696,7 @@
           <p:cNvPr id="5" name="Espace réservé du numéro de diapositive 4">
             <a:extLst>
               <a:ext uri="{FF2B5EF4-FFF2-40B4-BE49-F238E27FC236}">
-                <a16:creationId xmlns:a16="http://schemas.microsoft.com/office/drawing/2014/main" id="{4BFC890C-B560-45C1-9FF4-08AA00E1673F}"/>
+                <a16:creationId xmlns="" xmlns:a16="http://schemas.microsoft.com/office/drawing/2014/main" id="{4BFC890C-B560-45C1-9FF4-08AA00E1673F}"/>
               </a:ext>
             </a:extLst>
           </p:cNvPr>
@@ -25639,7 +25727,7 @@
           <p:cNvPr id="10" name="Espace réservé du texte 8">
             <a:extLst>
               <a:ext uri="{FF2B5EF4-FFF2-40B4-BE49-F238E27FC236}">
-                <a16:creationId xmlns:a16="http://schemas.microsoft.com/office/drawing/2014/main" id="{4744B28E-5E14-4A77-AD4F-C979905862BF}"/>
+                <a16:creationId xmlns="" xmlns:a16="http://schemas.microsoft.com/office/drawing/2014/main" id="{4744B28E-5E14-4A77-AD4F-C979905862BF}"/>
               </a:ext>
             </a:extLst>
           </p:cNvPr>
@@ -25907,7 +25995,7 @@
           <p:cNvPr id="7" name="Titre 6">
             <a:extLst>
               <a:ext uri="{FF2B5EF4-FFF2-40B4-BE49-F238E27FC236}">
-                <a16:creationId xmlns:a16="http://schemas.microsoft.com/office/drawing/2014/main" id="{4D671F4D-9614-41E9-BA0C-7977DEBBBBB3}"/>
+                <a16:creationId xmlns="" xmlns:a16="http://schemas.microsoft.com/office/drawing/2014/main" id="{4D671F4D-9614-41E9-BA0C-7977DEBBBBB3}"/>
               </a:ext>
             </a:extLst>
           </p:cNvPr>
@@ -25936,7 +26024,7 @@
           <p:cNvPr id="8" name="Rectangle 7" descr="Bloc d’accentuation carré ouvert">
             <a:extLst>
               <a:ext uri="{FF2B5EF4-FFF2-40B4-BE49-F238E27FC236}">
-                <a16:creationId xmlns:a16="http://schemas.microsoft.com/office/drawing/2014/main" id="{1715FCDC-B95D-46B0-8EBD-FC1451D3C124}"/>
+                <a16:creationId xmlns="" xmlns:a16="http://schemas.microsoft.com/office/drawing/2014/main" id="{1715FCDC-B95D-46B0-8EBD-FC1451D3C124}"/>
               </a:ext>
             </a:extLst>
           </p:cNvPr>
@@ -25988,7 +26076,7 @@
           <p:cNvPr id="9" name="Rectangle 8">
             <a:extLst>
               <a:ext uri="{FF2B5EF4-FFF2-40B4-BE49-F238E27FC236}">
-                <a16:creationId xmlns:a16="http://schemas.microsoft.com/office/drawing/2014/main" id="{EF85080C-B66C-4B03-BE77-8C2994DDD44D}"/>
+                <a16:creationId xmlns="" xmlns:a16="http://schemas.microsoft.com/office/drawing/2014/main" id="{EF85080C-B66C-4B03-BE77-8C2994DDD44D}"/>
               </a:ext>
             </a:extLst>
           </p:cNvPr>
@@ -26331,7 +26419,7 @@
           <p:cNvPr id="2" name="Espace réservé du pied de page 1">
             <a:extLst>
               <a:ext uri="{FF2B5EF4-FFF2-40B4-BE49-F238E27FC236}">
-                <a16:creationId xmlns:a16="http://schemas.microsoft.com/office/drawing/2014/main" id="{AAB9EEEE-5D24-422D-B76D-987859ECB059}"/>
+                <a16:creationId xmlns="" xmlns:a16="http://schemas.microsoft.com/office/drawing/2014/main" id="{AAB9EEEE-5D24-422D-B76D-987859ECB059}"/>
               </a:ext>
             </a:extLst>
           </p:cNvPr>
@@ -26360,7 +26448,7 @@
           <p:cNvPr id="5" name="Espace réservé du numéro de diapositive 4">
             <a:extLst>
               <a:ext uri="{FF2B5EF4-FFF2-40B4-BE49-F238E27FC236}">
-                <a16:creationId xmlns:a16="http://schemas.microsoft.com/office/drawing/2014/main" id="{4BFC890C-B560-45C1-9FF4-08AA00E1673F}"/>
+                <a16:creationId xmlns="" xmlns:a16="http://schemas.microsoft.com/office/drawing/2014/main" id="{4BFC890C-B560-45C1-9FF4-08AA00E1673F}"/>
               </a:ext>
             </a:extLst>
           </p:cNvPr>
@@ -26391,7 +26479,7 @@
           <p:cNvPr id="10" name="Espace réservé du texte 8">
             <a:extLst>
               <a:ext uri="{FF2B5EF4-FFF2-40B4-BE49-F238E27FC236}">
-                <a16:creationId xmlns:a16="http://schemas.microsoft.com/office/drawing/2014/main" id="{4744B28E-5E14-4A77-AD4F-C979905862BF}"/>
+                <a16:creationId xmlns="" xmlns:a16="http://schemas.microsoft.com/office/drawing/2014/main" id="{4744B28E-5E14-4A77-AD4F-C979905862BF}"/>
               </a:ext>
             </a:extLst>
           </p:cNvPr>
@@ -26659,7 +26747,7 @@
           <p:cNvPr id="7" name="Titre 6">
             <a:extLst>
               <a:ext uri="{FF2B5EF4-FFF2-40B4-BE49-F238E27FC236}">
-                <a16:creationId xmlns:a16="http://schemas.microsoft.com/office/drawing/2014/main" id="{4D671F4D-9614-41E9-BA0C-7977DEBBBBB3}"/>
+                <a16:creationId xmlns="" xmlns:a16="http://schemas.microsoft.com/office/drawing/2014/main" id="{4D671F4D-9614-41E9-BA0C-7977DEBBBBB3}"/>
               </a:ext>
             </a:extLst>
           </p:cNvPr>
@@ -26688,7 +26776,7 @@
           <p:cNvPr id="8" name="Rectangle 7" descr="Bloc d’accentuation carré ouvert">
             <a:extLst>
               <a:ext uri="{FF2B5EF4-FFF2-40B4-BE49-F238E27FC236}">
-                <a16:creationId xmlns:a16="http://schemas.microsoft.com/office/drawing/2014/main" id="{1715FCDC-B95D-46B0-8EBD-FC1451D3C124}"/>
+                <a16:creationId xmlns="" xmlns:a16="http://schemas.microsoft.com/office/drawing/2014/main" id="{1715FCDC-B95D-46B0-8EBD-FC1451D3C124}"/>
               </a:ext>
             </a:extLst>
           </p:cNvPr>
@@ -26740,7 +26828,7 @@
           <p:cNvPr id="9" name="Rectangle 8">
             <a:extLst>
               <a:ext uri="{FF2B5EF4-FFF2-40B4-BE49-F238E27FC236}">
-                <a16:creationId xmlns:a16="http://schemas.microsoft.com/office/drawing/2014/main" id="{EF85080C-B66C-4B03-BE77-8C2994DDD44D}"/>
+                <a16:creationId xmlns="" xmlns:a16="http://schemas.microsoft.com/office/drawing/2014/main" id="{EF85080C-B66C-4B03-BE77-8C2994DDD44D}"/>
               </a:ext>
             </a:extLst>
           </p:cNvPr>
@@ -27083,7 +27171,7 @@
           <p:cNvPr id="2" name="Espace réservé du pied de page 1">
             <a:extLst>
               <a:ext uri="{FF2B5EF4-FFF2-40B4-BE49-F238E27FC236}">
-                <a16:creationId xmlns:a16="http://schemas.microsoft.com/office/drawing/2014/main" id="{AAB9EEEE-5D24-422D-B76D-987859ECB059}"/>
+                <a16:creationId xmlns="" xmlns:a16="http://schemas.microsoft.com/office/drawing/2014/main" id="{AAB9EEEE-5D24-422D-B76D-987859ECB059}"/>
               </a:ext>
             </a:extLst>
           </p:cNvPr>
@@ -27112,7 +27200,7 @@
           <p:cNvPr id="5" name="Espace réservé du numéro de diapositive 4">
             <a:extLst>
               <a:ext uri="{FF2B5EF4-FFF2-40B4-BE49-F238E27FC236}">
-                <a16:creationId xmlns:a16="http://schemas.microsoft.com/office/drawing/2014/main" id="{4BFC890C-B560-45C1-9FF4-08AA00E1673F}"/>
+                <a16:creationId xmlns="" xmlns:a16="http://schemas.microsoft.com/office/drawing/2014/main" id="{4BFC890C-B560-45C1-9FF4-08AA00E1673F}"/>
               </a:ext>
             </a:extLst>
           </p:cNvPr>
@@ -27143,7 +27231,7 @@
           <p:cNvPr id="10" name="Espace réservé du texte 8">
             <a:extLst>
               <a:ext uri="{FF2B5EF4-FFF2-40B4-BE49-F238E27FC236}">
-                <a16:creationId xmlns:a16="http://schemas.microsoft.com/office/drawing/2014/main" id="{4744B28E-5E14-4A77-AD4F-C979905862BF}"/>
+                <a16:creationId xmlns="" xmlns:a16="http://schemas.microsoft.com/office/drawing/2014/main" id="{4744B28E-5E14-4A77-AD4F-C979905862BF}"/>
               </a:ext>
             </a:extLst>
           </p:cNvPr>
@@ -27411,7 +27499,7 @@
           <p:cNvPr id="7" name="Titre 6">
             <a:extLst>
               <a:ext uri="{FF2B5EF4-FFF2-40B4-BE49-F238E27FC236}">
-                <a16:creationId xmlns:a16="http://schemas.microsoft.com/office/drawing/2014/main" id="{4D671F4D-9614-41E9-BA0C-7977DEBBBBB3}"/>
+                <a16:creationId xmlns="" xmlns:a16="http://schemas.microsoft.com/office/drawing/2014/main" id="{4D671F4D-9614-41E9-BA0C-7977DEBBBBB3}"/>
               </a:ext>
             </a:extLst>
           </p:cNvPr>
@@ -27440,7 +27528,7 @@
           <p:cNvPr id="8" name="Rectangle 7" descr="Bloc d’accentuation carré ouvert">
             <a:extLst>
               <a:ext uri="{FF2B5EF4-FFF2-40B4-BE49-F238E27FC236}">
-                <a16:creationId xmlns:a16="http://schemas.microsoft.com/office/drawing/2014/main" id="{1715FCDC-B95D-46B0-8EBD-FC1451D3C124}"/>
+                <a16:creationId xmlns="" xmlns:a16="http://schemas.microsoft.com/office/drawing/2014/main" id="{1715FCDC-B95D-46B0-8EBD-FC1451D3C124}"/>
               </a:ext>
             </a:extLst>
           </p:cNvPr>
@@ -27492,7 +27580,7 @@
           <p:cNvPr id="9" name="Rectangle 8">
             <a:extLst>
               <a:ext uri="{FF2B5EF4-FFF2-40B4-BE49-F238E27FC236}">
-                <a16:creationId xmlns:a16="http://schemas.microsoft.com/office/drawing/2014/main" id="{EF85080C-B66C-4B03-BE77-8C2994DDD44D}"/>
+                <a16:creationId xmlns="" xmlns:a16="http://schemas.microsoft.com/office/drawing/2014/main" id="{EF85080C-B66C-4B03-BE77-8C2994DDD44D}"/>
               </a:ext>
             </a:extLst>
           </p:cNvPr>
@@ -27835,7 +27923,7 @@
           <p:cNvPr id="2" name="Espace réservé du pied de page 1">
             <a:extLst>
               <a:ext uri="{FF2B5EF4-FFF2-40B4-BE49-F238E27FC236}">
-                <a16:creationId xmlns:a16="http://schemas.microsoft.com/office/drawing/2014/main" id="{AAB9EEEE-5D24-422D-B76D-987859ECB059}"/>
+                <a16:creationId xmlns="" xmlns:a16="http://schemas.microsoft.com/office/drawing/2014/main" id="{AAB9EEEE-5D24-422D-B76D-987859ECB059}"/>
               </a:ext>
             </a:extLst>
           </p:cNvPr>
@@ -27864,7 +27952,7 @@
           <p:cNvPr id="5" name="Espace réservé du numéro de diapositive 4">
             <a:extLst>
               <a:ext uri="{FF2B5EF4-FFF2-40B4-BE49-F238E27FC236}">
-                <a16:creationId xmlns:a16="http://schemas.microsoft.com/office/drawing/2014/main" id="{4BFC890C-B560-45C1-9FF4-08AA00E1673F}"/>
+                <a16:creationId xmlns="" xmlns:a16="http://schemas.microsoft.com/office/drawing/2014/main" id="{4BFC890C-B560-45C1-9FF4-08AA00E1673F}"/>
               </a:ext>
             </a:extLst>
           </p:cNvPr>
@@ -27895,7 +27983,7 @@
           <p:cNvPr id="10" name="Espace réservé du texte 8">
             <a:extLst>
               <a:ext uri="{FF2B5EF4-FFF2-40B4-BE49-F238E27FC236}">
-                <a16:creationId xmlns:a16="http://schemas.microsoft.com/office/drawing/2014/main" id="{4744B28E-5E14-4A77-AD4F-C979905862BF}"/>
+                <a16:creationId xmlns="" xmlns:a16="http://schemas.microsoft.com/office/drawing/2014/main" id="{4744B28E-5E14-4A77-AD4F-C979905862BF}"/>
               </a:ext>
             </a:extLst>
           </p:cNvPr>
